--- a/presentations/source/04-ws-soap-wsdl-etc.pptx
+++ b/presentations/source/04-ws-soap-wsdl-etc.pptx
@@ -250,7 +250,7 @@
             <a:fld id="{7307762F-A706-E543-A832-3C298AA3103F}" type="datetimeFigureOut">
               <a:rPr lang="en-US" smtClean="0"/>
               <a:pPr/>
-              <a:t>01/11/2012</a:t>
+              <a:t>18/12/2012</a:t>
             </a:fld>
             <a:endParaRPr lang="en-US" dirty="0"/>
           </a:p>
@@ -574,7 +574,7 @@
         <p:nvSpPr>
           <p:cNvPr id="882690" name="Rectangle 2"/>
           <p:cNvSpPr>
-            <a:spLocks noChangeArrowheads="1" noTextEdit="1"/>
+            <a:spLocks noGrp="1" noRot="1" noChangeAspect="1" noChangeArrowheads="1" noTextEdit="1"/>
           </p:cNvSpPr>
           <p:nvPr>
             <p:ph type="sldImg"/>
@@ -677,7 +677,7 @@
         <p:nvSpPr>
           <p:cNvPr id="893954" name="Rectangle 2"/>
           <p:cNvSpPr>
-            <a:spLocks noChangeArrowheads="1" noTextEdit="1"/>
+            <a:spLocks noGrp="1" noRot="1" noChangeAspect="1" noChangeArrowheads="1" noTextEdit="1"/>
           </p:cNvSpPr>
           <p:nvPr>
             <p:ph type="sldImg"/>
@@ -774,7 +774,7 @@
         <p:nvSpPr>
           <p:cNvPr id="925698" name="Rectangle 2"/>
           <p:cNvSpPr>
-            <a:spLocks noChangeArrowheads="1" noTextEdit="1"/>
+            <a:spLocks noGrp="1" noRot="1" noChangeAspect="1" noChangeArrowheads="1" noTextEdit="1"/>
           </p:cNvSpPr>
           <p:nvPr>
             <p:ph type="sldImg"/>
@@ -871,7 +871,7 @@
         <p:nvSpPr>
           <p:cNvPr id="899074" name="Rectangle 2"/>
           <p:cNvSpPr>
-            <a:spLocks noChangeArrowheads="1" noTextEdit="1"/>
+            <a:spLocks noGrp="1" noRot="1" noChangeAspect="1" noChangeArrowheads="1" noTextEdit="1"/>
           </p:cNvSpPr>
           <p:nvPr>
             <p:ph type="sldImg"/>
@@ -968,7 +968,7 @@
         <p:nvSpPr>
           <p:cNvPr id="900098" name="Rectangle 2"/>
           <p:cNvSpPr>
-            <a:spLocks noChangeArrowheads="1" noTextEdit="1"/>
+            <a:spLocks noGrp="1" noRot="1" noChangeAspect="1" noChangeArrowheads="1" noTextEdit="1"/>
           </p:cNvSpPr>
           <p:nvPr>
             <p:ph type="sldImg"/>
@@ -1065,7 +1065,7 @@
         <p:nvSpPr>
           <p:cNvPr id="901122" name="Rectangle 2"/>
           <p:cNvSpPr>
-            <a:spLocks noChangeArrowheads="1" noTextEdit="1"/>
+            <a:spLocks noGrp="1" noRot="1" noChangeAspect="1" noChangeArrowheads="1" noTextEdit="1"/>
           </p:cNvSpPr>
           <p:nvPr>
             <p:ph type="sldImg"/>
@@ -1162,7 +1162,7 @@
         <p:nvSpPr>
           <p:cNvPr id="894978" name="Rectangle 2"/>
           <p:cNvSpPr>
-            <a:spLocks noChangeArrowheads="1" noTextEdit="1"/>
+            <a:spLocks noGrp="1" noRot="1" noChangeAspect="1" noChangeArrowheads="1" noTextEdit="1"/>
           </p:cNvSpPr>
           <p:nvPr>
             <p:ph type="sldImg"/>
@@ -1259,7 +1259,7 @@
         <p:nvSpPr>
           <p:cNvPr id="903170" name="Rectangle 2"/>
           <p:cNvSpPr>
-            <a:spLocks noChangeArrowheads="1" noTextEdit="1"/>
+            <a:spLocks noGrp="1" noRot="1" noChangeAspect="1" noChangeArrowheads="1" noTextEdit="1"/>
           </p:cNvSpPr>
           <p:nvPr>
             <p:ph type="sldImg"/>
@@ -1356,7 +1356,7 @@
         <p:nvSpPr>
           <p:cNvPr id="862210" name="Rectangle 2"/>
           <p:cNvSpPr>
-            <a:spLocks noChangeArrowheads="1" noTextEdit="1"/>
+            <a:spLocks noGrp="1" noRot="1" noChangeAspect="1" noChangeArrowheads="1" noTextEdit="1"/>
           </p:cNvSpPr>
           <p:nvPr>
             <p:ph type="sldImg"/>
@@ -1462,7 +1462,7 @@
         <p:nvSpPr>
           <p:cNvPr id="864258" name="Rectangle 2"/>
           <p:cNvSpPr>
-            <a:spLocks noChangeArrowheads="1" noTextEdit="1"/>
+            <a:spLocks noGrp="1" noRot="1" noChangeAspect="1" noChangeArrowheads="1" noTextEdit="1"/>
           </p:cNvSpPr>
           <p:nvPr>
             <p:ph type="sldImg"/>
@@ -1565,7 +1565,7 @@
         <p:nvSpPr>
           <p:cNvPr id="866306" name="Rectangle 2"/>
           <p:cNvSpPr>
-            <a:spLocks noChangeArrowheads="1" noTextEdit="1"/>
+            <a:spLocks noGrp="1" noRot="1" noChangeAspect="1" noChangeArrowheads="1" noTextEdit="1"/>
           </p:cNvSpPr>
           <p:nvPr>
             <p:ph type="sldImg"/>
@@ -1668,7 +1668,7 @@
         <p:nvSpPr>
           <p:cNvPr id="930818" name="Rectangle 2"/>
           <p:cNvSpPr>
-            <a:spLocks noChangeArrowheads="1" noTextEdit="1"/>
+            <a:spLocks noGrp="1" noRot="1" noChangeAspect="1" noChangeArrowheads="1" noTextEdit="1"/>
           </p:cNvSpPr>
           <p:nvPr>
             <p:ph type="sldImg"/>
@@ -1765,7 +1765,7 @@
         <p:nvSpPr>
           <p:cNvPr id="868354" name="Rectangle 2"/>
           <p:cNvSpPr>
-            <a:spLocks noChangeArrowheads="1" noTextEdit="1"/>
+            <a:spLocks noGrp="1" noRot="1" noChangeAspect="1" noChangeArrowheads="1" noTextEdit="1"/>
           </p:cNvSpPr>
           <p:nvPr>
             <p:ph type="sldImg"/>
@@ -1868,7 +1868,7 @@
         <p:nvSpPr>
           <p:cNvPr id="870402" name="Rectangle 2"/>
           <p:cNvSpPr>
-            <a:spLocks noChangeArrowheads="1" noTextEdit="1"/>
+            <a:spLocks noGrp="1" noRot="1" noChangeAspect="1" noChangeArrowheads="1" noTextEdit="1"/>
           </p:cNvSpPr>
           <p:nvPr>
             <p:ph type="sldImg"/>
@@ -1971,7 +1971,7 @@
         <p:nvSpPr>
           <p:cNvPr id="872450" name="Rectangle 2"/>
           <p:cNvSpPr>
-            <a:spLocks noChangeArrowheads="1" noTextEdit="1"/>
+            <a:spLocks noGrp="1" noRot="1" noChangeAspect="1" noChangeArrowheads="1" noTextEdit="1"/>
           </p:cNvSpPr>
           <p:nvPr>
             <p:ph type="sldImg"/>
@@ -2074,7 +2074,7 @@
         <p:nvSpPr>
           <p:cNvPr id="874498" name="Rectangle 2"/>
           <p:cNvSpPr>
-            <a:spLocks noChangeArrowheads="1" noTextEdit="1"/>
+            <a:spLocks noGrp="1" noRot="1" noChangeAspect="1" noChangeArrowheads="1" noTextEdit="1"/>
           </p:cNvSpPr>
           <p:nvPr>
             <p:ph type="sldImg"/>
@@ -2177,7 +2177,7 @@
         <p:nvSpPr>
           <p:cNvPr id="876546" name="Rectangle 2"/>
           <p:cNvSpPr>
-            <a:spLocks noChangeArrowheads="1" noTextEdit="1"/>
+            <a:spLocks noGrp="1" noRot="1" noChangeAspect="1" noChangeArrowheads="1" noTextEdit="1"/>
           </p:cNvSpPr>
           <p:nvPr>
             <p:ph type="sldImg"/>
@@ -2280,7 +2280,7 @@
         <p:nvSpPr>
           <p:cNvPr id="878594" name="Rectangle 2"/>
           <p:cNvSpPr>
-            <a:spLocks noChangeArrowheads="1" noTextEdit="1"/>
+            <a:spLocks noGrp="1" noRot="1" noChangeAspect="1" noChangeArrowheads="1" noTextEdit="1"/>
           </p:cNvSpPr>
           <p:nvPr>
             <p:ph type="sldImg"/>
@@ -2383,7 +2383,7 @@
         <p:nvSpPr>
           <p:cNvPr id="880642" name="Rectangle 2"/>
           <p:cNvSpPr>
-            <a:spLocks noChangeArrowheads="1" noTextEdit="1"/>
+            <a:spLocks noGrp="1" noRot="1" noChangeAspect="1" noChangeArrowheads="1" noTextEdit="1"/>
           </p:cNvSpPr>
           <p:nvPr>
             <p:ph type="sldImg"/>
@@ -2486,7 +2486,7 @@
         <p:nvSpPr>
           <p:cNvPr id="882690" name="Rectangle 2"/>
           <p:cNvSpPr>
-            <a:spLocks noChangeArrowheads="1" noTextEdit="1"/>
+            <a:spLocks noGrp="1" noRot="1" noChangeAspect="1" noChangeArrowheads="1" noTextEdit="1"/>
           </p:cNvSpPr>
           <p:nvPr>
             <p:ph type="sldImg"/>
@@ -2589,7 +2589,7 @@
         <p:nvSpPr>
           <p:cNvPr id="888834" name="Rectangle 2"/>
           <p:cNvSpPr>
-            <a:spLocks noChangeArrowheads="1" noTextEdit="1"/>
+            <a:spLocks noGrp="1" noRot="1" noChangeAspect="1" noChangeArrowheads="1" noTextEdit="1"/>
           </p:cNvSpPr>
           <p:nvPr>
             <p:ph type="sldImg"/>
@@ -2692,7 +2692,7 @@
         <p:nvSpPr>
           <p:cNvPr id="890882" name="Rectangle 2"/>
           <p:cNvSpPr>
-            <a:spLocks noChangeArrowheads="1" noTextEdit="1"/>
+            <a:spLocks noGrp="1" noRot="1" noChangeAspect="1" noChangeArrowheads="1" noTextEdit="1"/>
           </p:cNvSpPr>
           <p:nvPr>
             <p:ph type="sldImg"/>
@@ -2795,7 +2795,7 @@
         <p:nvSpPr>
           <p:cNvPr id="879618" name="Rectangle 2"/>
           <p:cNvSpPr>
-            <a:spLocks noChangeArrowheads="1" noTextEdit="1"/>
+            <a:spLocks noGrp="1" noRot="1" noChangeAspect="1" noChangeArrowheads="1" noTextEdit="1"/>
           </p:cNvSpPr>
           <p:nvPr>
             <p:ph type="sldImg"/>
@@ -2898,7 +2898,7 @@
         <p:nvSpPr>
           <p:cNvPr id="892930" name="Rectangle 2"/>
           <p:cNvSpPr>
-            <a:spLocks noChangeArrowheads="1" noTextEdit="1"/>
+            <a:spLocks noGrp="1" noRot="1" noChangeAspect="1" noChangeArrowheads="1" noTextEdit="1"/>
           </p:cNvSpPr>
           <p:nvPr>
             <p:ph type="sldImg"/>
@@ -3001,7 +3001,7 @@
         <p:nvSpPr>
           <p:cNvPr id="894978" name="Rectangle 2"/>
           <p:cNvSpPr>
-            <a:spLocks noChangeArrowheads="1" noTextEdit="1"/>
+            <a:spLocks noGrp="1" noRot="1" noChangeAspect="1" noChangeArrowheads="1" noTextEdit="1"/>
           </p:cNvSpPr>
           <p:nvPr>
             <p:ph type="sldImg"/>
@@ -3104,7 +3104,7 @@
         <p:nvSpPr>
           <p:cNvPr id="966658" name="Rectangle 2"/>
           <p:cNvSpPr>
-            <a:spLocks noChangeArrowheads="1" noTextEdit="1"/>
+            <a:spLocks noGrp="1" noRot="1" noChangeAspect="1" noChangeArrowheads="1" noTextEdit="1"/>
           </p:cNvSpPr>
           <p:nvPr>
             <p:ph type="sldImg"/>
@@ -3201,7 +3201,7 @@
         <p:nvSpPr>
           <p:cNvPr id="968706" name="Rectangle 2"/>
           <p:cNvSpPr>
-            <a:spLocks noChangeArrowheads="1" noTextEdit="1"/>
+            <a:spLocks noGrp="1" noRot="1" noChangeAspect="1" noChangeArrowheads="1" noTextEdit="1"/>
           </p:cNvSpPr>
           <p:nvPr>
             <p:ph type="sldImg"/>
@@ -3298,7 +3298,7 @@
         <p:nvSpPr>
           <p:cNvPr id="970754" name="Rectangle 2"/>
           <p:cNvSpPr>
-            <a:spLocks noChangeArrowheads="1" noTextEdit="1"/>
+            <a:spLocks noGrp="1" noRot="1" noChangeAspect="1" noChangeArrowheads="1" noTextEdit="1"/>
           </p:cNvSpPr>
           <p:nvPr>
             <p:ph type="sldImg"/>
@@ -3395,7 +3395,7 @@
         <p:nvSpPr>
           <p:cNvPr id="972802" name="Rectangle 2"/>
           <p:cNvSpPr>
-            <a:spLocks noChangeArrowheads="1" noTextEdit="1"/>
+            <a:spLocks noGrp="1" noRot="1" noChangeAspect="1" noChangeArrowheads="1" noTextEdit="1"/>
           </p:cNvSpPr>
           <p:nvPr>
             <p:ph type="sldImg"/>
@@ -3492,7 +3492,7 @@
         <p:nvSpPr>
           <p:cNvPr id="974850" name="Rectangle 2"/>
           <p:cNvSpPr>
-            <a:spLocks noChangeArrowheads="1" noTextEdit="1"/>
+            <a:spLocks noGrp="1" noRot="1" noChangeAspect="1" noChangeArrowheads="1" noTextEdit="1"/>
           </p:cNvSpPr>
           <p:nvPr>
             <p:ph type="sldImg"/>
@@ -3589,7 +3589,7 @@
         <p:nvSpPr>
           <p:cNvPr id="958466" name="Rectangle 2"/>
           <p:cNvSpPr>
-            <a:spLocks noChangeArrowheads="1" noTextEdit="1"/>
+            <a:spLocks noGrp="1" noRot="1" noChangeAspect="1" noChangeArrowheads="1" noTextEdit="1"/>
           </p:cNvSpPr>
           <p:nvPr>
             <p:ph type="sldImg"/>
@@ -3692,7 +3692,7 @@
         <p:nvSpPr>
           <p:cNvPr id="960514" name="Rectangle 2"/>
           <p:cNvSpPr>
-            <a:spLocks noChangeArrowheads="1" noTextEdit="1"/>
+            <a:spLocks noGrp="1" noRot="1" noChangeAspect="1" noChangeArrowheads="1" noTextEdit="1"/>
           </p:cNvSpPr>
           <p:nvPr>
             <p:ph type="sldImg"/>
@@ -3795,7 +3795,7 @@
         <p:nvSpPr>
           <p:cNvPr id="962562" name="Rectangle 2"/>
           <p:cNvSpPr>
-            <a:spLocks noChangeArrowheads="1" noTextEdit="1"/>
+            <a:spLocks noGrp="1" noRot="1" noChangeAspect="1" noChangeArrowheads="1" noTextEdit="1"/>
           </p:cNvSpPr>
           <p:nvPr>
             <p:ph type="sldImg"/>
@@ -3898,7 +3898,7 @@
         <p:nvSpPr>
           <p:cNvPr id="886786" name="Rectangle 2"/>
           <p:cNvSpPr>
-            <a:spLocks noChangeArrowheads="1" noTextEdit="1"/>
+            <a:spLocks noGrp="1" noRot="1" noChangeAspect="1" noChangeArrowheads="1" noTextEdit="1"/>
           </p:cNvSpPr>
           <p:nvPr>
             <p:ph type="sldImg"/>
@@ -3995,7 +3995,7 @@
         <p:nvSpPr>
           <p:cNvPr id="935938" name="Rectangle 2"/>
           <p:cNvSpPr>
-            <a:spLocks noChangeArrowheads="1" noTextEdit="1"/>
+            <a:spLocks noGrp="1" noRot="1" noChangeAspect="1" noChangeArrowheads="1" noTextEdit="1"/>
           </p:cNvSpPr>
           <p:nvPr>
             <p:ph type="sldImg"/>
@@ -4156,7 +4156,7 @@
         <p:nvSpPr>
           <p:cNvPr id="937987" name="Text Box 3"/>
           <p:cNvSpPr txBox="1">
-            <a:spLocks noChangeArrowheads="1"/>
+            <a:spLocks noGrp="1" noChangeArrowheads="1"/>
           </p:cNvSpPr>
           <p:nvPr>
             <p:ph type="body"/>
@@ -4412,7 +4412,7 @@
         <p:nvSpPr>
           <p:cNvPr id="940035" name="Text Box 3"/>
           <p:cNvSpPr txBox="1">
-            <a:spLocks noChangeArrowheads="1"/>
+            <a:spLocks noGrp="1" noChangeArrowheads="1"/>
           </p:cNvSpPr>
           <p:nvPr>
             <p:ph type="body"/>
@@ -4610,7 +4610,7 @@
         <p:nvSpPr>
           <p:cNvPr id="942082" name="Rectangle 2"/>
           <p:cNvSpPr>
-            <a:spLocks noChangeArrowheads="1" noTextEdit="1"/>
+            <a:spLocks noGrp="1" noRot="1" noChangeAspect="1" noChangeArrowheads="1" noTextEdit="1"/>
           </p:cNvSpPr>
           <p:nvPr>
             <p:ph type="sldImg"/>
@@ -4713,7 +4713,7 @@
         <p:nvSpPr>
           <p:cNvPr id="944130" name="Rectangle 2"/>
           <p:cNvSpPr>
-            <a:spLocks noChangeArrowheads="1" noTextEdit="1"/>
+            <a:spLocks noGrp="1" noRot="1" noChangeAspect="1" noChangeArrowheads="1" noTextEdit="1"/>
           </p:cNvSpPr>
           <p:nvPr>
             <p:ph type="sldImg"/>
@@ -4816,7 +4816,7 @@
         <p:nvSpPr>
           <p:cNvPr id="946178" name="Rectangle 2"/>
           <p:cNvSpPr>
-            <a:spLocks noChangeArrowheads="1" noTextEdit="1"/>
+            <a:spLocks noGrp="1" noRot="1" noChangeAspect="1" noChangeArrowheads="1" noTextEdit="1"/>
           </p:cNvSpPr>
           <p:nvPr>
             <p:ph type="sldImg"/>
@@ -4977,7 +4977,7 @@
         <p:nvSpPr>
           <p:cNvPr id="948227" name="Text Box 3"/>
           <p:cNvSpPr txBox="1">
-            <a:spLocks noChangeArrowheads="1"/>
+            <a:spLocks noGrp="1" noChangeArrowheads="1"/>
           </p:cNvSpPr>
           <p:nvPr>
             <p:ph type="body"/>
@@ -5233,7 +5233,7 @@
         <p:nvSpPr>
           <p:cNvPr id="950275" name="Text Box 3"/>
           <p:cNvSpPr txBox="1">
-            <a:spLocks noChangeArrowheads="1"/>
+            <a:spLocks noGrp="1" noChangeArrowheads="1"/>
           </p:cNvSpPr>
           <p:nvPr>
             <p:ph type="body"/>
@@ -5431,7 +5431,7 @@
         <p:nvSpPr>
           <p:cNvPr id="956418" name="Rectangle 2"/>
           <p:cNvSpPr>
-            <a:spLocks noChangeArrowheads="1" noTextEdit="1"/>
+            <a:spLocks noGrp="1" noRot="1" noChangeAspect="1" noChangeArrowheads="1" noTextEdit="1"/>
           </p:cNvSpPr>
           <p:nvPr>
             <p:ph type="sldImg"/>
@@ -5534,7 +5534,7 @@
         <p:nvSpPr>
           <p:cNvPr id="964610" name="Rectangle 2"/>
           <p:cNvSpPr>
-            <a:spLocks noChangeArrowheads="1" noTextEdit="1"/>
+            <a:spLocks noGrp="1" noRot="1" noChangeAspect="1" noChangeArrowheads="1" noTextEdit="1"/>
           </p:cNvSpPr>
           <p:nvPr>
             <p:ph type="sldImg"/>
@@ -5637,7 +5637,7 @@
         <p:nvSpPr>
           <p:cNvPr id="887810" name="Rectangle 2"/>
           <p:cNvSpPr>
-            <a:spLocks noChangeArrowheads="1" noTextEdit="1"/>
+            <a:spLocks noGrp="1" noRot="1" noChangeAspect="1" noChangeArrowheads="1" noTextEdit="1"/>
           </p:cNvSpPr>
           <p:nvPr>
             <p:ph type="sldImg"/>
@@ -5792,7 +5792,7 @@
         <p:nvSpPr>
           <p:cNvPr id="952323" name="Text Box 3"/>
           <p:cNvSpPr txBox="1">
-            <a:spLocks noChangeArrowheads="1"/>
+            <a:spLocks noGrp="1" noChangeArrowheads="1"/>
           </p:cNvSpPr>
           <p:nvPr>
             <p:ph type="body"/>
@@ -5990,7 +5990,7 @@
         <p:nvSpPr>
           <p:cNvPr id="897026" name="Rectangle 2"/>
           <p:cNvSpPr>
-            <a:spLocks noChangeArrowheads="1" noTextEdit="1"/>
+            <a:spLocks noGrp="1" noRot="1" noChangeAspect="1" noChangeArrowheads="1" noTextEdit="1"/>
           </p:cNvSpPr>
           <p:nvPr>
             <p:ph type="sldImg"/>
@@ -6093,7 +6093,7 @@
         <p:nvSpPr>
           <p:cNvPr id="909314" name="Rectangle 2"/>
           <p:cNvSpPr>
-            <a:spLocks noChangeArrowheads="1" noTextEdit="1"/>
+            <a:spLocks noGrp="1" noRot="1" noChangeAspect="1" noChangeArrowheads="1" noTextEdit="1"/>
           </p:cNvSpPr>
           <p:nvPr>
             <p:ph type="sldImg"/>
@@ -6190,7 +6190,7 @@
         <p:nvSpPr>
           <p:cNvPr id="888834" name="Rectangle 2"/>
           <p:cNvSpPr>
-            <a:spLocks noChangeArrowheads="1" noTextEdit="1"/>
+            <a:spLocks noGrp="1" noRot="1" noChangeAspect="1" noChangeArrowheads="1" noTextEdit="1"/>
           </p:cNvSpPr>
           <p:nvPr>
             <p:ph type="sldImg"/>
@@ -6287,7 +6287,7 @@
         <p:nvSpPr>
           <p:cNvPr id="932866" name="Rectangle 2"/>
           <p:cNvSpPr>
-            <a:spLocks noChangeArrowheads="1" noTextEdit="1"/>
+            <a:spLocks noGrp="1" noRot="1" noChangeAspect="1" noChangeArrowheads="1" noTextEdit="1"/>
           </p:cNvSpPr>
           <p:nvPr>
             <p:ph type="sldImg"/>
@@ -6384,7 +6384,7 @@
         <p:nvSpPr>
           <p:cNvPr id="934914" name="Rectangle 2"/>
           <p:cNvSpPr>
-            <a:spLocks noChangeArrowheads="1" noTextEdit="1"/>
+            <a:spLocks noGrp="1" noRot="1" noChangeAspect="1" noChangeArrowheads="1" noTextEdit="1"/>
           </p:cNvSpPr>
           <p:nvPr>
             <p:ph type="sldImg"/>
@@ -6481,7 +6481,7 @@
         <p:nvSpPr>
           <p:cNvPr id="890882" name="Rectangle 2"/>
           <p:cNvSpPr>
-            <a:spLocks noChangeArrowheads="1" noTextEdit="1"/>
+            <a:spLocks noGrp="1" noRot="1" noChangeAspect="1" noChangeArrowheads="1" noTextEdit="1"/>
           </p:cNvSpPr>
           <p:nvPr>
             <p:ph type="sldImg"/>
@@ -6821,7 +6821,7 @@
           <a:p>
             <a:fld id="{875CF0EB-321F-0749-B37A-89BBA859503C}" type="datetimeFigureOut">
               <a:rPr lang="en-US" smtClean="0"/>
-              <a:t>01/11/2012</a:t>
+              <a:t>18/12/2012</a:t>
             </a:fld>
             <a:endParaRPr lang="en-US"/>
           </a:p>
@@ -7025,7 +7025,7 @@
           <a:p>
             <a:fld id="{875CF0EB-321F-0749-B37A-89BBA859503C}" type="datetimeFigureOut">
               <a:rPr lang="en-US" smtClean="0"/>
-              <a:t>01/11/2012</a:t>
+              <a:t>18/12/2012</a:t>
             </a:fld>
             <a:endParaRPr lang="en-US"/>
           </a:p>
@@ -7219,7 +7219,7 @@
           <a:p>
             <a:fld id="{875CF0EB-321F-0749-B37A-89BBA859503C}" type="datetimeFigureOut">
               <a:rPr lang="en-US" smtClean="0"/>
-              <a:t>01/11/2012</a:t>
+              <a:t>18/12/2012</a:t>
             </a:fld>
             <a:endParaRPr lang="en-US"/>
           </a:p>
@@ -7489,7 +7489,7 @@
           <a:p>
             <a:fld id="{875CF0EB-321F-0749-B37A-89BBA859503C}" type="datetimeFigureOut">
               <a:rPr lang="en-US" smtClean="0"/>
-              <a:t>01/11/2012</a:t>
+              <a:t>18/12/2012</a:t>
             </a:fld>
             <a:endParaRPr lang="en-US"/>
           </a:p>
@@ -7801,7 +7801,7 @@
           <a:p>
             <a:fld id="{875CF0EB-321F-0749-B37A-89BBA859503C}" type="datetimeFigureOut">
               <a:rPr lang="en-US" smtClean="0"/>
-              <a:t>01/11/2012</a:t>
+              <a:t>18/12/2012</a:t>
             </a:fld>
             <a:endParaRPr lang="en-US"/>
           </a:p>
@@ -8247,7 +8247,7 @@
           <a:p>
             <a:fld id="{875CF0EB-321F-0749-B37A-89BBA859503C}" type="datetimeFigureOut">
               <a:rPr lang="en-US" smtClean="0"/>
-              <a:t>01/11/2012</a:t>
+              <a:t>18/12/2012</a:t>
             </a:fld>
             <a:endParaRPr lang="en-US"/>
           </a:p>
@@ -8389,7 +8389,7 @@
           <a:p>
             <a:fld id="{875CF0EB-321F-0749-B37A-89BBA859503C}" type="datetimeFigureOut">
               <a:rPr lang="en-US" smtClean="0"/>
-              <a:t>01/11/2012</a:t>
+              <a:t>18/12/2012</a:t>
             </a:fld>
             <a:endParaRPr lang="en-US"/>
           </a:p>
@@ -8508,7 +8508,7 @@
           <a:p>
             <a:fld id="{875CF0EB-321F-0749-B37A-89BBA859503C}" type="datetimeFigureOut">
               <a:rPr lang="en-US" smtClean="0"/>
-              <a:t>01/11/2012</a:t>
+              <a:t>18/12/2012</a:t>
             </a:fld>
             <a:endParaRPr lang="en-US"/>
           </a:p>
@@ -8809,7 +8809,7 @@
           <a:p>
             <a:fld id="{875CF0EB-321F-0749-B37A-89BBA859503C}" type="datetimeFigureOut">
               <a:rPr lang="en-US" smtClean="0"/>
-              <a:t>01/11/2012</a:t>
+              <a:t>18/12/2012</a:t>
             </a:fld>
             <a:endParaRPr lang="en-US"/>
           </a:p>
@@ -9086,7 +9086,7 @@
           <a:p>
             <a:fld id="{875CF0EB-321F-0749-B37A-89BBA859503C}" type="datetimeFigureOut">
               <a:rPr lang="en-US" smtClean="0"/>
-              <a:t>01/11/2012</a:t>
+              <a:t>18/12/2012</a:t>
             </a:fld>
             <a:endParaRPr lang="en-US"/>
           </a:p>
@@ -9898,6 +9898,33 @@
           <a:bodyPr/>
           <a:lstStyle/>
           <a:p>
+            <a:r>
+              <a:rPr lang="en-US" dirty="0">
+                <a:ea typeface="ヒラギノ角ゴ ProN W3" charset="0"/>
+                <a:cs typeface="ヒラギノ角ゴ ProN W3" charset="0"/>
+              </a:rPr>
+              <a:t>Oxford University </a:t>
+            </a:r>
+          </a:p>
+          <a:p>
+            <a:r>
+              <a:rPr lang="en-US" dirty="0">
+                <a:ea typeface="ヒラギノ角ゴ ProN W3" charset="0"/>
+                <a:cs typeface="ヒラギノ角ゴ ProN W3" charset="0"/>
+              </a:rPr>
+              <a:t>Software Engineering Programme</a:t>
+            </a:r>
+          </a:p>
+          <a:p>
+            <a:r>
+              <a:rPr lang="en-US">
+                <a:ea typeface="ヒラギノ角ゴ ProN W3" charset="0"/>
+                <a:cs typeface="ヒラギノ角ゴ ProN W3" charset="0"/>
+              </a:rPr>
+              <a:t>Dec 2012</a:t>
+            </a:r>
+          </a:p>
+          <a:p>
             <a:endParaRPr lang="en-US"/>
           </a:p>
         </p:txBody>
@@ -10274,11 +10301,11 @@
   <p:clrMapOvr>
     <a:masterClrMapping/>
   </p:clrMapOvr>
-  <mc:AlternateContent xmlns:mc="http://schemas.openxmlformats.org/markup-compatibility/2006">
-    <mc:Choice xmlns:p14="http://schemas.microsoft.com/office/powerpoint/2010/main" Requires="p14">
+  <mc:AlternateContent xmlns:mc="http://schemas.openxmlformats.org/markup-compatibility/2006" xmlns:p14="http://schemas.microsoft.com/office/powerpoint/2010/main">
+    <mc:Choice Requires="p14">
       <p:transition spd="slow" p14:dur="2000"/>
     </mc:Choice>
-    <mc:Fallback>
+    <mc:Fallback xmlns="">
       <p:transition xmlns:p14="http://schemas.microsoft.com/office/powerpoint/2010/main" spd="slow"/>
     </mc:Fallback>
   </mc:AlternateContent>
@@ -10410,11 +10437,11 @@
   <p:clrMapOvr>
     <a:masterClrMapping/>
   </p:clrMapOvr>
-  <mc:AlternateContent xmlns:mc="http://schemas.openxmlformats.org/markup-compatibility/2006">
-    <mc:Choice xmlns:p14="http://schemas.microsoft.com/office/powerpoint/2010/main" Requires="p14">
+  <mc:AlternateContent xmlns:mc="http://schemas.openxmlformats.org/markup-compatibility/2006" xmlns:p14="http://schemas.microsoft.com/office/powerpoint/2010/main">
+    <mc:Choice Requires="p14">
       <p:transition spd="slow" p14:dur="2000"/>
     </mc:Choice>
-    <mc:Fallback>
+    <mc:Fallback xmlns="">
       <p:transition xmlns:p14="http://schemas.microsoft.com/office/powerpoint/2010/main" spd="slow"/>
     </mc:Fallback>
   </mc:AlternateContent>
@@ -10539,11 +10566,11 @@
   <p:clrMapOvr>
     <a:masterClrMapping/>
   </p:clrMapOvr>
-  <mc:AlternateContent xmlns:mc="http://schemas.openxmlformats.org/markup-compatibility/2006">
-    <mc:Choice xmlns:p14="http://schemas.microsoft.com/office/powerpoint/2010/main" Requires="p14">
+  <mc:AlternateContent xmlns:mc="http://schemas.openxmlformats.org/markup-compatibility/2006" xmlns:p14="http://schemas.microsoft.com/office/powerpoint/2010/main">
+    <mc:Choice Requires="p14">
       <p:transition spd="slow" p14:dur="2000"/>
     </mc:Choice>
-    <mc:Fallback>
+    <mc:Fallback xmlns="">
       <p:transition xmlns:p14="http://schemas.microsoft.com/office/powerpoint/2010/main" spd="slow"/>
     </mc:Fallback>
   </mc:AlternateContent>
@@ -10684,11 +10711,11 @@
   <p:clrMapOvr>
     <a:masterClrMapping/>
   </p:clrMapOvr>
-  <mc:AlternateContent xmlns:mc="http://schemas.openxmlformats.org/markup-compatibility/2006">
-    <mc:Choice xmlns:p14="http://schemas.microsoft.com/office/powerpoint/2010/main" Requires="p14">
+  <mc:AlternateContent xmlns:mc="http://schemas.openxmlformats.org/markup-compatibility/2006" xmlns:p14="http://schemas.microsoft.com/office/powerpoint/2010/main">
+    <mc:Choice Requires="p14">
       <p:transition spd="slow" p14:dur="2000"/>
     </mc:Choice>
-    <mc:Fallback>
+    <mc:Fallback xmlns="">
       <p:transition xmlns:p14="http://schemas.microsoft.com/office/powerpoint/2010/main" spd="slow"/>
     </mc:Fallback>
   </mc:AlternateContent>
@@ -10812,11 +10839,11 @@
   <p:clrMapOvr>
     <a:masterClrMapping/>
   </p:clrMapOvr>
-  <mc:AlternateContent xmlns:mc="http://schemas.openxmlformats.org/markup-compatibility/2006">
-    <mc:Choice xmlns:p14="http://schemas.microsoft.com/office/powerpoint/2010/main" Requires="p14">
+  <mc:AlternateContent xmlns:mc="http://schemas.openxmlformats.org/markup-compatibility/2006" xmlns:p14="http://schemas.microsoft.com/office/powerpoint/2010/main">
+    <mc:Choice Requires="p14">
       <p:transition spd="slow" p14:dur="2000"/>
     </mc:Choice>
-    <mc:Fallback>
+    <mc:Fallback xmlns="">
       <p:transition xmlns:p14="http://schemas.microsoft.com/office/powerpoint/2010/main" spd="slow"/>
     </mc:Fallback>
   </mc:AlternateContent>
@@ -10910,11 +10937,11 @@
   <p:clrMapOvr>
     <a:masterClrMapping/>
   </p:clrMapOvr>
-  <mc:AlternateContent xmlns:mc="http://schemas.openxmlformats.org/markup-compatibility/2006">
-    <mc:Choice xmlns:p14="http://schemas.microsoft.com/office/powerpoint/2010/main" Requires="p14">
+  <mc:AlternateContent xmlns:mc="http://schemas.openxmlformats.org/markup-compatibility/2006" xmlns:p14="http://schemas.microsoft.com/office/powerpoint/2010/main">
+    <mc:Choice Requires="p14">
       <p:transition spd="slow" p14:dur="2000"/>
     </mc:Choice>
-    <mc:Fallback>
+    <mc:Fallback xmlns="">
       <p:transition xmlns:p14="http://schemas.microsoft.com/office/powerpoint/2010/main" spd="slow"/>
     </mc:Fallback>
   </mc:AlternateContent>
@@ -11029,11 +11056,11 @@
   <p:clrMapOvr>
     <a:masterClrMapping/>
   </p:clrMapOvr>
-  <mc:AlternateContent xmlns:mc="http://schemas.openxmlformats.org/markup-compatibility/2006">
-    <mc:Choice xmlns:p14="http://schemas.microsoft.com/office/powerpoint/2010/main" Requires="p14">
+  <mc:AlternateContent xmlns:mc="http://schemas.openxmlformats.org/markup-compatibility/2006" xmlns:p14="http://schemas.microsoft.com/office/powerpoint/2010/main">
+    <mc:Choice Requires="p14">
       <p:transition spd="slow" p14:dur="2000"/>
     </mc:Choice>
-    <mc:Fallback>
+    <mc:Fallback xmlns="">
       <p:transition xmlns:p14="http://schemas.microsoft.com/office/powerpoint/2010/main" spd="slow"/>
     </mc:Fallback>
   </mc:AlternateContent>
@@ -11165,11 +11192,11 @@
   <p:clrMapOvr>
     <a:masterClrMapping/>
   </p:clrMapOvr>
-  <mc:AlternateContent xmlns:mc="http://schemas.openxmlformats.org/markup-compatibility/2006">
-    <mc:Choice xmlns:p14="http://schemas.microsoft.com/office/powerpoint/2010/main" Requires="p14">
+  <mc:AlternateContent xmlns:mc="http://schemas.openxmlformats.org/markup-compatibility/2006" xmlns:p14="http://schemas.microsoft.com/office/powerpoint/2010/main">
+    <mc:Choice Requires="p14">
       <p:transition spd="slow" p14:dur="2000"/>
     </mc:Choice>
-    <mc:Fallback>
+    <mc:Fallback xmlns="">
       <p:transition xmlns:p14="http://schemas.microsoft.com/office/powerpoint/2010/main" spd="slow"/>
     </mc:Fallback>
   </mc:AlternateContent>
@@ -11280,11 +11307,11 @@
   <p:clrMapOvr>
     <a:masterClrMapping/>
   </p:clrMapOvr>
-  <mc:AlternateContent xmlns:mc="http://schemas.openxmlformats.org/markup-compatibility/2006">
-    <mc:Choice xmlns:p14="http://schemas.microsoft.com/office/powerpoint/2010/main" Requires="p14">
+  <mc:AlternateContent xmlns:mc="http://schemas.openxmlformats.org/markup-compatibility/2006" xmlns:p14="http://schemas.microsoft.com/office/powerpoint/2010/main">
+    <mc:Choice Requires="p14">
       <p:transition spd="slow" p14:dur="2000"/>
     </mc:Choice>
-    <mc:Fallback>
+    <mc:Fallback xmlns="">
       <p:transition xmlns:p14="http://schemas.microsoft.com/office/powerpoint/2010/main" spd="slow"/>
     </mc:Fallback>
   </mc:AlternateContent>
@@ -11334,7 +11361,7 @@
         <p:nvPicPr>
           <p:cNvPr id="861187" name="Picture 3"/>
           <p:cNvPicPr>
-            <a:picLocks noChangeAspect="1" noChangeArrowheads="1"/>
+            <a:picLocks noGrp="1" noChangeAspect="1" noChangeArrowheads="1"/>
           </p:cNvPicPr>
           <p:nvPr>
             <p:ph idx="1"/>
@@ -12091,7 +12118,7 @@
         <p:nvGraphicFramePr>
           <p:cNvPr id="8" name="Object 3"/>
           <p:cNvGraphicFramePr>
-            <a:graphicFrameLocks noChangeAspect="1"/>
+            <a:graphicFrameLocks noGrp="1" noChangeAspect="1"/>
           </p:cNvGraphicFramePr>
           <p:nvPr>
             <p:ph idx="1"/>
@@ -12105,7 +12132,7 @@
           <a:graphicData uri="http://schemas.openxmlformats.org/presentationml/2006/ole">
             <mc:AlternateContent xmlns:mc="http://schemas.openxmlformats.org/markup-compatibility/2006">
               <mc:Choice xmlns:v="urn:schemas-microsoft-com:vml" Requires="v">
-                <p:oleObj spid="_x0000_s44035" name="Bitmap Image" r:id="rId4" imgW="7954485" imgH="3677163" progId="Paint.Picture">
+                <p:oleObj spid="_x0000_s44037" name="Bitmap Image" r:id="rId4" imgW="7954485" imgH="3677163" progId="Paint.Picture">
                   <p:embed/>
                 </p:oleObj>
               </mc:Choice>
@@ -12212,7 +12239,7 @@
         <p:nvGraphicFramePr>
           <p:cNvPr id="8" name="Object 3"/>
           <p:cNvGraphicFramePr>
-            <a:graphicFrameLocks noChangeAspect="1"/>
+            <a:graphicFrameLocks noGrp="1" noChangeAspect="1"/>
           </p:cNvGraphicFramePr>
           <p:nvPr>
             <p:ph idx="1"/>
@@ -12226,7 +12253,7 @@
           <a:graphicData uri="http://schemas.openxmlformats.org/presentationml/2006/ole">
             <mc:AlternateContent xmlns:mc="http://schemas.openxmlformats.org/markup-compatibility/2006">
               <mc:Choice xmlns:v="urn:schemas-microsoft-com:vml" Requires="v">
-                <p:oleObj spid="_x0000_s46083" name="Bitmap Image" r:id="rId4" imgW="8952381" imgH="4086795" progId="Paint.Picture">
+                <p:oleObj spid="_x0000_s46085" name="Bitmap Image" r:id="rId4" imgW="8952381" imgH="4086795" progId="Paint.Picture">
                   <p:embed/>
                 </p:oleObj>
               </mc:Choice>
@@ -12876,7 +12903,7 @@
         <p:nvGraphicFramePr>
           <p:cNvPr id="8" name="Object 3"/>
           <p:cNvGraphicFramePr>
-            <a:graphicFrameLocks noChangeAspect="1"/>
+            <a:graphicFrameLocks noGrp="1" noChangeAspect="1"/>
           </p:cNvGraphicFramePr>
           <p:nvPr>
             <p:ph idx="1"/>
@@ -12895,7 +12922,7 @@
           <a:graphicData uri="http://schemas.openxmlformats.org/presentationml/2006/ole">
             <mc:AlternateContent xmlns:mc="http://schemas.openxmlformats.org/markup-compatibility/2006">
               <mc:Choice xmlns:v="urn:schemas-microsoft-com:vml" Requires="v">
-                <p:oleObj spid="_x0000_s54275" name="Bitmap Image" r:id="rId4" imgW="7466667" imgH="2991268" progId="Paint.Picture">
+                <p:oleObj spid="_x0000_s54277" name="Bitmap Image" r:id="rId4" imgW="7466667" imgH="2991268" progId="Paint.Picture">
                   <p:embed/>
                 </p:oleObj>
               </mc:Choice>
@@ -13008,7 +13035,7 @@
         <p:nvPicPr>
           <p:cNvPr id="881667" name="Picture 3"/>
           <p:cNvPicPr>
-            <a:picLocks noChangeAspect="1" noChangeArrowheads="1"/>
+            <a:picLocks noGrp="1" noChangeAspect="1" noChangeArrowheads="1"/>
           </p:cNvPicPr>
           <p:nvPr>
             <p:ph idx="4294967295"/>
@@ -13534,7 +13561,7 @@
           <a:graphicData uri="http://schemas.openxmlformats.org/presentationml/2006/ole">
             <mc:AlternateContent xmlns:mc="http://schemas.openxmlformats.org/markup-compatibility/2006">
               <mc:Choice xmlns:v="urn:schemas-microsoft-com:vml" Requires="v">
-                <p:oleObj spid="_x0000_s1031" name="Bitmap Image" r:id="rId8" imgW="980952" imgH="542857" progId="Paint.Picture">
+                <p:oleObj spid="_x0000_s1035" name="Bitmap Image" r:id="rId8" imgW="980952" imgH="542857" progId="Paint.Picture">
                   <p:embed/>
                 </p:oleObj>
               </mc:Choice>
@@ -13827,7 +13854,7 @@
           <a:graphicData uri="http://schemas.openxmlformats.org/presentationml/2006/ole">
             <mc:AlternateContent xmlns:mc="http://schemas.openxmlformats.org/markup-compatibility/2006">
               <mc:Choice xmlns:v="urn:schemas-microsoft-com:vml" Requires="v">
-                <p:oleObj spid="_x0000_s1032" name="Bitmap Image" r:id="rId13" imgW="885949" imgH="380852" progId="Paint.Picture">
+                <p:oleObj spid="_x0000_s1036" name="Bitmap Image" r:id="rId13" imgW="885949" imgH="380852" progId="Paint.Picture">
                   <p:embed/>
                 </p:oleObj>
               </mc:Choice>
@@ -13994,7 +14021,7 @@
           <a:graphicData uri="http://schemas.openxmlformats.org/presentationml/2006/ole">
             <mc:AlternateContent xmlns:mc="http://schemas.openxmlformats.org/markup-compatibility/2006">
               <mc:Choice xmlns:v="urn:schemas-microsoft-com:vml" Requires="v">
-                <p:oleObj spid="_x0000_s1033" name="Bitmap Image" r:id="rId16" imgW="25400" imgH="25400" progId="Paint.Picture">
+                <p:oleObj spid="_x0000_s1037" name="Bitmap Image" r:id="rId16" imgW="25400" imgH="25400" progId="Paint.Picture">
                   <p:embed/>
                 </p:oleObj>
               </mc:Choice>
@@ -15037,11 +15064,11 @@
   <p:clrMapOvr>
     <a:masterClrMapping/>
   </p:clrMapOvr>
-  <mc:AlternateContent xmlns:mc="http://schemas.openxmlformats.org/markup-compatibility/2006">
-    <mc:Choice xmlns:p14="http://schemas.microsoft.com/office/powerpoint/2010/main" Requires="p14">
+  <mc:AlternateContent xmlns:mc="http://schemas.openxmlformats.org/markup-compatibility/2006" xmlns:p14="http://schemas.microsoft.com/office/powerpoint/2010/main">
+    <mc:Choice Requires="p14">
       <p:transition spd="slow" p14:dur="2000"/>
     </mc:Choice>
-    <mc:Fallback>
+    <mc:Fallback xmlns="">
       <p:transition xmlns:p14="http://schemas.microsoft.com/office/powerpoint/2010/main" spd="slow"/>
     </mc:Fallback>
   </mc:AlternateContent>
@@ -15131,11 +15158,11 @@
   <p:clrMapOvr>
     <a:masterClrMapping/>
   </p:clrMapOvr>
-  <mc:AlternateContent xmlns:mc="http://schemas.openxmlformats.org/markup-compatibility/2006">
-    <mc:Choice xmlns:p14="http://schemas.microsoft.com/office/powerpoint/2010/main" Requires="p14">
+  <mc:AlternateContent xmlns:mc="http://schemas.openxmlformats.org/markup-compatibility/2006" xmlns:p14="http://schemas.microsoft.com/office/powerpoint/2010/main">
+    <mc:Choice Requires="p14">
       <p:transition spd="slow" p14:dur="2000"/>
     </mc:Choice>
-    <mc:Fallback>
+    <mc:Fallback xmlns="">
       <p:transition xmlns:p14="http://schemas.microsoft.com/office/powerpoint/2010/main" spd="slow"/>
     </mc:Fallback>
   </mc:AlternateContent>
@@ -15335,11 +15362,11 @@
   <p:clrMapOvr>
     <a:masterClrMapping/>
   </p:clrMapOvr>
-  <mc:AlternateContent xmlns:mc="http://schemas.openxmlformats.org/markup-compatibility/2006">
-    <mc:Choice xmlns:p14="http://schemas.microsoft.com/office/powerpoint/2010/main" Requires="p14">
+  <mc:AlternateContent xmlns:mc="http://schemas.openxmlformats.org/markup-compatibility/2006" xmlns:p14="http://schemas.microsoft.com/office/powerpoint/2010/main">
+    <mc:Choice Requires="p14">
       <p:transition spd="slow" p14:dur="2000"/>
     </mc:Choice>
-    <mc:Fallback>
+    <mc:Fallback xmlns="">
       <p:transition xmlns:p14="http://schemas.microsoft.com/office/powerpoint/2010/main" spd="slow"/>
     </mc:Fallback>
   </mc:AlternateContent>
@@ -15435,11 +15462,11 @@
   <p:clrMapOvr>
     <a:masterClrMapping/>
   </p:clrMapOvr>
-  <mc:AlternateContent xmlns:mc="http://schemas.openxmlformats.org/markup-compatibility/2006">
-    <mc:Choice xmlns:p14="http://schemas.microsoft.com/office/powerpoint/2010/main" Requires="p14">
+  <mc:AlternateContent xmlns:mc="http://schemas.openxmlformats.org/markup-compatibility/2006" xmlns:p14="http://schemas.microsoft.com/office/powerpoint/2010/main">
+    <mc:Choice Requires="p14">
       <p:transition spd="slow" p14:dur="2000"/>
     </mc:Choice>
-    <mc:Fallback>
+    <mc:Fallback xmlns="">
       <p:transition xmlns:p14="http://schemas.microsoft.com/office/powerpoint/2010/main" spd="slow"/>
     </mc:Fallback>
   </mc:AlternateContent>
@@ -15530,11 +15557,11 @@
   <p:clrMapOvr>
     <a:masterClrMapping/>
   </p:clrMapOvr>
-  <mc:AlternateContent xmlns:mc="http://schemas.openxmlformats.org/markup-compatibility/2006">
-    <mc:Choice xmlns:p14="http://schemas.microsoft.com/office/powerpoint/2010/main" Requires="p14">
+  <mc:AlternateContent xmlns:mc="http://schemas.openxmlformats.org/markup-compatibility/2006" xmlns:p14="http://schemas.microsoft.com/office/powerpoint/2010/main">
+    <mc:Choice Requires="p14">
       <p:transition spd="slow" p14:dur="2000"/>
     </mc:Choice>
-    <mc:Fallback>
+    <mc:Fallback xmlns="">
       <p:transition xmlns:p14="http://schemas.microsoft.com/office/powerpoint/2010/main" spd="slow"/>
     </mc:Fallback>
   </mc:AlternateContent>
@@ -15775,11 +15802,11 @@
   <p:clrMapOvr>
     <a:masterClrMapping/>
   </p:clrMapOvr>
-  <mc:AlternateContent xmlns:mc="http://schemas.openxmlformats.org/markup-compatibility/2006">
-    <mc:Choice xmlns:p14="http://schemas.microsoft.com/office/powerpoint/2010/main" Requires="p14">
+  <mc:AlternateContent xmlns:mc="http://schemas.openxmlformats.org/markup-compatibility/2006" xmlns:p14="http://schemas.microsoft.com/office/powerpoint/2010/main">
+    <mc:Choice Requires="p14">
       <p:transition spd="slow" p14:dur="2000"/>
     </mc:Choice>
-    <mc:Fallback>
+    <mc:Fallback xmlns="">
       <p:transition xmlns:p14="http://schemas.microsoft.com/office/powerpoint/2010/main" spd="slow"/>
     </mc:Fallback>
   </mc:AlternateContent>
@@ -17035,18 +17062,18 @@
   <p:clrMapOvr>
     <a:masterClrMapping/>
   </p:clrMapOvr>
-  <mc:AlternateContent xmlns:mc="http://schemas.openxmlformats.org/markup-compatibility/2006">
-    <mc:Choice xmlns:p14="http://schemas.microsoft.com/office/powerpoint/2010/main" Requires="p14">
+  <mc:AlternateContent xmlns:mc="http://schemas.openxmlformats.org/markup-compatibility/2006" xmlns:p14="http://schemas.microsoft.com/office/powerpoint/2010/main">
+    <mc:Choice Requires="p14">
       <p:transition spd="slow" p14:dur="2000"/>
     </mc:Choice>
-    <mc:Fallback>
+    <mc:Fallback xmlns="">
       <p:transition xmlns:p14="http://schemas.microsoft.com/office/powerpoint/2010/main" spd="slow"/>
     </mc:Fallback>
   </mc:AlternateContent>
   <p:timing>
     <p:tnLst>
       <p:par>
-        <p:cTn xmlns:p14="http://schemas.microsoft.com/office/powerpoint/2010/main" id="1" dur="indefinite" nodeType="tmRoot">
+        <p:cTn xmlns:p14="http://schemas.microsoft.com/office/powerpoint/2010/main" id="1" dur="indefinite" restart="never" nodeType="tmRoot">
           <p:childTnLst>
             <p:seq concurrent="1" nextAc="seek">
               <p:cTn id="2" dur="indefinite" nodeType="mainSeq"/>
@@ -17530,18 +17557,18 @@
   <p:clrMapOvr>
     <a:masterClrMapping/>
   </p:clrMapOvr>
-  <mc:AlternateContent xmlns:mc="http://schemas.openxmlformats.org/markup-compatibility/2006">
-    <mc:Choice xmlns:p14="http://schemas.microsoft.com/office/powerpoint/2010/main" Requires="p14">
+  <mc:AlternateContent xmlns:mc="http://schemas.openxmlformats.org/markup-compatibility/2006" xmlns:p14="http://schemas.microsoft.com/office/powerpoint/2010/main">
+    <mc:Choice Requires="p14">
       <p:transition spd="slow" p14:dur="2000"/>
     </mc:Choice>
-    <mc:Fallback>
+    <mc:Fallback xmlns="">
       <p:transition xmlns:p14="http://schemas.microsoft.com/office/powerpoint/2010/main" spd="slow"/>
     </mc:Fallback>
   </mc:AlternateContent>
   <p:timing>
     <p:tnLst>
       <p:par>
-        <p:cTn xmlns:p14="http://schemas.microsoft.com/office/powerpoint/2010/main" id="1" dur="indefinite" nodeType="tmRoot">
+        <p:cTn xmlns:p14="http://schemas.microsoft.com/office/powerpoint/2010/main" id="1" dur="indefinite" restart="never" nodeType="tmRoot">
           <p:childTnLst>
             <p:seq concurrent="1" nextAc="seek">
               <p:cTn id="2" dur="indefinite" nodeType="mainSeq"/>
@@ -20586,18 +20613,18 @@
   <p:clrMapOvr>
     <a:masterClrMapping/>
   </p:clrMapOvr>
-  <mc:AlternateContent xmlns:mc="http://schemas.openxmlformats.org/markup-compatibility/2006">
-    <mc:Choice xmlns:p14="http://schemas.microsoft.com/office/powerpoint/2010/main" Requires="p14">
+  <mc:AlternateContent xmlns:mc="http://schemas.openxmlformats.org/markup-compatibility/2006" xmlns:p14="http://schemas.microsoft.com/office/powerpoint/2010/main">
+    <mc:Choice Requires="p14">
       <p:transition spd="slow" p14:dur="2000"/>
     </mc:Choice>
-    <mc:Fallback>
+    <mc:Fallback xmlns="">
       <p:transition xmlns:p14="http://schemas.microsoft.com/office/powerpoint/2010/main" spd="slow"/>
     </mc:Fallback>
   </mc:AlternateContent>
   <p:timing>
     <p:tnLst>
       <p:par>
-        <p:cTn xmlns:p14="http://schemas.microsoft.com/office/powerpoint/2010/main" id="1" dur="indefinite" nodeType="tmRoot">
+        <p:cTn xmlns:p14="http://schemas.microsoft.com/office/powerpoint/2010/main" id="1" dur="indefinite" restart="never" nodeType="tmRoot">
           <p:childTnLst>
             <p:seq concurrent="1" nextAc="seek">
               <p:cTn id="2" dur="indefinite" nodeType="mainSeq"/>
@@ -20978,7 +21005,7 @@
   <p:timing>
     <p:tnLst>
       <p:par>
-        <p:cTn xmlns:p14="http://schemas.microsoft.com/office/powerpoint/2010/main" id="1" dur="indefinite" nodeType="tmRoot">
+        <p:cTn xmlns:p14="http://schemas.microsoft.com/office/powerpoint/2010/main" id="1" dur="indefinite" restart="never" nodeType="tmRoot">
           <p:childTnLst>
             <p:seq concurrent="1" nextAc="seek">
               <p:cTn id="2" dur="0" nodeType="mainSeq"/>
@@ -23410,7 +23437,7 @@
   <p:timing>
     <p:tnLst>
       <p:par>
-        <p:cTn xmlns:p14="http://schemas.microsoft.com/office/powerpoint/2010/main" id="1" dur="indefinite" nodeType="tmRoot">
+        <p:cTn xmlns:p14="http://schemas.microsoft.com/office/powerpoint/2010/main" id="1" dur="indefinite" restart="never" nodeType="tmRoot">
           <p:childTnLst>
             <p:seq concurrent="1" nextAc="seek">
               <p:cTn id="2" dur="0" nodeType="mainSeq"/>
@@ -23742,11 +23769,11 @@
   <p:clrMapOvr>
     <a:masterClrMapping/>
   </p:clrMapOvr>
-  <mc:AlternateContent xmlns:mc="http://schemas.openxmlformats.org/markup-compatibility/2006">
-    <mc:Choice xmlns:p14="http://schemas.microsoft.com/office/powerpoint/2010/main" Requires="p14">
+  <mc:AlternateContent xmlns:mc="http://schemas.openxmlformats.org/markup-compatibility/2006" xmlns:p14="http://schemas.microsoft.com/office/powerpoint/2010/main">
+    <mc:Choice Requires="p14">
       <p:transition spd="slow" p14:dur="2000"/>
     </mc:Choice>
-    <mc:Fallback>
+    <mc:Fallback xmlns="">
       <p:transition xmlns:p14="http://schemas.microsoft.com/office/powerpoint/2010/main" spd="slow"/>
     </mc:Fallback>
   </mc:AlternateContent>
@@ -23810,7 +23837,7 @@
         <p:nvPicPr>
           <p:cNvPr id="883716" name="Picture 4"/>
           <p:cNvPicPr>
-            <a:picLocks noChangeAspect="1" noChangeArrowheads="1"/>
+            <a:picLocks noGrp="1" noChangeAspect="1" noChangeArrowheads="1"/>
           </p:cNvPicPr>
           <p:nvPr>
             <p:ph sz="half" idx="4294967295"/>
@@ -24060,7 +24087,7 @@
         <p:nvPicPr>
           <p:cNvPr id="883719" name="Picture 7"/>
           <p:cNvPicPr>
-            <a:picLocks noChangeAspect="1" noChangeArrowheads="1"/>
+            <a:picLocks noGrp="1" noChangeAspect="1" noChangeArrowheads="1"/>
           </p:cNvPicPr>
           <p:nvPr>
             <p:ph sz="half" idx="4294967295"/>
@@ -24579,11 +24606,11 @@
   <p:clrMapOvr>
     <a:masterClrMapping/>
   </p:clrMapOvr>
-  <mc:AlternateContent xmlns:mc="http://schemas.openxmlformats.org/markup-compatibility/2006">
-    <mc:Choice xmlns:p14="http://schemas.microsoft.com/office/powerpoint/2010/main" Requires="p14">
+  <mc:AlternateContent xmlns:mc="http://schemas.openxmlformats.org/markup-compatibility/2006" xmlns:p14="http://schemas.microsoft.com/office/powerpoint/2010/main">
+    <mc:Choice Requires="p14">
       <p:transition spd="slow" p14:dur="2000"/>
     </mc:Choice>
-    <mc:Fallback>
+    <mc:Fallback xmlns="">
       <p:transition xmlns:p14="http://schemas.microsoft.com/office/powerpoint/2010/main" spd="slow"/>
     </mc:Fallback>
   </mc:AlternateContent>
@@ -24702,11 +24729,11 @@
   <p:clrMapOvr>
     <a:masterClrMapping/>
   </p:clrMapOvr>
-  <mc:AlternateContent xmlns:mc="http://schemas.openxmlformats.org/markup-compatibility/2006">
-    <mc:Choice xmlns:p14="http://schemas.microsoft.com/office/powerpoint/2010/main" Requires="p14">
+  <mc:AlternateContent xmlns:mc="http://schemas.openxmlformats.org/markup-compatibility/2006" xmlns:p14="http://schemas.microsoft.com/office/powerpoint/2010/main">
+    <mc:Choice Requires="p14">
       <p:transition spd="slow" p14:dur="2000"/>
     </mc:Choice>
-    <mc:Fallback>
+    <mc:Fallback xmlns="">
       <p:transition xmlns:p14="http://schemas.microsoft.com/office/powerpoint/2010/main" spd="slow"/>
     </mc:Fallback>
   </mc:AlternateContent>
@@ -24897,11 +24924,11 @@
   <p:clrMapOvr>
     <a:masterClrMapping/>
   </p:clrMapOvr>
-  <mc:AlternateContent xmlns:mc="http://schemas.openxmlformats.org/markup-compatibility/2006">
-    <mc:Choice xmlns:p14="http://schemas.microsoft.com/office/powerpoint/2010/main" Requires="p14">
+  <mc:AlternateContent xmlns:mc="http://schemas.openxmlformats.org/markup-compatibility/2006" xmlns:p14="http://schemas.microsoft.com/office/powerpoint/2010/main">
+    <mc:Choice Requires="p14">
       <p:transition spd="slow" p14:dur="2000"/>
     </mc:Choice>
-    <mc:Fallback>
+    <mc:Fallback xmlns="">
       <p:transition xmlns:p14="http://schemas.microsoft.com/office/powerpoint/2010/main" spd="slow"/>
     </mc:Fallback>
   </mc:AlternateContent>
@@ -25267,11 +25294,11 @@
   <p:clrMapOvr>
     <a:masterClrMapping/>
   </p:clrMapOvr>
-  <mc:AlternateContent xmlns:mc="http://schemas.openxmlformats.org/markup-compatibility/2006">
-    <mc:Choice xmlns:p14="http://schemas.microsoft.com/office/powerpoint/2010/main" Requires="p14">
+  <mc:AlternateContent xmlns:mc="http://schemas.openxmlformats.org/markup-compatibility/2006" xmlns:p14="http://schemas.microsoft.com/office/powerpoint/2010/main">
+    <mc:Choice Requires="p14">
       <p:transition spd="slow" p14:dur="2000"/>
     </mc:Choice>
-    <mc:Fallback>
+    <mc:Fallback xmlns="">
       <p:transition xmlns:p14="http://schemas.microsoft.com/office/powerpoint/2010/main" spd="slow"/>
     </mc:Fallback>
   </mc:AlternateContent>

--- a/presentations/source/04-ws-soap-wsdl-etc.pptx
+++ b/presentations/source/04-ws-soap-wsdl-etc.pptx
@@ -23,27 +23,27 @@
     <p:sldId id="268" r:id="rId14"/>
     <p:sldId id="269" r:id="rId15"/>
     <p:sldId id="270" r:id="rId16"/>
-    <p:sldId id="271" r:id="rId17"/>
-    <p:sldId id="272" r:id="rId18"/>
-    <p:sldId id="273" r:id="rId19"/>
-    <p:sldId id="274" r:id="rId20"/>
-    <p:sldId id="275" r:id="rId21"/>
-    <p:sldId id="276" r:id="rId22"/>
-    <p:sldId id="277" r:id="rId23"/>
-    <p:sldId id="278" r:id="rId24"/>
-    <p:sldId id="279" r:id="rId25"/>
-    <p:sldId id="280" r:id="rId26"/>
-    <p:sldId id="281" r:id="rId27"/>
-    <p:sldId id="282" r:id="rId28"/>
-    <p:sldId id="283" r:id="rId29"/>
-    <p:sldId id="284" r:id="rId30"/>
-    <p:sldId id="285" r:id="rId31"/>
-    <p:sldId id="286" r:id="rId32"/>
-    <p:sldId id="287" r:id="rId33"/>
-    <p:sldId id="288" r:id="rId34"/>
-    <p:sldId id="289" r:id="rId35"/>
-    <p:sldId id="290" r:id="rId36"/>
-    <p:sldId id="291" r:id="rId37"/>
+    <p:sldId id="272" r:id="rId17"/>
+    <p:sldId id="273" r:id="rId18"/>
+    <p:sldId id="274" r:id="rId19"/>
+    <p:sldId id="275" r:id="rId20"/>
+    <p:sldId id="276" r:id="rId21"/>
+    <p:sldId id="277" r:id="rId22"/>
+    <p:sldId id="278" r:id="rId23"/>
+    <p:sldId id="279" r:id="rId24"/>
+    <p:sldId id="280" r:id="rId25"/>
+    <p:sldId id="281" r:id="rId26"/>
+    <p:sldId id="282" r:id="rId27"/>
+    <p:sldId id="283" r:id="rId28"/>
+    <p:sldId id="284" r:id="rId29"/>
+    <p:sldId id="285" r:id="rId30"/>
+    <p:sldId id="286" r:id="rId31"/>
+    <p:sldId id="287" r:id="rId32"/>
+    <p:sldId id="288" r:id="rId33"/>
+    <p:sldId id="289" r:id="rId34"/>
+    <p:sldId id="290" r:id="rId35"/>
+    <p:sldId id="291" r:id="rId36"/>
+    <p:sldId id="271" r:id="rId37"/>
     <p:sldId id="292" r:id="rId38"/>
     <p:sldId id="293" r:id="rId39"/>
     <p:sldId id="294" r:id="rId40"/>
@@ -250,7 +250,7 @@
             <a:fld id="{7307762F-A706-E543-A832-3C298AA3103F}" type="datetimeFigureOut">
               <a:rPr lang="en-US" smtClean="0"/>
               <a:pPr/>
-              <a:t>18/12/2012</a:t>
+              <a:t>11/27/13</a:t>
             </a:fld>
             <a:endParaRPr lang="en-US" dirty="0"/>
           </a:p>
@@ -1052,7 +1052,7 @@
               <a:rPr lang="en-US"/>
               <a:t>Skills Matter – 2006	</a:t>
             </a:r>
-            <a:fld id="{26C20F7E-A880-0C4D-B475-3D4217B0DE04}" type="slidenum">
+            <a:fld id="{7891D7FE-D2F9-4043-ADE2-12CB7B9CFE34}" type="slidenum">
               <a:rPr lang="en-US"/>
               <a:pPr/>
               <a:t>16</a:t>
@@ -1063,7 +1063,7 @@
       </p:sp>
       <p:sp>
         <p:nvSpPr>
-          <p:cNvPr id="901122" name="Rectangle 2"/>
+          <p:cNvPr id="894978" name="Rectangle 2"/>
           <p:cNvSpPr>
             <a:spLocks noGrp="1" noRot="1" noChangeAspect="1" noChangeArrowheads="1" noTextEdit="1"/>
           </p:cNvSpPr>
@@ -1086,7 +1086,7 @@
       </p:sp>
       <p:sp>
         <p:nvSpPr>
-          <p:cNvPr id="901123" name="Rectangle 3"/>
+          <p:cNvPr id="894979" name="Rectangle 3"/>
           <p:cNvSpPr>
             <a:spLocks noGrp="1" noChangeArrowheads="1"/>
           </p:cNvSpPr>
@@ -1149,7 +1149,7 @@
               <a:rPr lang="en-US"/>
               <a:t>Skills Matter – 2006	</a:t>
             </a:r>
-            <a:fld id="{7891D7FE-D2F9-4043-ADE2-12CB7B9CFE34}" type="slidenum">
+            <a:fld id="{8F5CE248-DA5F-A44B-8B68-F0ABEC134116}" type="slidenum">
               <a:rPr lang="en-US"/>
               <a:pPr/>
               <a:t>17</a:t>
@@ -1160,7 +1160,7 @@
       </p:sp>
       <p:sp>
         <p:nvSpPr>
-          <p:cNvPr id="894978" name="Rectangle 2"/>
+          <p:cNvPr id="903170" name="Rectangle 2"/>
           <p:cNvSpPr>
             <a:spLocks noGrp="1" noRot="1" noChangeAspect="1" noChangeArrowheads="1" noTextEdit="1"/>
           </p:cNvSpPr>
@@ -1183,7 +1183,7 @@
       </p:sp>
       <p:sp>
         <p:nvSpPr>
-          <p:cNvPr id="894979" name="Rectangle 3"/>
+          <p:cNvPr id="903171" name="Rectangle 3"/>
           <p:cNvSpPr>
             <a:spLocks noGrp="1" noChangeArrowheads="1"/>
           </p:cNvSpPr>
@@ -1246,7 +1246,7 @@
               <a:rPr lang="en-US"/>
               <a:t>Skills Matter – 2006	</a:t>
             </a:r>
-            <a:fld id="{8F5CE248-DA5F-A44B-8B68-F0ABEC134116}" type="slidenum">
+            <a:fld id="{B349C30E-F6F3-FA4E-97F3-5909B0197357}" type="slidenum">
               <a:rPr lang="en-US"/>
               <a:pPr/>
               <a:t>18</a:t>
@@ -1257,7 +1257,7 @@
       </p:sp>
       <p:sp>
         <p:nvSpPr>
-          <p:cNvPr id="903170" name="Rectangle 2"/>
+          <p:cNvPr id="862210" name="Rectangle 2"/>
           <p:cNvSpPr>
             <a:spLocks noGrp="1" noRot="1" noChangeAspect="1" noChangeArrowheads="1" noTextEdit="1"/>
           </p:cNvSpPr>
@@ -1267,8 +1267,8 @@
         </p:nvSpPr>
         <p:spPr>
           <a:xfrm>
-            <a:off x="1152525" y="693738"/>
-            <a:ext cx="4552950" cy="3414712"/>
+            <a:off x="1143000" y="685800"/>
+            <a:ext cx="4572000" cy="3429000"/>
           </a:xfrm>
           <a:ln/>
           <a:extLst>
@@ -1280,7 +1280,7 @@
       </p:sp>
       <p:sp>
         <p:nvSpPr>
-          <p:cNvPr id="903171" name="Rectangle 3"/>
+          <p:cNvPr id="862211" name="Rectangle 3"/>
           <p:cNvSpPr>
             <a:spLocks noGrp="1" noChangeArrowheads="1"/>
           </p:cNvSpPr>
@@ -1288,12 +1288,21 @@
             <p:ph type="body" idx="1"/>
           </p:nvPr>
         </p:nvSpPr>
-        <p:spPr/>
+        <p:spPr>
+          <a:xfrm>
+            <a:off x="685472" y="4342661"/>
+            <a:ext cx="5487058" cy="4114800"/>
+          </a:xfrm>
+        </p:spPr>
         <p:txBody>
           <a:bodyPr/>
           <a:lstStyle/>
           <a:p>
-            <a:endParaRPr lang="en-US"/>
+            <a:pPr defTabSz="914400"/>
+            <a:r>
+              <a:rPr lang="en-US"/>
+              <a:t>Discuss first</a:t>
+            </a:r>
           </a:p>
         </p:txBody>
       </p:sp>
@@ -1343,7 +1352,7 @@
               <a:rPr lang="en-US"/>
               <a:t>Skills Matter – 2006	</a:t>
             </a:r>
-            <a:fld id="{B349C30E-F6F3-FA4E-97F3-5909B0197357}" type="slidenum">
+            <a:fld id="{A00B6580-2B0A-6D4D-AE03-556EF15D560E}" type="slidenum">
               <a:rPr lang="en-US"/>
               <a:pPr/>
               <a:t>19</a:t>
@@ -1354,7 +1363,7 @@
       </p:sp>
       <p:sp>
         <p:nvSpPr>
-          <p:cNvPr id="862210" name="Rectangle 2"/>
+          <p:cNvPr id="864258" name="Rectangle 2"/>
           <p:cNvSpPr>
             <a:spLocks noGrp="1" noRot="1" noChangeAspect="1" noChangeArrowheads="1" noTextEdit="1"/>
           </p:cNvSpPr>
@@ -1377,7 +1386,7 @@
       </p:sp>
       <p:sp>
         <p:nvSpPr>
-          <p:cNvPr id="862211" name="Rectangle 3"/>
+          <p:cNvPr id="864259" name="Rectangle 3"/>
           <p:cNvSpPr>
             <a:spLocks noGrp="1" noChangeArrowheads="1"/>
           </p:cNvSpPr>
@@ -1396,10 +1405,7 @@
           <a:lstStyle/>
           <a:p>
             <a:pPr defTabSz="914400"/>
-            <a:r>
-              <a:rPr lang="en-US"/>
-              <a:t>Discuss first</a:t>
-            </a:r>
+            <a:endParaRPr lang="en-US"/>
           </a:p>
         </p:txBody>
       </p:sp>
@@ -1449,7 +1455,7 @@
               <a:rPr lang="en-US"/>
               <a:t>Skills Matter – 2006	</a:t>
             </a:r>
-            <a:fld id="{A00B6580-2B0A-6D4D-AE03-556EF15D560E}" type="slidenum">
+            <a:fld id="{045C54C0-257A-DB44-9A6F-FBF90AD9C722}" type="slidenum">
               <a:rPr lang="en-US"/>
               <a:pPr/>
               <a:t>20</a:t>
@@ -1460,7 +1466,7 @@
       </p:sp>
       <p:sp>
         <p:nvSpPr>
-          <p:cNvPr id="864258" name="Rectangle 2"/>
+          <p:cNvPr id="866306" name="Rectangle 2"/>
           <p:cNvSpPr>
             <a:spLocks noGrp="1" noRot="1" noChangeAspect="1" noChangeArrowheads="1" noTextEdit="1"/>
           </p:cNvSpPr>
@@ -1483,7 +1489,7 @@
       </p:sp>
       <p:sp>
         <p:nvSpPr>
-          <p:cNvPr id="864259" name="Rectangle 3"/>
+          <p:cNvPr id="866307" name="Rectangle 3"/>
           <p:cNvSpPr>
             <a:spLocks noGrp="1" noChangeArrowheads="1"/>
           </p:cNvSpPr>
@@ -1552,7 +1558,7 @@
               <a:rPr lang="en-US"/>
               <a:t>Skills Matter – 2006	</a:t>
             </a:r>
-            <a:fld id="{045C54C0-257A-DB44-9A6F-FBF90AD9C722}" type="slidenum">
+            <a:fld id="{10D3C3DD-34FA-2B4E-95F2-E09FDCDB3CDB}" type="slidenum">
               <a:rPr lang="en-US"/>
               <a:pPr/>
               <a:t>21</a:t>
@@ -1563,7 +1569,7 @@
       </p:sp>
       <p:sp>
         <p:nvSpPr>
-          <p:cNvPr id="866306" name="Rectangle 2"/>
+          <p:cNvPr id="868354" name="Rectangle 2"/>
           <p:cNvSpPr>
             <a:spLocks noGrp="1" noRot="1" noChangeAspect="1" noChangeArrowheads="1" noTextEdit="1"/>
           </p:cNvSpPr>
@@ -1586,7 +1592,7 @@
       </p:sp>
       <p:sp>
         <p:nvSpPr>
-          <p:cNvPr id="866307" name="Rectangle 3"/>
+          <p:cNvPr id="868355" name="Rectangle 3"/>
           <p:cNvSpPr>
             <a:spLocks noGrp="1" noChangeArrowheads="1"/>
           </p:cNvSpPr>
@@ -1752,7 +1758,7 @@
               <a:rPr lang="en-US"/>
               <a:t>Skills Matter – 2006	</a:t>
             </a:r>
-            <a:fld id="{10D3C3DD-34FA-2B4E-95F2-E09FDCDB3CDB}" type="slidenum">
+            <a:fld id="{3BB67E9C-73BB-4D43-8EF8-366562F5B105}" type="slidenum">
               <a:rPr lang="en-US"/>
               <a:pPr/>
               <a:t>22</a:t>
@@ -1763,7 +1769,7 @@
       </p:sp>
       <p:sp>
         <p:nvSpPr>
-          <p:cNvPr id="868354" name="Rectangle 2"/>
+          <p:cNvPr id="870402" name="Rectangle 2"/>
           <p:cNvSpPr>
             <a:spLocks noGrp="1" noRot="1" noChangeAspect="1" noChangeArrowheads="1" noTextEdit="1"/>
           </p:cNvSpPr>
@@ -1786,7 +1792,7 @@
       </p:sp>
       <p:sp>
         <p:nvSpPr>
-          <p:cNvPr id="868355" name="Rectangle 3"/>
+          <p:cNvPr id="870403" name="Rectangle 3"/>
           <p:cNvSpPr>
             <a:spLocks noGrp="1" noChangeArrowheads="1"/>
           </p:cNvSpPr>
@@ -1855,7 +1861,7 @@
               <a:rPr lang="en-US"/>
               <a:t>Skills Matter – 2006	</a:t>
             </a:r>
-            <a:fld id="{3BB67E9C-73BB-4D43-8EF8-366562F5B105}" type="slidenum">
+            <a:fld id="{B04FEB33-021E-4C46-B549-6F03B182D44A}" type="slidenum">
               <a:rPr lang="en-US"/>
               <a:pPr/>
               <a:t>23</a:t>
@@ -1866,7 +1872,7 @@
       </p:sp>
       <p:sp>
         <p:nvSpPr>
-          <p:cNvPr id="870402" name="Rectangle 2"/>
+          <p:cNvPr id="872450" name="Rectangle 2"/>
           <p:cNvSpPr>
             <a:spLocks noGrp="1" noRot="1" noChangeAspect="1" noChangeArrowheads="1" noTextEdit="1"/>
           </p:cNvSpPr>
@@ -1889,7 +1895,7 @@
       </p:sp>
       <p:sp>
         <p:nvSpPr>
-          <p:cNvPr id="870403" name="Rectangle 3"/>
+          <p:cNvPr id="872451" name="Rectangle 3"/>
           <p:cNvSpPr>
             <a:spLocks noGrp="1" noChangeArrowheads="1"/>
           </p:cNvSpPr>
@@ -1958,7 +1964,7 @@
               <a:rPr lang="en-US"/>
               <a:t>Skills Matter – 2006	</a:t>
             </a:r>
-            <a:fld id="{B04FEB33-021E-4C46-B549-6F03B182D44A}" type="slidenum">
+            <a:fld id="{6E26000D-CD93-3B49-BA80-6AEB1240D6E7}" type="slidenum">
               <a:rPr lang="en-US"/>
               <a:pPr/>
               <a:t>24</a:t>
@@ -1969,7 +1975,7 @@
       </p:sp>
       <p:sp>
         <p:nvSpPr>
-          <p:cNvPr id="872450" name="Rectangle 2"/>
+          <p:cNvPr id="874498" name="Rectangle 2"/>
           <p:cNvSpPr>
             <a:spLocks noGrp="1" noRot="1" noChangeAspect="1" noChangeArrowheads="1" noTextEdit="1"/>
           </p:cNvSpPr>
@@ -1992,7 +1998,7 @@
       </p:sp>
       <p:sp>
         <p:nvSpPr>
-          <p:cNvPr id="872451" name="Rectangle 3"/>
+          <p:cNvPr id="874499" name="Rectangle 3"/>
           <p:cNvSpPr>
             <a:spLocks noGrp="1" noChangeArrowheads="1"/>
           </p:cNvSpPr>
@@ -2061,7 +2067,7 @@
               <a:rPr lang="en-US"/>
               <a:t>Skills Matter – 2006	</a:t>
             </a:r>
-            <a:fld id="{6E26000D-CD93-3B49-BA80-6AEB1240D6E7}" type="slidenum">
+            <a:fld id="{9AE570E0-1CC5-374D-AFDF-AF07B85BB7DA}" type="slidenum">
               <a:rPr lang="en-US"/>
               <a:pPr/>
               <a:t>25</a:t>
@@ -2072,7 +2078,7 @@
       </p:sp>
       <p:sp>
         <p:nvSpPr>
-          <p:cNvPr id="874498" name="Rectangle 2"/>
+          <p:cNvPr id="876546" name="Rectangle 2"/>
           <p:cNvSpPr>
             <a:spLocks noGrp="1" noRot="1" noChangeAspect="1" noChangeArrowheads="1" noTextEdit="1"/>
           </p:cNvSpPr>
@@ -2095,7 +2101,7 @@
       </p:sp>
       <p:sp>
         <p:nvSpPr>
-          <p:cNvPr id="874499" name="Rectangle 3"/>
+          <p:cNvPr id="876547" name="Rectangle 3"/>
           <p:cNvSpPr>
             <a:spLocks noGrp="1" noChangeArrowheads="1"/>
           </p:cNvSpPr>
@@ -2164,7 +2170,7 @@
               <a:rPr lang="en-US"/>
               <a:t>Skills Matter – 2006	</a:t>
             </a:r>
-            <a:fld id="{9AE570E0-1CC5-374D-AFDF-AF07B85BB7DA}" type="slidenum">
+            <a:fld id="{FEBB0546-B520-1D48-9B6C-FFF241791D3C}" type="slidenum">
               <a:rPr lang="en-US"/>
               <a:pPr/>
               <a:t>26</a:t>
@@ -2175,7 +2181,7 @@
       </p:sp>
       <p:sp>
         <p:nvSpPr>
-          <p:cNvPr id="876546" name="Rectangle 2"/>
+          <p:cNvPr id="878594" name="Rectangle 2"/>
           <p:cNvSpPr>
             <a:spLocks noGrp="1" noRot="1" noChangeAspect="1" noChangeArrowheads="1" noTextEdit="1"/>
           </p:cNvSpPr>
@@ -2198,7 +2204,7 @@
       </p:sp>
       <p:sp>
         <p:nvSpPr>
-          <p:cNvPr id="876547" name="Rectangle 3"/>
+          <p:cNvPr id="878595" name="Rectangle 3"/>
           <p:cNvSpPr>
             <a:spLocks noGrp="1" noChangeArrowheads="1"/>
           </p:cNvSpPr>
@@ -2217,7 +2223,7 @@
           <a:lstStyle/>
           <a:p>
             <a:pPr defTabSz="914400"/>
-            <a:endParaRPr lang="en-US"/>
+            <a:endParaRPr lang="en-US" dirty="0"/>
           </a:p>
         </p:txBody>
       </p:sp>
@@ -2267,7 +2273,7 @@
               <a:rPr lang="en-US"/>
               <a:t>Skills Matter – 2006	</a:t>
             </a:r>
-            <a:fld id="{FEBB0546-B520-1D48-9B6C-FFF241791D3C}" type="slidenum">
+            <a:fld id="{A5EDF030-2F3F-8B47-849F-8444A0325196}" type="slidenum">
               <a:rPr lang="en-US"/>
               <a:pPr/>
               <a:t>27</a:t>
@@ -2278,7 +2284,7 @@
       </p:sp>
       <p:sp>
         <p:nvSpPr>
-          <p:cNvPr id="878594" name="Rectangle 2"/>
+          <p:cNvPr id="880642" name="Rectangle 2"/>
           <p:cNvSpPr>
             <a:spLocks noGrp="1" noRot="1" noChangeAspect="1" noChangeArrowheads="1" noTextEdit="1"/>
           </p:cNvSpPr>
@@ -2301,7 +2307,7 @@
       </p:sp>
       <p:sp>
         <p:nvSpPr>
-          <p:cNvPr id="878595" name="Rectangle 3"/>
+          <p:cNvPr id="880643" name="Rectangle 3"/>
           <p:cNvSpPr>
             <a:spLocks noGrp="1" noChangeArrowheads="1"/>
           </p:cNvSpPr>
@@ -2320,7 +2326,7 @@
           <a:lstStyle/>
           <a:p>
             <a:pPr defTabSz="914400"/>
-            <a:endParaRPr lang="en-US" dirty="0"/>
+            <a:endParaRPr lang="en-US"/>
           </a:p>
         </p:txBody>
       </p:sp>
@@ -2370,7 +2376,7 @@
               <a:rPr lang="en-US"/>
               <a:t>Skills Matter – 2006	</a:t>
             </a:r>
-            <a:fld id="{A5EDF030-2F3F-8B47-849F-8444A0325196}" type="slidenum">
+            <a:fld id="{333494E1-8D92-064E-AB24-700C30C7A30C}" type="slidenum">
               <a:rPr lang="en-US"/>
               <a:pPr/>
               <a:t>28</a:t>
@@ -2381,7 +2387,7 @@
       </p:sp>
       <p:sp>
         <p:nvSpPr>
-          <p:cNvPr id="880642" name="Rectangle 2"/>
+          <p:cNvPr id="882690" name="Rectangle 2"/>
           <p:cNvSpPr>
             <a:spLocks noGrp="1" noRot="1" noChangeAspect="1" noChangeArrowheads="1" noTextEdit="1"/>
           </p:cNvSpPr>
@@ -2404,7 +2410,7 @@
       </p:sp>
       <p:sp>
         <p:nvSpPr>
-          <p:cNvPr id="880643" name="Rectangle 3"/>
+          <p:cNvPr id="882691" name="Rectangle 3"/>
           <p:cNvSpPr>
             <a:spLocks noGrp="1" noChangeArrowheads="1"/>
           </p:cNvSpPr>
@@ -2473,7 +2479,7 @@
               <a:rPr lang="en-US"/>
               <a:t>Skills Matter – 2006	</a:t>
             </a:r>
-            <a:fld id="{333494E1-8D92-064E-AB24-700C30C7A30C}" type="slidenum">
+            <a:fld id="{7FBDCE55-1DD1-8042-ACB1-738954743EF0}" type="slidenum">
               <a:rPr lang="en-US"/>
               <a:pPr/>
               <a:t>29</a:t>
@@ -2484,7 +2490,7 @@
       </p:sp>
       <p:sp>
         <p:nvSpPr>
-          <p:cNvPr id="882690" name="Rectangle 2"/>
+          <p:cNvPr id="888834" name="Rectangle 2"/>
           <p:cNvSpPr>
             <a:spLocks noGrp="1" noRot="1" noChangeAspect="1" noChangeArrowheads="1" noTextEdit="1"/>
           </p:cNvSpPr>
@@ -2507,7 +2513,7 @@
       </p:sp>
       <p:sp>
         <p:nvSpPr>
-          <p:cNvPr id="882691" name="Rectangle 3"/>
+          <p:cNvPr id="888835" name="Rectangle 3"/>
           <p:cNvSpPr>
             <a:spLocks noGrp="1" noChangeArrowheads="1"/>
           </p:cNvSpPr>
@@ -2576,7 +2582,7 @@
               <a:rPr lang="en-US"/>
               <a:t>Skills Matter – 2006	</a:t>
             </a:r>
-            <a:fld id="{7FBDCE55-1DD1-8042-ACB1-738954743EF0}" type="slidenum">
+            <a:fld id="{A025EEAF-E7F7-7C46-A03C-5CBFAC9946CD}" type="slidenum">
               <a:rPr lang="en-US"/>
               <a:pPr/>
               <a:t>30</a:t>
@@ -2587,7 +2593,7 @@
       </p:sp>
       <p:sp>
         <p:nvSpPr>
-          <p:cNvPr id="888834" name="Rectangle 2"/>
+          <p:cNvPr id="890882" name="Rectangle 2"/>
           <p:cNvSpPr>
             <a:spLocks noGrp="1" noRot="1" noChangeAspect="1" noChangeArrowheads="1" noTextEdit="1"/>
           </p:cNvSpPr>
@@ -2610,7 +2616,7 @@
       </p:sp>
       <p:sp>
         <p:nvSpPr>
-          <p:cNvPr id="888835" name="Rectangle 3"/>
+          <p:cNvPr id="890883" name="Rectangle 3"/>
           <p:cNvSpPr>
             <a:spLocks noGrp="1" noChangeArrowheads="1"/>
           </p:cNvSpPr>
@@ -2679,7 +2685,7 @@
               <a:rPr lang="en-US"/>
               <a:t>Skills Matter – 2006	</a:t>
             </a:r>
-            <a:fld id="{A025EEAF-E7F7-7C46-A03C-5CBFAC9946CD}" type="slidenum">
+            <a:fld id="{E597B92C-9C01-3445-BA2B-FFE8A1F15841}" type="slidenum">
               <a:rPr lang="en-US"/>
               <a:pPr/>
               <a:t>31</a:t>
@@ -2690,7 +2696,7 @@
       </p:sp>
       <p:sp>
         <p:nvSpPr>
-          <p:cNvPr id="890882" name="Rectangle 2"/>
+          <p:cNvPr id="892930" name="Rectangle 2"/>
           <p:cNvSpPr>
             <a:spLocks noGrp="1" noRot="1" noChangeAspect="1" noChangeArrowheads="1" noTextEdit="1"/>
           </p:cNvSpPr>
@@ -2713,7 +2719,7 @@
       </p:sp>
       <p:sp>
         <p:nvSpPr>
-          <p:cNvPr id="890883" name="Rectangle 3"/>
+          <p:cNvPr id="892931" name="Rectangle 3"/>
           <p:cNvSpPr>
             <a:spLocks noGrp="1" noChangeArrowheads="1"/>
           </p:cNvSpPr>
@@ -2885,7 +2891,7 @@
               <a:rPr lang="en-US"/>
               <a:t>Skills Matter – 2006	</a:t>
             </a:r>
-            <a:fld id="{E597B92C-9C01-3445-BA2B-FFE8A1F15841}" type="slidenum">
+            <a:fld id="{E39F4328-3806-B84C-B738-6AF66476967D}" type="slidenum">
               <a:rPr lang="en-US"/>
               <a:pPr/>
               <a:t>32</a:t>
@@ -2896,7 +2902,7 @@
       </p:sp>
       <p:sp>
         <p:nvSpPr>
-          <p:cNvPr id="892930" name="Rectangle 2"/>
+          <p:cNvPr id="894978" name="Rectangle 2"/>
           <p:cNvSpPr>
             <a:spLocks noGrp="1" noRot="1" noChangeAspect="1" noChangeArrowheads="1" noTextEdit="1"/>
           </p:cNvSpPr>
@@ -2919,7 +2925,7 @@
       </p:sp>
       <p:sp>
         <p:nvSpPr>
-          <p:cNvPr id="892931" name="Rectangle 3"/>
+          <p:cNvPr id="894979" name="Rectangle 3"/>
           <p:cNvSpPr>
             <a:spLocks noGrp="1" noChangeArrowheads="1"/>
           </p:cNvSpPr>
@@ -2988,7 +2994,7 @@
               <a:rPr lang="en-US"/>
               <a:t>Skills Matter – 2006	</a:t>
             </a:r>
-            <a:fld id="{E39F4328-3806-B84C-B738-6AF66476967D}" type="slidenum">
+            <a:fld id="{7E95BC28-55EF-4443-82D9-794F16475082}" type="slidenum">
               <a:rPr lang="en-US"/>
               <a:pPr/>
               <a:t>33</a:t>
@@ -2999,7 +3005,7 @@
       </p:sp>
       <p:sp>
         <p:nvSpPr>
-          <p:cNvPr id="894978" name="Rectangle 2"/>
+          <p:cNvPr id="966658" name="Rectangle 2"/>
           <p:cNvSpPr>
             <a:spLocks noGrp="1" noRot="1" noChangeAspect="1" noChangeArrowheads="1" noTextEdit="1"/>
           </p:cNvSpPr>
@@ -3009,8 +3015,8 @@
         </p:nvSpPr>
         <p:spPr>
           <a:xfrm>
-            <a:off x="1143000" y="685800"/>
-            <a:ext cx="4572000" cy="3429000"/>
+            <a:off x="1152525" y="693738"/>
+            <a:ext cx="4552950" cy="3414712"/>
           </a:xfrm>
           <a:ln/>
           <a:extLst>
@@ -3022,7 +3028,7 @@
       </p:sp>
       <p:sp>
         <p:nvSpPr>
-          <p:cNvPr id="894979" name="Rectangle 3"/>
+          <p:cNvPr id="966659" name="Rectangle 3"/>
           <p:cNvSpPr>
             <a:spLocks noGrp="1" noChangeArrowheads="1"/>
           </p:cNvSpPr>
@@ -3030,17 +3036,11 @@
             <p:ph type="body" idx="1"/>
           </p:nvPr>
         </p:nvSpPr>
-        <p:spPr>
-          <a:xfrm>
-            <a:off x="685472" y="4342661"/>
-            <a:ext cx="5487058" cy="4114800"/>
-          </a:xfrm>
-        </p:spPr>
+        <p:spPr/>
         <p:txBody>
           <a:bodyPr/>
           <a:lstStyle/>
           <a:p>
-            <a:pPr defTabSz="914400"/>
             <a:endParaRPr lang="en-US"/>
           </a:p>
         </p:txBody>
@@ -3091,7 +3091,7 @@
               <a:rPr lang="en-US"/>
               <a:t>Skills Matter – 2006	</a:t>
             </a:r>
-            <a:fld id="{7E95BC28-55EF-4443-82D9-794F16475082}" type="slidenum">
+            <a:fld id="{0F706BD9-65FE-E54B-A2D1-8AD872452616}" type="slidenum">
               <a:rPr lang="en-US"/>
               <a:pPr/>
               <a:t>34</a:t>
@@ -3102,7 +3102,7 @@
       </p:sp>
       <p:sp>
         <p:nvSpPr>
-          <p:cNvPr id="966658" name="Rectangle 2"/>
+          <p:cNvPr id="968706" name="Rectangle 2"/>
           <p:cNvSpPr>
             <a:spLocks noGrp="1" noRot="1" noChangeAspect="1" noChangeArrowheads="1" noTextEdit="1"/>
           </p:cNvSpPr>
@@ -3125,7 +3125,7 @@
       </p:sp>
       <p:sp>
         <p:nvSpPr>
-          <p:cNvPr id="966659" name="Rectangle 3"/>
+          <p:cNvPr id="968707" name="Rectangle 3"/>
           <p:cNvSpPr>
             <a:spLocks noGrp="1" noChangeArrowheads="1"/>
           </p:cNvSpPr>
@@ -3188,7 +3188,7 @@
               <a:rPr lang="en-US"/>
               <a:t>Skills Matter – 2006	</a:t>
             </a:r>
-            <a:fld id="{0F706BD9-65FE-E54B-A2D1-8AD872452616}" type="slidenum">
+            <a:fld id="{8FB401FE-14EA-F240-BE26-F80D9CE3E75B}" type="slidenum">
               <a:rPr lang="en-US"/>
               <a:pPr/>
               <a:t>35</a:t>
@@ -3199,7 +3199,7 @@
       </p:sp>
       <p:sp>
         <p:nvSpPr>
-          <p:cNvPr id="968706" name="Rectangle 2"/>
+          <p:cNvPr id="970754" name="Rectangle 2"/>
           <p:cNvSpPr>
             <a:spLocks noGrp="1" noRot="1" noChangeAspect="1" noChangeArrowheads="1" noTextEdit="1"/>
           </p:cNvSpPr>
@@ -3222,7 +3222,7 @@
       </p:sp>
       <p:sp>
         <p:nvSpPr>
-          <p:cNvPr id="968707" name="Rectangle 3"/>
+          <p:cNvPr id="970755" name="Rectangle 3"/>
           <p:cNvSpPr>
             <a:spLocks noGrp="1" noChangeArrowheads="1"/>
           </p:cNvSpPr>
@@ -3285,7 +3285,7 @@
               <a:rPr lang="en-US"/>
               <a:t>Skills Matter – 2006	</a:t>
             </a:r>
-            <a:fld id="{8FB401FE-14EA-F240-BE26-F80D9CE3E75B}" type="slidenum">
+            <a:fld id="{26C20F7E-A880-0C4D-B475-3D4217B0DE04}" type="slidenum">
               <a:rPr lang="en-US"/>
               <a:pPr/>
               <a:t>36</a:t>
@@ -3296,7 +3296,7 @@
       </p:sp>
       <p:sp>
         <p:nvSpPr>
-          <p:cNvPr id="970754" name="Rectangle 2"/>
+          <p:cNvPr id="901122" name="Rectangle 2"/>
           <p:cNvSpPr>
             <a:spLocks noGrp="1" noRot="1" noChangeAspect="1" noChangeArrowheads="1" noTextEdit="1"/>
           </p:cNvSpPr>
@@ -3319,7 +3319,7 @@
       </p:sp>
       <p:sp>
         <p:nvSpPr>
-          <p:cNvPr id="970755" name="Rectangle 3"/>
+          <p:cNvPr id="901123" name="Rectangle 3"/>
           <p:cNvSpPr>
             <a:spLocks noGrp="1" noChangeArrowheads="1"/>
           </p:cNvSpPr>
@@ -6821,7 +6821,7 @@
           <a:p>
             <a:fld id="{875CF0EB-321F-0749-B37A-89BBA859503C}" type="datetimeFigureOut">
               <a:rPr lang="en-US" smtClean="0"/>
-              <a:t>18/12/2012</a:t>
+              <a:t>11/27/13</a:t>
             </a:fld>
             <a:endParaRPr lang="en-US"/>
           </a:p>
@@ -7025,7 +7025,7 @@
           <a:p>
             <a:fld id="{875CF0EB-321F-0749-B37A-89BBA859503C}" type="datetimeFigureOut">
               <a:rPr lang="en-US" smtClean="0"/>
-              <a:t>18/12/2012</a:t>
+              <a:t>11/27/13</a:t>
             </a:fld>
             <a:endParaRPr lang="en-US"/>
           </a:p>
@@ -7219,7 +7219,7 @@
           <a:p>
             <a:fld id="{875CF0EB-321F-0749-B37A-89BBA859503C}" type="datetimeFigureOut">
               <a:rPr lang="en-US" smtClean="0"/>
-              <a:t>18/12/2012</a:t>
+              <a:t>11/27/13</a:t>
             </a:fld>
             <a:endParaRPr lang="en-US"/>
           </a:p>
@@ -7489,7 +7489,7 @@
           <a:p>
             <a:fld id="{875CF0EB-321F-0749-B37A-89BBA859503C}" type="datetimeFigureOut">
               <a:rPr lang="en-US" smtClean="0"/>
-              <a:t>18/12/2012</a:t>
+              <a:t>11/27/13</a:t>
             </a:fld>
             <a:endParaRPr lang="en-US"/>
           </a:p>
@@ -7801,7 +7801,7 @@
           <a:p>
             <a:fld id="{875CF0EB-321F-0749-B37A-89BBA859503C}" type="datetimeFigureOut">
               <a:rPr lang="en-US" smtClean="0"/>
-              <a:t>18/12/2012</a:t>
+              <a:t>11/27/13</a:t>
             </a:fld>
             <a:endParaRPr lang="en-US"/>
           </a:p>
@@ -8247,7 +8247,7 @@
           <a:p>
             <a:fld id="{875CF0EB-321F-0749-B37A-89BBA859503C}" type="datetimeFigureOut">
               <a:rPr lang="en-US" smtClean="0"/>
-              <a:t>18/12/2012</a:t>
+              <a:t>11/27/13</a:t>
             </a:fld>
             <a:endParaRPr lang="en-US"/>
           </a:p>
@@ -8389,7 +8389,7 @@
           <a:p>
             <a:fld id="{875CF0EB-321F-0749-B37A-89BBA859503C}" type="datetimeFigureOut">
               <a:rPr lang="en-US" smtClean="0"/>
-              <a:t>18/12/2012</a:t>
+              <a:t>11/27/13</a:t>
             </a:fld>
             <a:endParaRPr lang="en-US"/>
           </a:p>
@@ -8508,7 +8508,7 @@
           <a:p>
             <a:fld id="{875CF0EB-321F-0749-B37A-89BBA859503C}" type="datetimeFigureOut">
               <a:rPr lang="en-US" smtClean="0"/>
-              <a:t>18/12/2012</a:t>
+              <a:t>11/27/13</a:t>
             </a:fld>
             <a:endParaRPr lang="en-US"/>
           </a:p>
@@ -8809,7 +8809,7 @@
           <a:p>
             <a:fld id="{875CF0EB-321F-0749-B37A-89BBA859503C}" type="datetimeFigureOut">
               <a:rPr lang="en-US" smtClean="0"/>
-              <a:t>18/12/2012</a:t>
+              <a:t>11/27/13</a:t>
             </a:fld>
             <a:endParaRPr lang="en-US"/>
           </a:p>
@@ -9086,7 +9086,7 @@
           <a:p>
             <a:fld id="{875CF0EB-321F-0749-B37A-89BBA859503C}" type="datetimeFigureOut">
               <a:rPr lang="en-US" smtClean="0"/>
-              <a:t>18/12/2012</a:t>
+              <a:t>11/27/13</a:t>
             </a:fld>
             <a:endParaRPr lang="en-US"/>
           </a:p>
@@ -10127,7 +10127,7 @@
         <p:spPr bwMode="auto">
           <a:xfrm>
             <a:off x="827088" y="2727325"/>
-            <a:ext cx="7273925" cy="1398588"/>
+            <a:ext cx="7273925" cy="1256464"/>
           </a:xfrm>
           <a:prstGeom prst="rect">
             <a:avLst/>
@@ -10967,7 +10967,7 @@
       </p:grpSpPr>
       <p:sp>
         <p:nvSpPr>
-          <p:cNvPr id="898050" name="Rectangle 2"/>
+          <p:cNvPr id="892930" name="Rectangle 2"/>
           <p:cNvSpPr>
             <a:spLocks noGrp="1" noChangeArrowheads="1"/>
           </p:cNvSpPr>
@@ -10975,73 +10975,90 @@
             <p:ph type="title"/>
           </p:nvPr>
         </p:nvSpPr>
+        <p:spPr>
+          <a:xfrm>
+            <a:off x="395288" y="620713"/>
+            <a:ext cx="8353425" cy="504825"/>
+          </a:xfrm>
+        </p:spPr>
+        <p:txBody>
+          <a:bodyPr>
+            <a:normAutofit fontScale="90000"/>
+          </a:bodyPr>
+          <a:lstStyle/>
+          <a:p>
+            <a:r>
+              <a:rPr lang="en-US" sz="3100"/>
+              <a:t>SOAP- A Simple Enveloping Model </a:t>
+            </a:r>
+          </a:p>
+        </p:txBody>
+      </p:sp>
+      <p:sp>
+        <p:nvSpPr>
+          <p:cNvPr id="892931" name="Rectangle 3"/>
+          <p:cNvSpPr>
+            <a:spLocks noGrp="1" noChangeArrowheads="1"/>
+          </p:cNvSpPr>
+          <p:nvPr>
+            <p:ph type="body" idx="1"/>
+          </p:nvPr>
+        </p:nvSpPr>
         <p:spPr/>
         <p:txBody>
           <a:bodyPr/>
           <a:lstStyle/>
           <a:p>
             <a:r>
-              <a:rPr lang="en-US" sz="3100"/>
-              <a:t>SOAP Encoding</a:t>
-            </a:r>
-          </a:p>
-        </p:txBody>
-      </p:sp>
-      <p:sp>
-        <p:nvSpPr>
-          <p:cNvPr id="898051" name="Rectangle 3"/>
-          <p:cNvSpPr>
-            <a:spLocks noGrp="1" noChangeArrowheads="1"/>
-          </p:cNvSpPr>
-          <p:nvPr>
-            <p:ph type="body" idx="1"/>
-          </p:nvPr>
-        </p:nvSpPr>
-        <p:spPr/>
-        <p:txBody>
-          <a:bodyPr>
-            <a:normAutofit lnSpcReduction="10000"/>
-          </a:bodyPr>
-          <a:lstStyle/>
-          <a:p>
-            <a:r>
-              <a:rPr lang="en-US"/>
-              <a:t>Is dead!</a:t>
-            </a:r>
-          </a:p>
-          <a:p>
-            <a:endParaRPr lang="en-US"/>
-          </a:p>
-          <a:p>
-            <a:r>
-              <a:rPr lang="en-US"/>
-              <a:t>SOAP encoding is a model that was initially presented</a:t>
+              <a:rPr lang="en-US" sz="2400"/>
+              <a:t>So why use SOAP over POX?</a:t>
+            </a:r>
+          </a:p>
+          <a:p>
+            <a:r>
+              <a:rPr lang="en-US" sz="2400"/>
+              <a:t>Firstly, you don’t have to </a:t>
             </a:r>
           </a:p>
           <a:p>
             <a:pPr lvl="1"/>
             <a:r>
-              <a:rPr lang="en-US"/>
-              <a:t>Allows a graph structure instead of a tree structure, and supports arrays</a:t>
+              <a:rPr lang="en-US" sz="2000"/>
+              <a:t>We will see how Axis2 supports both SOAP and POX without any change to your code</a:t>
             </a:r>
           </a:p>
           <a:p>
             <a:pPr lvl="1"/>
             <a:r>
-              <a:rPr lang="en-US"/>
-              <a:t>Pointers within the XML like object references</a:t>
-            </a:r>
-          </a:p>
-          <a:p>
-            <a:r>
-              <a:rPr lang="en-US"/>
-              <a:t>WS-I Basic Profile bans it</a:t>
-            </a:r>
-          </a:p>
-          <a:p>
-            <a:r>
-              <a:rPr lang="en-US"/>
-              <a:t>Pure XML is the cleaner approach</a:t>
+              <a:rPr lang="en-US" sz="2000"/>
+              <a:t>POX is a great model for simple lightweight communications</a:t>
+            </a:r>
+          </a:p>
+          <a:p>
+            <a:r>
+              <a:rPr lang="en-US" sz="2400"/>
+              <a:t>But</a:t>
+            </a:r>
+          </a:p>
+          <a:p>
+            <a:pPr lvl="1"/>
+            <a:r>
+              <a:rPr lang="en-US" sz="2000"/>
+              <a:t>SOAP has the “space” in the message to add security, reliability etc when you need it</a:t>
+            </a:r>
+          </a:p>
+          <a:p>
+            <a:pPr lvl="1"/>
+            <a:r>
+              <a:rPr lang="en-US" sz="2000"/>
+              <a:t>Almost every enterprise integration model needs extensible headers</a:t>
+            </a:r>
+          </a:p>
+          <a:p>
+            <a:pPr lvl="1"/>
+            <a:r>
+              <a:rPr lang="en-US" sz="2000"/>
+              <a:t>SOAP is much less reliant on the transport for headers, routing, etc</a:t>
             </a:r>
           </a:p>
         </p:txBody>
@@ -11049,7 +11066,7 @@
     </p:spTree>
     <p:extLst>
       <p:ext uri="{BB962C8B-B14F-4D97-AF65-F5344CB8AC3E}">
-        <p14:creationId xmlns:p14="http://schemas.microsoft.com/office/powerpoint/2010/main" val="1890556419"/>
+        <p14:creationId xmlns:p14="http://schemas.microsoft.com/office/powerpoint/2010/main" val="461010442"/>
       </p:ext>
     </p:extLst>
   </p:cSld>
@@ -11086,98 +11103,77 @@
       </p:grpSpPr>
       <p:sp>
         <p:nvSpPr>
-          <p:cNvPr id="892930" name="Rectangle 2"/>
+          <p:cNvPr id="902146" name="Rectangle 2"/>
           <p:cNvSpPr>
             <a:spLocks noGrp="1" noChangeArrowheads="1"/>
           </p:cNvSpPr>
           <p:nvPr>
             <p:ph type="title"/>
+          </p:nvPr>
+        </p:nvSpPr>
+        <p:spPr/>
+        <p:txBody>
+          <a:bodyPr/>
+          <a:lstStyle/>
+          <a:p>
+            <a:r>
+              <a:rPr lang="en-US" sz="3100"/>
+              <a:t>Using SOAP Headers</a:t>
+            </a:r>
+          </a:p>
+        </p:txBody>
+      </p:sp>
+      <p:sp>
+        <p:nvSpPr>
+          <p:cNvPr id="902147" name="Rectangle 3"/>
+          <p:cNvSpPr>
+            <a:spLocks noGrp="1" noChangeArrowheads="1"/>
+          </p:cNvSpPr>
+          <p:nvPr>
+            <p:ph type="body" idx="1"/>
           </p:nvPr>
         </p:nvSpPr>
         <p:spPr>
           <a:xfrm>
-            <a:off x="395288" y="620713"/>
-            <a:ext cx="8353425" cy="504825"/>
+            <a:off x="468313" y="1525588"/>
+            <a:ext cx="8207375" cy="4783137"/>
           </a:xfrm>
         </p:spPr>
         <p:txBody>
-          <a:bodyPr>
-            <a:normAutofit fontScale="90000"/>
-          </a:bodyPr>
-          <a:lstStyle/>
-          <a:p>
-            <a:r>
-              <a:rPr lang="en-US" sz="3100"/>
-              <a:t>SOAP- A Simple Enveloping Model </a:t>
-            </a:r>
-          </a:p>
-        </p:txBody>
-      </p:sp>
-      <p:sp>
-        <p:nvSpPr>
-          <p:cNvPr id="892931" name="Rectangle 3"/>
-          <p:cNvSpPr>
-            <a:spLocks noGrp="1" noChangeArrowheads="1"/>
-          </p:cNvSpPr>
-          <p:nvPr>
-            <p:ph type="body" idx="1"/>
-          </p:nvPr>
-        </p:nvSpPr>
-        <p:spPr/>
-        <p:txBody>
           <a:bodyPr/>
           <a:lstStyle/>
           <a:p>
             <a:r>
-              <a:rPr lang="en-US" sz="2400"/>
-              <a:t>So why use SOAP over POX?</a:t>
-            </a:r>
-          </a:p>
-          <a:p>
-            <a:r>
-              <a:rPr lang="en-US" sz="2400"/>
-              <a:t>Firstly, you don’t have to </a:t>
+              <a:rPr lang="en-US"/>
+              <a:t>Some simple examples</a:t>
             </a:r>
           </a:p>
           <a:p>
             <a:pPr lvl="1"/>
             <a:r>
-              <a:rPr lang="en-US" sz="2000"/>
-              <a:t>We will see how Axis2 supports both SOAP and POX without any change to your code</a:t>
+              <a:rPr lang="en-US"/>
+              <a:t>Add a signature to ensure the message isn’t modified</a:t>
             </a:r>
           </a:p>
           <a:p>
             <a:pPr lvl="1"/>
             <a:r>
-              <a:rPr lang="en-US" sz="2000"/>
-              <a:t>POX is a great model for simple lightweight communications</a:t>
-            </a:r>
-          </a:p>
-          <a:p>
-            <a:r>
-              <a:rPr lang="en-US" sz="2400"/>
-              <a:t>But</a:t>
+              <a:rPr lang="en-US"/>
+              <a:t>Add a process identifier to track this message as part of a wider process</a:t>
             </a:r>
           </a:p>
           <a:p>
             <a:pPr lvl="1"/>
             <a:r>
-              <a:rPr lang="en-US" sz="2000"/>
-              <a:t>SOAP has the “space” in the message to add security, reliability etc when you need it</a:t>
+              <a:rPr lang="en-US"/>
+              <a:t>Add a userid so that end-to-end security can be guaranteed</a:t>
             </a:r>
           </a:p>
           <a:p>
             <a:pPr lvl="1"/>
             <a:r>
-              <a:rPr lang="en-US" sz="2000"/>
-              <a:t>Almost every enterprise integration model needs extensible headers</a:t>
-            </a:r>
-          </a:p>
-          <a:p>
-            <a:pPr lvl="1"/>
-            <a:r>
-              <a:rPr lang="en-US" sz="2000"/>
-              <a:t>SOAP is much less reliant on the transport for headers, routing, etc</a:t>
+              <a:rPr lang="en-US"/>
+              <a:t>Add a message number so messages can be resent if lost</a:t>
             </a:r>
           </a:p>
         </p:txBody>
@@ -11185,7 +11181,7 @@
     </p:spTree>
     <p:extLst>
       <p:ext uri="{BB962C8B-B14F-4D97-AF65-F5344CB8AC3E}">
-        <p14:creationId xmlns:p14="http://schemas.microsoft.com/office/powerpoint/2010/main" val="461010442"/>
+        <p14:creationId xmlns:p14="http://schemas.microsoft.com/office/powerpoint/2010/main" val="3891250480"/>
       </p:ext>
     </p:extLst>
   </p:cSld>
@@ -11222,121 +11218,6 @@
       </p:grpSpPr>
       <p:sp>
         <p:nvSpPr>
-          <p:cNvPr id="902146" name="Rectangle 2"/>
-          <p:cNvSpPr>
-            <a:spLocks noGrp="1" noChangeArrowheads="1"/>
-          </p:cNvSpPr>
-          <p:nvPr>
-            <p:ph type="title"/>
-          </p:nvPr>
-        </p:nvSpPr>
-        <p:spPr/>
-        <p:txBody>
-          <a:bodyPr/>
-          <a:lstStyle/>
-          <a:p>
-            <a:r>
-              <a:rPr lang="en-US" sz="3100"/>
-              <a:t>Using SOAP Headers</a:t>
-            </a:r>
-          </a:p>
-        </p:txBody>
-      </p:sp>
-      <p:sp>
-        <p:nvSpPr>
-          <p:cNvPr id="902147" name="Rectangle 3"/>
-          <p:cNvSpPr>
-            <a:spLocks noGrp="1" noChangeArrowheads="1"/>
-          </p:cNvSpPr>
-          <p:nvPr>
-            <p:ph type="body" idx="1"/>
-          </p:nvPr>
-        </p:nvSpPr>
-        <p:spPr>
-          <a:xfrm>
-            <a:off x="468313" y="1525588"/>
-            <a:ext cx="8207375" cy="4783137"/>
-          </a:xfrm>
-        </p:spPr>
-        <p:txBody>
-          <a:bodyPr/>
-          <a:lstStyle/>
-          <a:p>
-            <a:r>
-              <a:rPr lang="en-US"/>
-              <a:t>Some simple examples</a:t>
-            </a:r>
-          </a:p>
-          <a:p>
-            <a:pPr lvl="1"/>
-            <a:r>
-              <a:rPr lang="en-US"/>
-              <a:t>Add a signature to ensure the message isn’t modified</a:t>
-            </a:r>
-          </a:p>
-          <a:p>
-            <a:pPr lvl="1"/>
-            <a:r>
-              <a:rPr lang="en-US"/>
-              <a:t>Add a process identifier to track this message as part of a wider process</a:t>
-            </a:r>
-          </a:p>
-          <a:p>
-            <a:pPr lvl="1"/>
-            <a:r>
-              <a:rPr lang="en-US"/>
-              <a:t>Add a userid so that end-to-end security can be guaranteed</a:t>
-            </a:r>
-          </a:p>
-          <a:p>
-            <a:pPr lvl="1"/>
-            <a:r>
-              <a:rPr lang="en-US"/>
-              <a:t>Add a message number so messages can be resent if lost</a:t>
-            </a:r>
-          </a:p>
-        </p:txBody>
-      </p:sp>
-    </p:spTree>
-    <p:extLst>
-      <p:ext uri="{BB962C8B-B14F-4D97-AF65-F5344CB8AC3E}">
-        <p14:creationId xmlns:p14="http://schemas.microsoft.com/office/powerpoint/2010/main" val="3891250480"/>
-      </p:ext>
-    </p:extLst>
-  </p:cSld>
-  <p:clrMapOvr>
-    <a:masterClrMapping/>
-  </p:clrMapOvr>
-  <mc:AlternateContent xmlns:mc="http://schemas.openxmlformats.org/markup-compatibility/2006" xmlns:p14="http://schemas.microsoft.com/office/powerpoint/2010/main">
-    <mc:Choice Requires="p14">
-      <p:transition spd="slow" p14:dur="2000"/>
-    </mc:Choice>
-    <mc:Fallback xmlns="">
-      <p:transition xmlns:p14="http://schemas.microsoft.com/office/powerpoint/2010/main" spd="slow"/>
-    </mc:Fallback>
-  </mc:AlternateContent>
-</p:sld>
-</file>
-
-<file path=ppt/slides/slide19.xml><?xml version="1.0" encoding="utf-8"?>
-<p:sld xmlns:a="http://schemas.openxmlformats.org/drawingml/2006/main" xmlns:r="http://schemas.openxmlformats.org/officeDocument/2006/relationships" xmlns:p="http://schemas.openxmlformats.org/presentationml/2006/main">
-  <p:cSld>
-    <p:spTree>
-      <p:nvGrpSpPr>
-        <p:cNvPr id="1" name=""/>
-        <p:cNvGrpSpPr/>
-        <p:nvPr/>
-      </p:nvGrpSpPr>
-      <p:grpSpPr>
-        <a:xfrm>
-          <a:off x="0" y="0"/>
-          <a:ext cx="0" cy="0"/>
-          <a:chOff x="0" y="0"/>
-          <a:chExt cx="0" cy="0"/>
-        </a:xfrm>
-      </p:grpSpPr>
-      <p:sp>
-        <p:nvSpPr>
           <p:cNvPr id="861186" name="Rectangle 2"/>
           <p:cNvSpPr>
             <a:spLocks noGrp="1" noChangeArrowheads="1"/>
@@ -11415,6 +11296,123 @@
     <p:extLst>
       <p:ext uri="{BB962C8B-B14F-4D97-AF65-F5344CB8AC3E}">
         <p14:creationId xmlns:p14="http://schemas.microsoft.com/office/powerpoint/2010/main" val="1828136809"/>
+      </p:ext>
+    </p:extLst>
+  </p:cSld>
+  <p:clrMapOvr>
+    <a:masterClrMapping/>
+  </p:clrMapOvr>
+  <p:timing>
+    <p:tnLst>
+      <p:par>
+        <p:cTn xmlns:p14="http://schemas.microsoft.com/office/powerpoint/2010/main" id="1" dur="indefinite" restart="never" nodeType="tmRoot"/>
+      </p:par>
+    </p:tnLst>
+  </p:timing>
+</p:sld>
+</file>
+
+<file path=ppt/slides/slide19.xml><?xml version="1.0" encoding="utf-8"?>
+<p:sld xmlns:a="http://schemas.openxmlformats.org/drawingml/2006/main" xmlns:r="http://schemas.openxmlformats.org/officeDocument/2006/relationships" xmlns:p="http://schemas.openxmlformats.org/presentationml/2006/main">
+  <p:cSld>
+    <p:spTree>
+      <p:nvGrpSpPr>
+        <p:cNvPr id="1" name=""/>
+        <p:cNvGrpSpPr/>
+        <p:nvPr/>
+      </p:nvGrpSpPr>
+      <p:grpSpPr>
+        <a:xfrm>
+          <a:off x="0" y="0"/>
+          <a:ext cx="0" cy="0"/>
+          <a:chOff x="0" y="0"/>
+          <a:chExt cx="0" cy="0"/>
+        </a:xfrm>
+      </p:grpSpPr>
+      <p:sp>
+        <p:nvSpPr>
+          <p:cNvPr id="863234" name="Rectangle 2"/>
+          <p:cNvSpPr>
+            <a:spLocks noGrp="1" noChangeArrowheads="1"/>
+          </p:cNvSpPr>
+          <p:nvPr>
+            <p:ph type="title"/>
+          </p:nvPr>
+        </p:nvSpPr>
+        <p:spPr/>
+        <p:txBody>
+          <a:bodyPr/>
+          <a:lstStyle/>
+          <a:p>
+            <a:r>
+              <a:rPr lang="en-US"/>
+              <a:t>What is a service definition?</a:t>
+            </a:r>
+          </a:p>
+        </p:txBody>
+      </p:sp>
+      <p:sp>
+        <p:nvSpPr>
+          <p:cNvPr id="863235" name="Rectangle 3"/>
+          <p:cNvSpPr>
+            <a:spLocks noGrp="1" noChangeArrowheads="1"/>
+          </p:cNvSpPr>
+          <p:nvPr>
+            <p:ph type="body" idx="1"/>
+          </p:nvPr>
+        </p:nvSpPr>
+        <p:spPr/>
+        <p:txBody>
+          <a:bodyPr/>
+          <a:lstStyle/>
+          <a:p>
+            <a:r>
+              <a:rPr lang="en-US"/>
+              <a:t>What does it do?</a:t>
+            </a:r>
+          </a:p>
+          <a:p>
+            <a:r>
+              <a:rPr lang="en-US"/>
+              <a:t>Where is it?</a:t>
+            </a:r>
+          </a:p>
+          <a:p>
+            <a:r>
+              <a:rPr lang="en-US"/>
+              <a:t>Who owns and runs it? </a:t>
+            </a:r>
+          </a:p>
+          <a:p>
+            <a:r>
+              <a:rPr lang="en-US"/>
+              <a:t>Is it going to be up on Monday?</a:t>
+            </a:r>
+          </a:p>
+          <a:p>
+            <a:r>
+              <a:rPr lang="en-US"/>
+              <a:t>What do I have to do to use it?</a:t>
+            </a:r>
+          </a:p>
+          <a:p>
+            <a:r>
+              <a:rPr lang="en-US"/>
+              <a:t>How much does it cost?</a:t>
+            </a:r>
+          </a:p>
+          <a:p>
+            <a:endParaRPr lang="en-US"/>
+          </a:p>
+          <a:p>
+            <a:endParaRPr lang="en-US"/>
+          </a:p>
+        </p:txBody>
+      </p:sp>
+    </p:spTree>
+    <p:extLst>
+      <p:ext uri="{BB962C8B-B14F-4D97-AF65-F5344CB8AC3E}">
+        <p14:creationId xmlns:p14="http://schemas.microsoft.com/office/powerpoint/2010/main" val="1139726688"/>
       </p:ext>
     </p:extLst>
   </p:cSld>
@@ -11540,7 +11538,7 @@
       </p:grpSpPr>
       <p:sp>
         <p:nvSpPr>
-          <p:cNvPr id="863234" name="Rectangle 2"/>
+          <p:cNvPr id="865282" name="Rectangle 2"/>
           <p:cNvSpPr>
             <a:spLocks noGrp="1" noChangeArrowheads="1"/>
           </p:cNvSpPr>
@@ -11562,7 +11560,7 @@
       </p:sp>
       <p:sp>
         <p:nvSpPr>
-          <p:cNvPr id="863235" name="Rectangle 3"/>
+          <p:cNvPr id="865283" name="Rectangle 3"/>
           <p:cNvSpPr>
             <a:spLocks noGrp="1" noChangeArrowheads="1"/>
           </p:cNvSpPr>
@@ -11582,7 +11580,7 @@
           </a:p>
           <a:p>
             <a:r>
-              <a:rPr lang="en-US"/>
+              <a:rPr lang="en-US" b="1"/>
               <a:t>Where is it?</a:t>
             </a:r>
           </a:p>
@@ -11600,7 +11598,7 @@
           </a:p>
           <a:p>
             <a:r>
-              <a:rPr lang="en-US"/>
+              <a:rPr lang="en-US" b="1"/>
               <a:t>What do I have to do to use it?</a:t>
             </a:r>
           </a:p>
@@ -11611,6 +11609,10 @@
             </a:r>
           </a:p>
           <a:p>
+            <a:pPr>
+              <a:buFontTx/>
+              <a:buNone/>
+            </a:pPr>
             <a:endParaRPr lang="en-US"/>
           </a:p>
           <a:p>
@@ -11621,7 +11623,7 @@
     </p:spTree>
     <p:extLst>
       <p:ext uri="{BB962C8B-B14F-4D97-AF65-F5344CB8AC3E}">
-        <p14:creationId xmlns:p14="http://schemas.microsoft.com/office/powerpoint/2010/main" val="1139726688"/>
+        <p14:creationId xmlns:p14="http://schemas.microsoft.com/office/powerpoint/2010/main" val="889681864"/>
       </p:ext>
     </p:extLst>
   </p:cSld>
@@ -11657,7 +11659,7 @@
       </p:grpSpPr>
       <p:sp>
         <p:nvSpPr>
-          <p:cNvPr id="865282" name="Rectangle 2"/>
+          <p:cNvPr id="867330" name="Rectangle 2"/>
           <p:cNvSpPr>
             <a:spLocks noGrp="1" noChangeArrowheads="1"/>
           </p:cNvSpPr>
@@ -11671,15 +11673,15 @@
           <a:lstStyle/>
           <a:p>
             <a:r>
-              <a:rPr lang="en-US"/>
-              <a:t>What is a service definition?</a:t>
-            </a:r>
-          </a:p>
-        </p:txBody>
-      </p:sp>
-      <p:sp>
-        <p:nvSpPr>
-          <p:cNvPr id="865283" name="Rectangle 3"/>
+              <a:rPr lang="en-US" sz="2600"/>
+              <a:t>Web Services Description Language</a:t>
+            </a:r>
+          </a:p>
+        </p:txBody>
+      </p:sp>
+      <p:sp>
+        <p:nvSpPr>
+          <p:cNvPr id="867331" name="Rectangle 3"/>
           <p:cNvSpPr>
             <a:spLocks noGrp="1" noChangeArrowheads="1"/>
           </p:cNvSpPr>
@@ -11692,57 +11694,129 @@
           <a:bodyPr/>
           <a:lstStyle/>
           <a:p>
-            <a:r>
-              <a:rPr lang="en-US"/>
-              <a:t>What does it do?</a:t>
-            </a:r>
-          </a:p>
-          <a:p>
-            <a:r>
-              <a:rPr lang="en-US" b="1"/>
-              <a:t>Where is it?</a:t>
-            </a:r>
-          </a:p>
-          <a:p>
-            <a:r>
-              <a:rPr lang="en-US"/>
-              <a:t>Who owns and runs it? </a:t>
-            </a:r>
-          </a:p>
-          <a:p>
-            <a:r>
-              <a:rPr lang="en-US"/>
-              <a:t>Is it going to be up on Monday?</a:t>
-            </a:r>
-          </a:p>
-          <a:p>
-            <a:r>
-              <a:rPr lang="en-US" b="1"/>
-              <a:t>What do I have to do to use it?</a:t>
-            </a:r>
-          </a:p>
-          <a:p>
-            <a:r>
-              <a:rPr lang="en-US"/>
-              <a:t>How much does it cost?</a:t>
-            </a:r>
-          </a:p>
-          <a:p>
             <a:pPr>
-              <a:buFontTx/>
-              <a:buNone/>
+              <a:lnSpc>
+                <a:spcPct val="90000"/>
+              </a:lnSpc>
             </a:pPr>
-            <a:endParaRPr lang="en-US"/>
-          </a:p>
-          <a:p>
-            <a:endParaRPr lang="en-US"/>
+            <a:r>
+              <a:rPr lang="en-US" sz="2400"/>
+              <a:t>WSDL</a:t>
+            </a:r>
+          </a:p>
+          <a:p>
+            <a:pPr lvl="1">
+              <a:lnSpc>
+                <a:spcPct val="90000"/>
+              </a:lnSpc>
+            </a:pPr>
+            <a:r>
+              <a:rPr lang="en-US" sz="2000"/>
+              <a:t>Currently used version 1.1</a:t>
+            </a:r>
+          </a:p>
+          <a:p>
+            <a:pPr lvl="1">
+              <a:lnSpc>
+                <a:spcPct val="90000"/>
+              </a:lnSpc>
+            </a:pPr>
+            <a:r>
+              <a:rPr lang="en-US" sz="2000"/>
+              <a:t>Recently 2.0 made available</a:t>
+            </a:r>
+          </a:p>
+          <a:p>
+            <a:pPr>
+              <a:lnSpc>
+                <a:spcPct val="90000"/>
+              </a:lnSpc>
+            </a:pPr>
+            <a:r>
+              <a:rPr lang="en-US" sz="2400"/>
+              <a:t>Focuses on:</a:t>
+            </a:r>
+          </a:p>
+          <a:p>
+            <a:pPr lvl="1">
+              <a:lnSpc>
+                <a:spcPct val="90000"/>
+              </a:lnSpc>
+            </a:pPr>
+            <a:r>
+              <a:rPr lang="en-US" sz="2000"/>
+              <a:t>What the messages are</a:t>
+            </a:r>
+          </a:p>
+          <a:p>
+            <a:pPr lvl="2">
+              <a:lnSpc>
+                <a:spcPct val="90000"/>
+              </a:lnSpc>
+            </a:pPr>
+            <a:r>
+              <a:rPr lang="en-US" sz="1800"/>
+              <a:t>Schema</a:t>
+            </a:r>
+          </a:p>
+          <a:p>
+            <a:pPr lvl="1">
+              <a:lnSpc>
+                <a:spcPct val="90000"/>
+              </a:lnSpc>
+            </a:pPr>
+            <a:r>
+              <a:rPr lang="en-US" sz="2000"/>
+              <a:t>How they flow (in, in-out, etc)</a:t>
+            </a:r>
+          </a:p>
+          <a:p>
+            <a:pPr lvl="2">
+              <a:lnSpc>
+                <a:spcPct val="90000"/>
+              </a:lnSpc>
+            </a:pPr>
+            <a:r>
+              <a:rPr lang="en-US" sz="1800"/>
+              <a:t>Message Exchange Pattern</a:t>
+            </a:r>
+          </a:p>
+          <a:p>
+            <a:pPr lvl="1">
+              <a:lnSpc>
+                <a:spcPct val="90000"/>
+              </a:lnSpc>
+            </a:pPr>
+            <a:r>
+              <a:rPr lang="en-US" sz="2000"/>
+              <a:t>Where they are</a:t>
+            </a:r>
+          </a:p>
+          <a:p>
+            <a:pPr lvl="2">
+              <a:lnSpc>
+                <a:spcPct val="90000"/>
+              </a:lnSpc>
+            </a:pPr>
+            <a:r>
+              <a:rPr lang="en-US" sz="1800"/>
+              <a:t>Endpoint URLs</a:t>
+            </a:r>
+          </a:p>
+          <a:p>
+            <a:pPr lvl="1">
+              <a:lnSpc>
+                <a:spcPct val="90000"/>
+              </a:lnSpc>
+            </a:pPr>
+            <a:endParaRPr lang="en-US" sz="2000"/>
           </a:p>
         </p:txBody>
       </p:sp>
     </p:spTree>
     <p:extLst>
       <p:ext uri="{BB962C8B-B14F-4D97-AF65-F5344CB8AC3E}">
-        <p14:creationId xmlns:p14="http://schemas.microsoft.com/office/powerpoint/2010/main" val="889681864"/>
+        <p14:creationId xmlns:p14="http://schemas.microsoft.com/office/powerpoint/2010/main" val="1958660888"/>
       </p:ext>
     </p:extLst>
   </p:cSld>
@@ -11778,7 +11852,7 @@
       </p:grpSpPr>
       <p:sp>
         <p:nvSpPr>
-          <p:cNvPr id="867330" name="Rectangle 2"/>
+          <p:cNvPr id="869378" name="Rectangle 2"/>
           <p:cNvSpPr>
             <a:spLocks noGrp="1" noChangeArrowheads="1"/>
           </p:cNvSpPr>
@@ -11792,15 +11866,15 @@
           <a:lstStyle/>
           <a:p>
             <a:r>
-              <a:rPr lang="en-US" sz="2600"/>
-              <a:t>Web Services Description Language</a:t>
-            </a:r>
-          </a:p>
-        </p:txBody>
-      </p:sp>
-      <p:sp>
-        <p:nvSpPr>
-          <p:cNvPr id="867331" name="Rectangle 3"/>
+              <a:rPr lang="en-US"/>
+              <a:t>Abstraction</a:t>
+            </a:r>
+          </a:p>
+        </p:txBody>
+      </p:sp>
+      <p:sp>
+        <p:nvSpPr>
+          <p:cNvPr id="869379" name="Rectangle 3"/>
           <p:cNvSpPr>
             <a:spLocks noGrp="1" noChangeArrowheads="1"/>
           </p:cNvSpPr>
@@ -11813,129 +11887,59 @@
           <a:bodyPr/>
           <a:lstStyle/>
           <a:p>
-            <a:pPr>
-              <a:lnSpc>
-                <a:spcPct val="90000"/>
-              </a:lnSpc>
-            </a:pPr>
-            <a:r>
-              <a:rPr lang="en-US" sz="2400"/>
-              <a:t>WSDL</a:t>
-            </a:r>
-          </a:p>
-          <a:p>
-            <a:pPr lvl="1">
-              <a:lnSpc>
-                <a:spcPct val="90000"/>
-              </a:lnSpc>
-            </a:pPr>
-            <a:r>
-              <a:rPr lang="en-US" sz="2000"/>
-              <a:t>Currently used version 1.1</a:t>
-            </a:r>
-          </a:p>
-          <a:p>
-            <a:pPr lvl="1">
-              <a:lnSpc>
-                <a:spcPct val="90000"/>
-              </a:lnSpc>
-            </a:pPr>
-            <a:r>
-              <a:rPr lang="en-US" sz="2000"/>
-              <a:t>Recently 2.0 made available</a:t>
-            </a:r>
-          </a:p>
-          <a:p>
-            <a:pPr>
-              <a:lnSpc>
-                <a:spcPct val="90000"/>
-              </a:lnSpc>
-            </a:pPr>
-            <a:r>
-              <a:rPr lang="en-US" sz="2400"/>
-              <a:t>Focuses on:</a:t>
-            </a:r>
-          </a:p>
-          <a:p>
-            <a:pPr lvl="1">
-              <a:lnSpc>
-                <a:spcPct val="90000"/>
-              </a:lnSpc>
-            </a:pPr>
-            <a:r>
-              <a:rPr lang="en-US" sz="2000"/>
-              <a:t>What the messages are</a:t>
-            </a:r>
-          </a:p>
-          <a:p>
-            <a:pPr lvl="2">
-              <a:lnSpc>
-                <a:spcPct val="90000"/>
-              </a:lnSpc>
-            </a:pPr>
-            <a:r>
-              <a:rPr lang="en-US" sz="1800"/>
-              <a:t>Schema</a:t>
-            </a:r>
-          </a:p>
-          <a:p>
-            <a:pPr lvl="1">
-              <a:lnSpc>
-                <a:spcPct val="90000"/>
-              </a:lnSpc>
-            </a:pPr>
-            <a:r>
-              <a:rPr lang="en-US" sz="2000"/>
-              <a:t>How they flow (in, in-out, etc)</a:t>
-            </a:r>
-          </a:p>
-          <a:p>
-            <a:pPr lvl="2">
-              <a:lnSpc>
-                <a:spcPct val="90000"/>
-              </a:lnSpc>
-            </a:pPr>
-            <a:r>
-              <a:rPr lang="en-US" sz="1800"/>
-              <a:t>Message Exchange Pattern</a:t>
-            </a:r>
-          </a:p>
-          <a:p>
-            <a:pPr lvl="1">
-              <a:lnSpc>
-                <a:spcPct val="90000"/>
-              </a:lnSpc>
-            </a:pPr>
-            <a:r>
-              <a:rPr lang="en-US" sz="2000"/>
-              <a:t>Where they are</a:t>
-            </a:r>
-          </a:p>
-          <a:p>
-            <a:pPr lvl="2">
-              <a:lnSpc>
-                <a:spcPct val="90000"/>
-              </a:lnSpc>
-            </a:pPr>
-            <a:r>
-              <a:rPr lang="en-US" sz="1800"/>
-              <a:t>Endpoint URLs</a:t>
-            </a:r>
-          </a:p>
-          <a:p>
-            <a:pPr lvl="1">
-              <a:lnSpc>
-                <a:spcPct val="90000"/>
-              </a:lnSpc>
-            </a:pPr>
-            <a:endParaRPr lang="en-US" sz="2000"/>
+            <a:r>
+              <a:rPr lang="en-US"/>
+              <a:t>WSDL splits into:</a:t>
+            </a:r>
+          </a:p>
+          <a:p>
+            <a:pPr lvl="1"/>
+            <a:r>
+              <a:rPr lang="en-US"/>
+              <a:t>Interface / PortType </a:t>
+            </a:r>
+          </a:p>
+          <a:p>
+            <a:pPr lvl="2"/>
+            <a:r>
+              <a:rPr lang="en-US"/>
+              <a:t>The abstract interface</a:t>
+            </a:r>
+          </a:p>
+          <a:p>
+            <a:pPr lvl="1"/>
+            <a:r>
+              <a:rPr lang="en-US"/>
+              <a:t>The Binding</a:t>
+            </a:r>
+          </a:p>
+          <a:p>
+            <a:pPr lvl="2"/>
+            <a:r>
+              <a:rPr lang="en-US"/>
+              <a:t>The mapping into SOAP or XML/HTTP (or +++)</a:t>
+            </a:r>
+          </a:p>
+          <a:p>
+            <a:pPr lvl="1"/>
+            <a:r>
+              <a:rPr lang="en-US"/>
+              <a:t>The port</a:t>
+            </a:r>
+          </a:p>
+          <a:p>
+            <a:pPr lvl="2"/>
+            <a:r>
+              <a:rPr lang="en-US"/>
+              <a:t>The actual endpoint or location</a:t>
+            </a:r>
           </a:p>
         </p:txBody>
       </p:sp>
     </p:spTree>
     <p:extLst>
       <p:ext uri="{BB962C8B-B14F-4D97-AF65-F5344CB8AC3E}">
-        <p14:creationId xmlns:p14="http://schemas.microsoft.com/office/powerpoint/2010/main" val="1958660888"/>
+        <p14:creationId xmlns:p14="http://schemas.microsoft.com/office/powerpoint/2010/main" val="2774351583"/>
       </p:ext>
     </p:extLst>
   </p:cSld>
@@ -11971,129 +11975,6 @@
       </p:grpSpPr>
       <p:sp>
         <p:nvSpPr>
-          <p:cNvPr id="869378" name="Rectangle 2"/>
-          <p:cNvSpPr>
-            <a:spLocks noGrp="1" noChangeArrowheads="1"/>
-          </p:cNvSpPr>
-          <p:nvPr>
-            <p:ph type="title"/>
-          </p:nvPr>
-        </p:nvSpPr>
-        <p:spPr/>
-        <p:txBody>
-          <a:bodyPr/>
-          <a:lstStyle/>
-          <a:p>
-            <a:r>
-              <a:rPr lang="en-US"/>
-              <a:t>Abstraction</a:t>
-            </a:r>
-          </a:p>
-        </p:txBody>
-      </p:sp>
-      <p:sp>
-        <p:nvSpPr>
-          <p:cNvPr id="869379" name="Rectangle 3"/>
-          <p:cNvSpPr>
-            <a:spLocks noGrp="1" noChangeArrowheads="1"/>
-          </p:cNvSpPr>
-          <p:nvPr>
-            <p:ph type="body" idx="1"/>
-          </p:nvPr>
-        </p:nvSpPr>
-        <p:spPr/>
-        <p:txBody>
-          <a:bodyPr/>
-          <a:lstStyle/>
-          <a:p>
-            <a:r>
-              <a:rPr lang="en-US"/>
-              <a:t>WSDL splits into:</a:t>
-            </a:r>
-          </a:p>
-          <a:p>
-            <a:pPr lvl="1"/>
-            <a:r>
-              <a:rPr lang="en-US"/>
-              <a:t>Interface / PortType </a:t>
-            </a:r>
-          </a:p>
-          <a:p>
-            <a:pPr lvl="2"/>
-            <a:r>
-              <a:rPr lang="en-US"/>
-              <a:t>The abstract interface</a:t>
-            </a:r>
-          </a:p>
-          <a:p>
-            <a:pPr lvl="1"/>
-            <a:r>
-              <a:rPr lang="en-US"/>
-              <a:t>The Binding</a:t>
-            </a:r>
-          </a:p>
-          <a:p>
-            <a:pPr lvl="2"/>
-            <a:r>
-              <a:rPr lang="en-US"/>
-              <a:t>The mapping into SOAP or XML/HTTP (or +++)</a:t>
-            </a:r>
-          </a:p>
-          <a:p>
-            <a:pPr lvl="1"/>
-            <a:r>
-              <a:rPr lang="en-US"/>
-              <a:t>The port</a:t>
-            </a:r>
-          </a:p>
-          <a:p>
-            <a:pPr lvl="2"/>
-            <a:r>
-              <a:rPr lang="en-US"/>
-              <a:t>The actual endpoint or location</a:t>
-            </a:r>
-          </a:p>
-        </p:txBody>
-      </p:sp>
-    </p:spTree>
-    <p:extLst>
-      <p:ext uri="{BB962C8B-B14F-4D97-AF65-F5344CB8AC3E}">
-        <p14:creationId xmlns:p14="http://schemas.microsoft.com/office/powerpoint/2010/main" val="2774351583"/>
-      </p:ext>
-    </p:extLst>
-  </p:cSld>
-  <p:clrMapOvr>
-    <a:masterClrMapping/>
-  </p:clrMapOvr>
-  <p:timing>
-    <p:tnLst>
-      <p:par>
-        <p:cTn xmlns:p14="http://schemas.microsoft.com/office/powerpoint/2010/main" id="1" dur="indefinite" restart="never" nodeType="tmRoot"/>
-      </p:par>
-    </p:tnLst>
-  </p:timing>
-</p:sld>
-</file>
-
-<file path=ppt/slides/slide24.xml><?xml version="1.0" encoding="utf-8"?>
-<p:sld xmlns:a="http://schemas.openxmlformats.org/drawingml/2006/main" xmlns:r="http://schemas.openxmlformats.org/officeDocument/2006/relationships" xmlns:p="http://schemas.openxmlformats.org/presentationml/2006/main">
-  <p:cSld>
-    <p:spTree>
-      <p:nvGrpSpPr>
-        <p:cNvPr id="1" name=""/>
-        <p:cNvGrpSpPr/>
-        <p:nvPr/>
-      </p:nvGrpSpPr>
-      <p:grpSpPr>
-        <a:xfrm>
-          <a:off x="0" y="0"/>
-          <a:ext cx="0" cy="0"/>
-          <a:chOff x="0" y="0"/>
-          <a:chExt cx="0" cy="0"/>
-        </a:xfrm>
-      </p:grpSpPr>
-      <p:sp>
-        <p:nvSpPr>
           <p:cNvPr id="871426" name="Rectangle 2"/>
           <p:cNvSpPr>
             <a:spLocks noGrp="1" noChangeArrowheads="1"/>
@@ -12132,7 +12013,7 @@
           <a:graphicData uri="http://schemas.openxmlformats.org/presentationml/2006/ole">
             <mc:AlternateContent xmlns:mc="http://schemas.openxmlformats.org/markup-compatibility/2006">
               <mc:Choice xmlns:v="urn:schemas-microsoft-com:vml" Requires="v">
-                <p:oleObj spid="_x0000_s44037" name="Bitmap Image" r:id="rId4" imgW="7954485" imgH="3677163" progId="Paint.Picture">
+                <p:oleObj spid="_x0000_s44041" name="Bitmap Image" r:id="rId4" imgW="7954485" imgH="3677163" progId="Paint.Picture">
                   <p:embed/>
                 </p:oleObj>
               </mc:Choice>
@@ -12196,7 +12077,7 @@
 </p:sld>
 </file>
 
-<file path=ppt/slides/slide25.xml><?xml version="1.0" encoding="utf-8"?>
+<file path=ppt/slides/slide24.xml><?xml version="1.0" encoding="utf-8"?>
 <p:sld xmlns:a="http://schemas.openxmlformats.org/drawingml/2006/main" xmlns:r="http://schemas.openxmlformats.org/officeDocument/2006/relationships" xmlns:p="http://schemas.openxmlformats.org/presentationml/2006/main">
   <p:cSld>
     <p:spTree>
@@ -12253,7 +12134,7 @@
           <a:graphicData uri="http://schemas.openxmlformats.org/presentationml/2006/ole">
             <mc:AlternateContent xmlns:mc="http://schemas.openxmlformats.org/markup-compatibility/2006">
               <mc:Choice xmlns:v="urn:schemas-microsoft-com:vml" Requires="v">
-                <p:oleObj spid="_x0000_s46085" name="Bitmap Image" r:id="rId4" imgW="8952381" imgH="4086795" progId="Paint.Picture">
+                <p:oleObj spid="_x0000_s46089" name="Bitmap Image" r:id="rId4" imgW="8952381" imgH="4086795" progId="Paint.Picture">
                   <p:embed/>
                 </p:oleObj>
               </mc:Choice>
@@ -12353,6 +12234,153 @@
 </p:sld>
 </file>
 
+<file path=ppt/slides/slide25.xml><?xml version="1.0" encoding="utf-8"?>
+<p:sld xmlns:a="http://schemas.openxmlformats.org/drawingml/2006/main" xmlns:r="http://schemas.openxmlformats.org/officeDocument/2006/relationships" xmlns:p="http://schemas.openxmlformats.org/presentationml/2006/main">
+  <p:cSld>
+    <p:spTree>
+      <p:nvGrpSpPr>
+        <p:cNvPr id="1" name=""/>
+        <p:cNvGrpSpPr/>
+        <p:nvPr/>
+      </p:nvGrpSpPr>
+      <p:grpSpPr>
+        <a:xfrm>
+          <a:off x="0" y="0"/>
+          <a:ext cx="0" cy="0"/>
+          <a:chOff x="0" y="0"/>
+          <a:chExt cx="0" cy="0"/>
+        </a:xfrm>
+      </p:grpSpPr>
+      <p:sp>
+        <p:nvSpPr>
+          <p:cNvPr id="875522" name="Rectangle 2"/>
+          <p:cNvSpPr>
+            <a:spLocks noGrp="1" noChangeArrowheads="1"/>
+          </p:cNvSpPr>
+          <p:nvPr>
+            <p:ph type="title"/>
+          </p:nvPr>
+        </p:nvSpPr>
+        <p:spPr/>
+        <p:txBody>
+          <a:bodyPr/>
+          <a:lstStyle/>
+          <a:p>
+            <a:r>
+              <a:rPr lang="en-US"/>
+              <a:t>WSDL type definitions</a:t>
+            </a:r>
+          </a:p>
+        </p:txBody>
+      </p:sp>
+      <p:sp>
+        <p:nvSpPr>
+          <p:cNvPr id="875523" name="Rectangle 3"/>
+          <p:cNvSpPr>
+            <a:spLocks noGrp="1" noChangeArrowheads="1"/>
+          </p:cNvSpPr>
+          <p:nvPr>
+            <p:ph type="body" idx="1"/>
+          </p:nvPr>
+        </p:nvSpPr>
+        <p:spPr>
+          <a:xfrm>
+            <a:off x="468313" y="2008188"/>
+            <a:ext cx="8610600" cy="4114800"/>
+          </a:xfrm>
+        </p:spPr>
+        <p:txBody>
+          <a:bodyPr/>
+          <a:lstStyle/>
+          <a:p>
+            <a:pPr>
+              <a:buFontTx/>
+              <a:buNone/>
+            </a:pPr>
+            <a:r>
+              <a:rPr lang="en-US"/>
+              <a:t>&lt;wsdl:types&gt;</a:t>
+            </a:r>
+          </a:p>
+          <a:p>
+            <a:pPr>
+              <a:buFontTx/>
+              <a:buNone/>
+            </a:pPr>
+            <a:r>
+              <a:rPr lang="en-US"/>
+              <a:t>	&lt;schema&gt;</a:t>
+            </a:r>
+          </a:p>
+          <a:p>
+            <a:pPr>
+              <a:buFontTx/>
+              <a:buNone/>
+            </a:pPr>
+            <a:r>
+              <a:rPr lang="en-US"/>
+              <a:t>		&lt;element name="getQuoteRequest"&gt;</a:t>
+            </a:r>
+          </a:p>
+          <a:p>
+            <a:pPr>
+              <a:buFontTx/>
+              <a:buNone/>
+            </a:pPr>
+            <a:r>
+              <a:rPr lang="en-US"/>
+              <a:t>			…</a:t>
+            </a:r>
+          </a:p>
+          <a:p>
+            <a:pPr>
+              <a:buFontTx/>
+              <a:buNone/>
+            </a:pPr>
+            <a:r>
+              <a:rPr lang="en-US"/>
+              <a:t>		&lt;/element&gt;</a:t>
+            </a:r>
+            <a:br>
+              <a:rPr lang="en-US"/>
+            </a:br>
+            <a:r>
+              <a:rPr lang="en-US"/>
+              <a:t>&lt;/schema&gt;</a:t>
+            </a:r>
+          </a:p>
+          <a:p>
+            <a:pPr>
+              <a:buFontTx/>
+              <a:buNone/>
+            </a:pPr>
+            <a:r>
+              <a:rPr lang="en-US"/>
+              <a:t>&lt;/wsdl:types&gt;</a:t>
+            </a:r>
+          </a:p>
+        </p:txBody>
+      </p:sp>
+    </p:spTree>
+    <p:extLst>
+      <p:ext uri="{BB962C8B-B14F-4D97-AF65-F5344CB8AC3E}">
+        <p14:creationId xmlns:p14="http://schemas.microsoft.com/office/powerpoint/2010/main" val="3075845651"/>
+      </p:ext>
+    </p:extLst>
+  </p:cSld>
+  <p:clrMapOvr>
+    <a:masterClrMapping/>
+  </p:clrMapOvr>
+  <p:timing>
+    <p:tnLst>
+      <p:par>
+        <p:cTn xmlns:p14="http://schemas.microsoft.com/office/powerpoint/2010/main" id="1" dur="indefinite" restart="never" nodeType="tmRoot"/>
+      </p:par>
+    </p:tnLst>
+  </p:timing>
+</p:sld>
+</file>
+
 <file path=ppt/slides/slide26.xml><?xml version="1.0" encoding="utf-8"?>
 <p:sld xmlns:a="http://schemas.openxmlformats.org/drawingml/2006/main" xmlns:r="http://schemas.openxmlformats.org/officeDocument/2006/relationships" xmlns:p="http://schemas.openxmlformats.org/presentationml/2006/main">
   <p:cSld>
@@ -12372,7 +12400,7 @@
       </p:grpSpPr>
       <p:sp>
         <p:nvSpPr>
-          <p:cNvPr id="875522" name="Rectangle 2"/>
+          <p:cNvPr id="877570" name="Rectangle 2"/>
           <p:cNvSpPr>
             <a:spLocks noGrp="1" noChangeArrowheads="1"/>
           </p:cNvSpPr>
@@ -12387,95 +12415,194 @@
           <a:p>
             <a:r>
               <a:rPr lang="en-US"/>
-              <a:t>WSDL type definitions</a:t>
-            </a:r>
-          </a:p>
-        </p:txBody>
-      </p:sp>
-      <p:sp>
-        <p:nvSpPr>
-          <p:cNvPr id="875523" name="Rectangle 3"/>
-          <p:cNvSpPr>
-            <a:spLocks noGrp="1" noChangeArrowheads="1"/>
-          </p:cNvSpPr>
-          <p:nvPr>
-            <p:ph type="body" idx="1"/>
-          </p:nvPr>
-        </p:nvSpPr>
-        <p:spPr>
+              <a:t>A simple schema</a:t>
+            </a:r>
+          </a:p>
+        </p:txBody>
+      </p:sp>
+      <p:sp>
+        <p:nvSpPr>
+          <p:cNvPr id="877571" name="Rectangle 3"/>
+          <p:cNvSpPr>
+            <a:spLocks noChangeArrowheads="1"/>
+          </p:cNvSpPr>
+          <p:nvPr/>
+        </p:nvSpPr>
+        <p:spPr bwMode="auto">
           <a:xfrm>
-            <a:off x="468313" y="2008188"/>
-            <a:ext cx="8610600" cy="4114800"/>
+            <a:off x="755650" y="1815432"/>
+            <a:ext cx="7848600" cy="3785652"/>
           </a:xfrm>
-        </p:spPr>
-        <p:txBody>
-          <a:bodyPr/>
-          <a:lstStyle/>
-          <a:p>
-            <a:pPr>
-              <a:buFontTx/>
-              <a:buNone/>
-            </a:pPr>
-            <a:r>
-              <a:rPr lang="en-US"/>
-              <a:t>&lt;wsdl:types&gt;</a:t>
-            </a:r>
-          </a:p>
-          <a:p>
-            <a:pPr>
-              <a:buFontTx/>
-              <a:buNone/>
-            </a:pPr>
-            <a:r>
-              <a:rPr lang="en-US"/>
-              <a:t>	&lt;schema&gt;</a:t>
-            </a:r>
-          </a:p>
-          <a:p>
-            <a:pPr>
-              <a:buFontTx/>
-              <a:buNone/>
-            </a:pPr>
-            <a:r>
-              <a:rPr lang="en-US"/>
-              <a:t>		&lt;element name="getQuoteRequest"&gt;</a:t>
-            </a:r>
-          </a:p>
-          <a:p>
-            <a:pPr>
-              <a:buFontTx/>
-              <a:buNone/>
-            </a:pPr>
-            <a:r>
-              <a:rPr lang="en-US"/>
-              <a:t>			…</a:t>
-            </a:r>
-          </a:p>
-          <a:p>
-            <a:pPr>
-              <a:buFontTx/>
-              <a:buNone/>
-            </a:pPr>
-            <a:r>
-              <a:rPr lang="en-US"/>
-              <a:t>		&lt;/element&gt;</a:t>
-            </a:r>
-            <a:br>
-              <a:rPr lang="en-US"/>
-            </a:br>
-            <a:r>
-              <a:rPr lang="en-US"/>
+          <a:prstGeom prst="rect">
+            <a:avLst/>
+          </a:prstGeom>
+          <a:noFill/>
+          <a:ln>
+            <a:noFill/>
+          </a:ln>
+          <a:effectLst/>
+          <a:extLst>
+            <a:ext uri="{909E8E84-426E-40dd-AFC4-6F175D3DCCD1}">
+              <a14:hiddenFill xmlns:a14="http://schemas.microsoft.com/office/drawing/2010/main">
+                <a:solidFill>
+                  <a:srgbClr val="3399FF"/>
+                </a:solidFill>
+              </a14:hiddenFill>
+            </a:ext>
+            <a:ext uri="{91240B29-F687-4f45-9708-019B960494DF}">
+              <a14:hiddenLine xmlns:a14="http://schemas.microsoft.com/office/drawing/2010/main" w="9525">
+                <a:solidFill>
+                  <a:schemeClr val="tx1"/>
+                </a:solidFill>
+                <a:miter lim="800000"/>
+                <a:headEnd/>
+                <a:tailEnd/>
+              </a14:hiddenLine>
+            </a:ext>
+            <a:ext uri="{AF507438-7753-43e0-B8FC-AC1667EBCBE1}">
+              <a14:hiddenEffects xmlns:a14="http://schemas.microsoft.com/office/drawing/2010/main">
+                <a:effectLst>
+                  <a:outerShdw blurRad="63500" dist="38099" dir="2700000" algn="ctr" rotWithShape="0">
+                    <a:schemeClr val="bg2">
+                      <a:alpha val="74998"/>
+                    </a:schemeClr>
+                  </a:outerShdw>
+                </a:effectLst>
+              </a14:hiddenEffects>
+            </a:ext>
+          </a:extLst>
+        </p:spPr>
+        <p:txBody>
+          <a:bodyPr>
+            <a:spAutoFit/>
+          </a:bodyPr>
+          <a:lstStyle/>
+          <a:p>
+            <a:r>
+              <a:rPr lang="en-US" sz="2400" b="0" dirty="0">
+                <a:latin typeface="Trebuchet MS" charset="0"/>
+              </a:rPr>
+              <a:t>&lt;?xml version="1.0" encoding="UTF-8"?&gt;</a:t>
+            </a:r>
+          </a:p>
+          <a:p>
+            <a:r>
+              <a:rPr lang="en-US" sz="2400" b="0" dirty="0">
+                <a:latin typeface="Trebuchet MS" charset="0"/>
+              </a:rPr>
+              <a:t>&lt;schema&gt;</a:t>
+            </a:r>
+          </a:p>
+          <a:p>
+            <a:r>
+              <a:rPr lang="en-US" sz="2400" b="0" dirty="0">
+                <a:latin typeface="Trebuchet MS" charset="0"/>
+              </a:rPr>
+              <a:t>  &lt;</a:t>
+            </a:r>
+            <a:r>
+              <a:rPr lang="en-US" sz="2400" b="0" dirty="0" err="1">
+                <a:latin typeface="Trebuchet MS" charset="0"/>
+              </a:rPr>
+              <a:t>complexType</a:t>
+            </a:r>
+            <a:r>
+              <a:rPr lang="en-US" sz="2400" b="0" dirty="0">
+                <a:latin typeface="Trebuchet MS" charset="0"/>
+              </a:rPr>
+              <a:t> name="Person"&gt;</a:t>
+            </a:r>
+          </a:p>
+          <a:p>
+            <a:r>
+              <a:rPr lang="en-US" sz="2400" b="0" dirty="0">
+                <a:latin typeface="Trebuchet MS" charset="0"/>
+              </a:rPr>
+              <a:t>    &lt;sequence&gt;</a:t>
+            </a:r>
+          </a:p>
+          <a:p>
+            <a:r>
+              <a:rPr lang="en-US" sz="2400" b="0" dirty="0">
+                <a:latin typeface="Trebuchet MS" charset="0"/>
+              </a:rPr>
+              <a:t>       &lt;element name="Name" type="string“/&gt;</a:t>
+            </a:r>
+          </a:p>
+          <a:p>
+            <a:r>
+              <a:rPr lang="en-US" sz="2400" b="0" dirty="0">
+                <a:latin typeface="Trebuchet MS" charset="0"/>
+              </a:rPr>
+              <a:t>       &lt;element name="Company" type="string”/&gt;</a:t>
+            </a:r>
+          </a:p>
+          <a:p>
+            <a:r>
+              <a:rPr lang="en-US" sz="2400" b="0" dirty="0">
+                <a:latin typeface="Trebuchet MS" charset="0"/>
+              </a:rPr>
+              <a:t>    &lt;/sequence&gt;</a:t>
+            </a:r>
+          </a:p>
+          <a:p>
+            <a:r>
+              <a:rPr lang="en-US" sz="2400" b="0" dirty="0">
+                <a:latin typeface="Trebuchet MS" charset="0"/>
+              </a:rPr>
+              <a:t>  &lt;/</a:t>
+            </a:r>
+            <a:r>
+              <a:rPr lang="en-US" sz="2400" b="0" dirty="0" err="1">
+                <a:latin typeface="Trebuchet MS" charset="0"/>
+              </a:rPr>
+              <a:t>complexType</a:t>
+            </a:r>
+            <a:r>
+              <a:rPr lang="en-US" sz="2400" b="0" dirty="0" smtClean="0">
+                <a:latin typeface="Trebuchet MS" charset="0"/>
+              </a:rPr>
+              <a:t>&gt;</a:t>
+            </a:r>
+            <a:endParaRPr lang="en-US" sz="2400" b="0" dirty="0">
+              <a:latin typeface="Trebuchet MS" charset="0"/>
+            </a:endParaRPr>
+          </a:p>
+          <a:p>
+            <a:r>
+              <a:rPr lang="en-US" sz="2400" b="0" dirty="0">
+                <a:latin typeface="Trebuchet MS" charset="0"/>
+              </a:rPr>
+              <a:t>  &lt;element name="People" type="</a:t>
+            </a:r>
+            <a:r>
+              <a:rPr lang="en-US" sz="2400" b="0" dirty="0" err="1">
+                <a:latin typeface="Trebuchet MS" charset="0"/>
+              </a:rPr>
+              <a:t>tns:Person</a:t>
+            </a:r>
+            <a:r>
+              <a:rPr lang="en-US" sz="2400" b="0" dirty="0">
+                <a:latin typeface="Trebuchet MS" charset="0"/>
+              </a:rPr>
+              <a:t>”/</a:t>
+            </a:r>
+            <a:r>
+              <a:rPr lang="en-US" sz="2400" b="0" dirty="0" smtClean="0">
+                <a:latin typeface="Trebuchet MS" charset="0"/>
+              </a:rPr>
+              <a:t>&gt;</a:t>
+            </a:r>
+            <a:endParaRPr lang="en-US" sz="2400" b="0" dirty="0">
+              <a:latin typeface="Trebuchet MS" charset="0"/>
+            </a:endParaRPr>
+          </a:p>
+          <a:p>
+            <a:r>
+              <a:rPr lang="en-US" sz="2400" b="0" dirty="0">
+                <a:latin typeface="Trebuchet MS" charset="0"/>
+              </a:rPr>
               <a:t>&lt;/schema&gt;</a:t>
-            </a:r>
-          </a:p>
-          <a:p>
-            <a:pPr>
-              <a:buFontTx/>
-              <a:buNone/>
-            </a:pPr>
-            <a:r>
-              <a:rPr lang="en-US"/>
-              <a:t>&lt;/wsdl:types&gt;</a:t>
             </a:r>
           </a:p>
         </p:txBody>
@@ -12483,7 +12610,7 @@
     </p:spTree>
     <p:extLst>
       <p:ext uri="{BB962C8B-B14F-4D97-AF65-F5344CB8AC3E}">
-        <p14:creationId xmlns:p14="http://schemas.microsoft.com/office/powerpoint/2010/main" val="3075845651"/>
+        <p14:creationId xmlns:p14="http://schemas.microsoft.com/office/powerpoint/2010/main" val="3212659563"/>
       </p:ext>
     </p:extLst>
   </p:cSld>
@@ -12519,7 +12646,7 @@
       </p:grpSpPr>
       <p:sp>
         <p:nvSpPr>
-          <p:cNvPr id="877570" name="Rectangle 2"/>
+          <p:cNvPr id="879618" name="Rectangle 2"/>
           <p:cNvSpPr>
             <a:spLocks noGrp="1" noChangeArrowheads="1"/>
           </p:cNvSpPr>
@@ -12534,156 +12661,100 @@
           <a:p>
             <a:r>
               <a:rPr lang="en-US"/>
-              <a:t>A simple schema</a:t>
-            </a:r>
-          </a:p>
-        </p:txBody>
-      </p:sp>
-      <p:sp>
-        <p:nvSpPr>
-          <p:cNvPr id="877571" name="Rectangle 3"/>
-          <p:cNvSpPr>
-            <a:spLocks noChangeArrowheads="1"/>
-          </p:cNvSpPr>
-          <p:nvPr/>
-        </p:nvSpPr>
-        <p:spPr bwMode="auto">
-          <a:xfrm>
-            <a:off x="755650" y="1828800"/>
-            <a:ext cx="7848600" cy="4473575"/>
-          </a:xfrm>
-          <a:prstGeom prst="rect">
-            <a:avLst/>
-          </a:prstGeom>
-          <a:noFill/>
-          <a:ln>
-            <a:noFill/>
-          </a:ln>
-          <a:effectLst/>
-          <a:extLst>
-            <a:ext uri="{909E8E84-426E-40dd-AFC4-6F175D3DCCD1}">
-              <a14:hiddenFill xmlns:a14="http://schemas.microsoft.com/office/drawing/2010/main">
-                <a:solidFill>
-                  <a:srgbClr val="3399FF"/>
-                </a:solidFill>
-              </a14:hiddenFill>
-            </a:ext>
-            <a:ext uri="{91240B29-F687-4f45-9708-019B960494DF}">
-              <a14:hiddenLine xmlns:a14="http://schemas.microsoft.com/office/drawing/2010/main" w="9525">
-                <a:solidFill>
-                  <a:schemeClr val="tx1"/>
-                </a:solidFill>
-                <a:miter lim="800000"/>
-                <a:headEnd/>
-                <a:tailEnd/>
-              </a14:hiddenLine>
-            </a:ext>
-            <a:ext uri="{AF507438-7753-43e0-B8FC-AC1667EBCBE1}">
-              <a14:hiddenEffects xmlns:a14="http://schemas.microsoft.com/office/drawing/2010/main">
-                <a:effectLst>
-                  <a:outerShdw blurRad="63500" dist="38099" dir="2700000" algn="ctr" rotWithShape="0">
-                    <a:schemeClr val="bg2">
-                      <a:alpha val="74998"/>
-                    </a:schemeClr>
-                  </a:outerShdw>
-                </a:effectLst>
-              </a14:hiddenEffects>
-            </a:ext>
-          </a:extLst>
-        </p:spPr>
-        <p:txBody>
-          <a:bodyPr>
-            <a:spAutoFit/>
-          </a:bodyPr>
-          <a:lstStyle/>
-          <a:p>
-            <a:r>
-              <a:rPr lang="en-US" sz="2400" b="0">
-                <a:latin typeface="Trebuchet MS" charset="0"/>
-              </a:rPr>
-              <a:t>&lt;?xml version="1.0" encoding="UTF-8"?&gt;</a:t>
-            </a:r>
-          </a:p>
-          <a:p>
-            <a:r>
-              <a:rPr lang="en-US" sz="2400" b="0">
-                <a:latin typeface="Trebuchet MS" charset="0"/>
-              </a:rPr>
-              <a:t>&lt;schema&gt;</a:t>
-            </a:r>
-          </a:p>
-          <a:p>
-            <a:r>
-              <a:rPr lang="en-US" sz="2400" b="0">
-                <a:latin typeface="Trebuchet MS" charset="0"/>
-              </a:rPr>
-              <a:t>  &lt;complexType name="Person"&gt;</a:t>
-            </a:r>
-          </a:p>
-          <a:p>
-            <a:r>
-              <a:rPr lang="en-US" sz="2400" b="0">
-                <a:latin typeface="Trebuchet MS" charset="0"/>
-              </a:rPr>
-              <a:t>    &lt;sequence&gt;</a:t>
-            </a:r>
-          </a:p>
-          <a:p>
-            <a:r>
-              <a:rPr lang="en-US" sz="2400" b="0">
-                <a:latin typeface="Trebuchet MS" charset="0"/>
-              </a:rPr>
-              <a:t>       &lt;element name="Name" type="string“/&gt;</a:t>
-            </a:r>
-          </a:p>
-          <a:p>
-            <a:r>
-              <a:rPr lang="en-US" sz="2400" b="0">
-                <a:latin typeface="Trebuchet MS" charset="0"/>
-              </a:rPr>
-              <a:t>       &lt;element name="Company" type="string”/&gt;</a:t>
-            </a:r>
-          </a:p>
-          <a:p>
-            <a:r>
-              <a:rPr lang="en-US" sz="2400" b="0">
-                <a:latin typeface="Trebuchet MS" charset="0"/>
-              </a:rPr>
-              <a:t>    &lt;/sequence&gt;</a:t>
-            </a:r>
-          </a:p>
-          <a:p>
-            <a:r>
-              <a:rPr lang="en-US" sz="2400" b="0">
-                <a:latin typeface="Trebuchet MS" charset="0"/>
-              </a:rPr>
-              <a:t>  &lt;/complexType&gt;</a:t>
-            </a:r>
-          </a:p>
-          <a:p>
-            <a:endParaRPr lang="en-US" sz="2400" b="0">
-              <a:latin typeface="Trebuchet MS" charset="0"/>
-            </a:endParaRPr>
-          </a:p>
-          <a:p>
-            <a:r>
-              <a:rPr lang="en-US" sz="2400" b="0">
-                <a:latin typeface="Trebuchet MS" charset="0"/>
-              </a:rPr>
-              <a:t>  &lt;element name="People" type="tns:Person”/&gt;</a:t>
-            </a:r>
-          </a:p>
-          <a:p>
-            <a:endParaRPr lang="en-US" sz="2400" b="0">
-              <a:latin typeface="Trebuchet MS" charset="0"/>
-            </a:endParaRPr>
-          </a:p>
-          <a:p>
-            <a:r>
-              <a:rPr lang="en-US" sz="2400" b="0">
-                <a:latin typeface="Trebuchet MS" charset="0"/>
-              </a:rPr>
-              <a:t>&lt;/schema&gt;</a:t>
+              <a:t>Schema</a:t>
+            </a:r>
+          </a:p>
+        </p:txBody>
+      </p:sp>
+      <p:sp>
+        <p:nvSpPr>
+          <p:cNvPr id="879619" name="Rectangle 3"/>
+          <p:cNvSpPr>
+            <a:spLocks noGrp="1" noChangeArrowheads="1"/>
+          </p:cNvSpPr>
+          <p:nvPr>
+            <p:ph type="body" idx="1"/>
+          </p:nvPr>
+        </p:nvSpPr>
+        <p:spPr/>
+        <p:txBody>
+          <a:bodyPr/>
+          <a:lstStyle/>
+          <a:p>
+            <a:pPr>
+              <a:lnSpc>
+                <a:spcPct val="90000"/>
+              </a:lnSpc>
+            </a:pPr>
+            <a:r>
+              <a:rPr lang="en-US"/>
+              <a:t>Simple types</a:t>
+            </a:r>
+          </a:p>
+          <a:p>
+            <a:pPr lvl="1">
+              <a:lnSpc>
+                <a:spcPct val="90000"/>
+              </a:lnSpc>
+            </a:pPr>
+            <a:r>
+              <a:rPr lang="en-US"/>
+              <a:t>e.g: integer, decimal, string, short, time, unsignedLong, date, any, hexBinary</a:t>
+            </a:r>
+          </a:p>
+          <a:p>
+            <a:pPr>
+              <a:lnSpc>
+                <a:spcPct val="90000"/>
+              </a:lnSpc>
+            </a:pPr>
+            <a:r>
+              <a:rPr lang="en-US"/>
+              <a:t>ComplexTypes</a:t>
+            </a:r>
+          </a:p>
+          <a:p>
+            <a:pPr lvl="1">
+              <a:lnSpc>
+                <a:spcPct val="90000"/>
+              </a:lnSpc>
+            </a:pPr>
+            <a:r>
+              <a:rPr lang="en-US"/>
+              <a:t>Named or inline</a:t>
+            </a:r>
+          </a:p>
+          <a:p>
+            <a:pPr lvl="1">
+              <a:lnSpc>
+                <a:spcPct val="90000"/>
+              </a:lnSpc>
+            </a:pPr>
+            <a:r>
+              <a:rPr lang="en-US"/>
+              <a:t>sequence, choice, all</a:t>
+            </a:r>
+          </a:p>
+          <a:p>
+            <a:pPr>
+              <a:lnSpc>
+                <a:spcPct val="90000"/>
+              </a:lnSpc>
+            </a:pPr>
+            <a:r>
+              <a:rPr lang="en-US"/>
+              <a:t>Multiplicity</a:t>
+            </a:r>
+          </a:p>
+          <a:p>
+            <a:pPr lvl="1">
+              <a:lnSpc>
+                <a:spcPct val="90000"/>
+              </a:lnSpc>
+            </a:pPr>
+            <a:r>
+              <a:rPr lang="en-US"/>
+              <a:t>0..1,1..1,etc</a:t>
             </a:r>
           </a:p>
         </p:txBody>
@@ -12691,7 +12762,7 @@
     </p:spTree>
     <p:extLst>
       <p:ext uri="{BB962C8B-B14F-4D97-AF65-F5344CB8AC3E}">
-        <p14:creationId xmlns:p14="http://schemas.microsoft.com/office/powerpoint/2010/main" val="3212659563"/>
+        <p14:creationId xmlns:p14="http://schemas.microsoft.com/office/powerpoint/2010/main" val="1247082614"/>
       </p:ext>
     </p:extLst>
   </p:cSld>
@@ -12727,158 +12798,6 @@
       </p:grpSpPr>
       <p:sp>
         <p:nvSpPr>
-          <p:cNvPr id="879618" name="Rectangle 2"/>
-          <p:cNvSpPr>
-            <a:spLocks noGrp="1" noChangeArrowheads="1"/>
-          </p:cNvSpPr>
-          <p:nvPr>
-            <p:ph type="title"/>
-          </p:nvPr>
-        </p:nvSpPr>
-        <p:spPr/>
-        <p:txBody>
-          <a:bodyPr/>
-          <a:lstStyle/>
-          <a:p>
-            <a:r>
-              <a:rPr lang="en-US"/>
-              <a:t>Schema</a:t>
-            </a:r>
-          </a:p>
-        </p:txBody>
-      </p:sp>
-      <p:sp>
-        <p:nvSpPr>
-          <p:cNvPr id="879619" name="Rectangle 3"/>
-          <p:cNvSpPr>
-            <a:spLocks noGrp="1" noChangeArrowheads="1"/>
-          </p:cNvSpPr>
-          <p:nvPr>
-            <p:ph type="body" idx="1"/>
-          </p:nvPr>
-        </p:nvSpPr>
-        <p:spPr/>
-        <p:txBody>
-          <a:bodyPr/>
-          <a:lstStyle/>
-          <a:p>
-            <a:pPr>
-              <a:lnSpc>
-                <a:spcPct val="90000"/>
-              </a:lnSpc>
-            </a:pPr>
-            <a:r>
-              <a:rPr lang="en-US"/>
-              <a:t>Simple types</a:t>
-            </a:r>
-          </a:p>
-          <a:p>
-            <a:pPr lvl="1">
-              <a:lnSpc>
-                <a:spcPct val="90000"/>
-              </a:lnSpc>
-            </a:pPr>
-            <a:r>
-              <a:rPr lang="en-US"/>
-              <a:t>e.g: integer, decimal, string, short, time, unsignedLong, date, any, hexBinary</a:t>
-            </a:r>
-          </a:p>
-          <a:p>
-            <a:pPr>
-              <a:lnSpc>
-                <a:spcPct val="90000"/>
-              </a:lnSpc>
-            </a:pPr>
-            <a:r>
-              <a:rPr lang="en-US"/>
-              <a:t>ComplexTypes</a:t>
-            </a:r>
-          </a:p>
-          <a:p>
-            <a:pPr lvl="1">
-              <a:lnSpc>
-                <a:spcPct val="90000"/>
-              </a:lnSpc>
-            </a:pPr>
-            <a:r>
-              <a:rPr lang="en-US"/>
-              <a:t>Named or inline</a:t>
-            </a:r>
-          </a:p>
-          <a:p>
-            <a:pPr lvl="1">
-              <a:lnSpc>
-                <a:spcPct val="90000"/>
-              </a:lnSpc>
-            </a:pPr>
-            <a:r>
-              <a:rPr lang="en-US"/>
-              <a:t>sequence, choice, all</a:t>
-            </a:r>
-          </a:p>
-          <a:p>
-            <a:pPr>
-              <a:lnSpc>
-                <a:spcPct val="90000"/>
-              </a:lnSpc>
-            </a:pPr>
-            <a:r>
-              <a:rPr lang="en-US"/>
-              <a:t>Multiplicity</a:t>
-            </a:r>
-          </a:p>
-          <a:p>
-            <a:pPr lvl="1">
-              <a:lnSpc>
-                <a:spcPct val="90000"/>
-              </a:lnSpc>
-            </a:pPr>
-            <a:r>
-              <a:rPr lang="en-US"/>
-              <a:t>0..1,1..1,etc</a:t>
-            </a:r>
-          </a:p>
-        </p:txBody>
-      </p:sp>
-    </p:spTree>
-    <p:extLst>
-      <p:ext uri="{BB962C8B-B14F-4D97-AF65-F5344CB8AC3E}">
-        <p14:creationId xmlns:p14="http://schemas.microsoft.com/office/powerpoint/2010/main" val="1247082614"/>
-      </p:ext>
-    </p:extLst>
-  </p:cSld>
-  <p:clrMapOvr>
-    <a:masterClrMapping/>
-  </p:clrMapOvr>
-  <p:timing>
-    <p:tnLst>
-      <p:par>
-        <p:cTn xmlns:p14="http://schemas.microsoft.com/office/powerpoint/2010/main" id="1" dur="indefinite" restart="never" nodeType="tmRoot"/>
-      </p:par>
-    </p:tnLst>
-  </p:timing>
-</p:sld>
-</file>
-
-<file path=ppt/slides/slide29.xml><?xml version="1.0" encoding="utf-8"?>
-<p:sld xmlns:a="http://schemas.openxmlformats.org/drawingml/2006/main" xmlns:r="http://schemas.openxmlformats.org/officeDocument/2006/relationships" xmlns:p="http://schemas.openxmlformats.org/presentationml/2006/main">
-  <p:cSld>
-    <p:spTree>
-      <p:nvGrpSpPr>
-        <p:cNvPr id="1" name=""/>
-        <p:cNvGrpSpPr/>
-        <p:nvPr/>
-      </p:nvGrpSpPr>
-      <p:grpSpPr>
-        <a:xfrm>
-          <a:off x="0" y="0"/>
-          <a:ext cx="0" cy="0"/>
-          <a:chOff x="0" y="0"/>
-          <a:chExt cx="0" cy="0"/>
-        </a:xfrm>
-      </p:grpSpPr>
-      <p:sp>
-        <p:nvSpPr>
           <p:cNvPr id="881666" name="Rectangle 2"/>
           <p:cNvSpPr>
             <a:spLocks noGrp="1" noChangeArrowheads="1"/>
@@ -12922,7 +12841,7 @@
           <a:graphicData uri="http://schemas.openxmlformats.org/presentationml/2006/ole">
             <mc:AlternateContent xmlns:mc="http://schemas.openxmlformats.org/markup-compatibility/2006">
               <mc:Choice xmlns:v="urn:schemas-microsoft-com:vml" Requires="v">
-                <p:oleObj spid="_x0000_s54277" name="Bitmap Image" r:id="rId4" imgW="7466667" imgH="2991268" progId="Paint.Picture">
+                <p:oleObj spid="_x0000_s54281" name="Bitmap Image" r:id="rId4" imgW="7466667" imgH="2991268" progId="Paint.Picture">
                   <p:embed/>
                 </p:oleObj>
               </mc:Choice>
@@ -12986,6 +12905,156 @@
 </p:sld>
 </file>
 
+<file path=ppt/slides/slide29.xml><?xml version="1.0" encoding="utf-8"?>
+<p:sld xmlns:a="http://schemas.openxmlformats.org/drawingml/2006/main" xmlns:r="http://schemas.openxmlformats.org/officeDocument/2006/relationships" xmlns:p="http://schemas.openxmlformats.org/presentationml/2006/main">
+  <p:cSld>
+    <p:spTree>
+      <p:nvGrpSpPr>
+        <p:cNvPr id="1" name=""/>
+        <p:cNvGrpSpPr/>
+        <p:nvPr/>
+      </p:nvGrpSpPr>
+      <p:grpSpPr>
+        <a:xfrm>
+          <a:off x="0" y="0"/>
+          <a:ext cx="0" cy="0"/>
+          <a:chOff x="0" y="0"/>
+          <a:chExt cx="0" cy="0"/>
+        </a:xfrm>
+      </p:grpSpPr>
+      <p:sp>
+        <p:nvSpPr>
+          <p:cNvPr id="887810" name="Rectangle 2"/>
+          <p:cNvSpPr>
+            <a:spLocks noGrp="1" noChangeArrowheads="1"/>
+          </p:cNvSpPr>
+          <p:nvPr>
+            <p:ph type="title"/>
+          </p:nvPr>
+        </p:nvSpPr>
+        <p:spPr/>
+        <p:txBody>
+          <a:bodyPr/>
+          <a:lstStyle/>
+          <a:p>
+            <a:r>
+              <a:rPr lang="en-US"/>
+              <a:t>Messages</a:t>
+            </a:r>
+          </a:p>
+        </p:txBody>
+      </p:sp>
+      <p:sp>
+        <p:nvSpPr>
+          <p:cNvPr id="887811" name="Rectangle 3"/>
+          <p:cNvSpPr>
+            <a:spLocks noChangeArrowheads="1"/>
+          </p:cNvSpPr>
+          <p:nvPr/>
+        </p:nvSpPr>
+        <p:spPr bwMode="auto">
+          <a:xfrm>
+            <a:off x="1042988" y="1981200"/>
+            <a:ext cx="7086600" cy="2654300"/>
+          </a:xfrm>
+          <a:prstGeom prst="rect">
+            <a:avLst/>
+          </a:prstGeom>
+          <a:noFill/>
+          <a:ln>
+            <a:noFill/>
+          </a:ln>
+          <a:effectLst/>
+          <a:extLst>
+            <a:ext uri="{909E8E84-426E-40dd-AFC4-6F175D3DCCD1}">
+              <a14:hiddenFill xmlns:a14="http://schemas.microsoft.com/office/drawing/2010/main">
+                <a:solidFill>
+                  <a:srgbClr val="3399FF"/>
+                </a:solidFill>
+              </a14:hiddenFill>
+            </a:ext>
+            <a:ext uri="{91240B29-F687-4f45-9708-019B960494DF}">
+              <a14:hiddenLine xmlns:a14="http://schemas.microsoft.com/office/drawing/2010/main" w="9525">
+                <a:solidFill>
+                  <a:schemeClr val="tx1"/>
+                </a:solidFill>
+                <a:miter lim="800000"/>
+                <a:headEnd/>
+                <a:tailEnd/>
+              </a14:hiddenLine>
+            </a:ext>
+            <a:ext uri="{AF507438-7753-43e0-B8FC-AC1667EBCBE1}">
+              <a14:hiddenEffects xmlns:a14="http://schemas.microsoft.com/office/drawing/2010/main">
+                <a:effectLst>
+                  <a:outerShdw blurRad="63500" dist="38099" dir="2700000" algn="ctr" rotWithShape="0">
+                    <a:schemeClr val="bg2">
+                      <a:alpha val="74998"/>
+                    </a:schemeClr>
+                  </a:outerShdw>
+                </a:effectLst>
+              </a14:hiddenEffects>
+            </a:ext>
+          </a:extLst>
+        </p:spPr>
+        <p:txBody>
+          <a:bodyPr>
+            <a:spAutoFit/>
+          </a:bodyPr>
+          <a:lstStyle/>
+          <a:p>
+            <a:r>
+              <a:rPr lang="en-US" sz="2800" b="0">
+                <a:latin typeface="Trebuchet MS" charset="0"/>
+              </a:rPr>
+              <a:t>&lt;wsdl:message name="getQuoteRequestMessage"&gt;</a:t>
+            </a:r>
+          </a:p>
+          <a:p>
+            <a:r>
+              <a:rPr lang="en-US" sz="2800" b="0">
+                <a:latin typeface="Trebuchet MS" charset="0"/>
+              </a:rPr>
+              <a:t>    &lt;wsdl:part </a:t>
+            </a:r>
+          </a:p>
+          <a:p>
+            <a:r>
+              <a:rPr lang="en-US" sz="2800" b="0">
+                <a:latin typeface="Trebuchet MS" charset="0"/>
+              </a:rPr>
+              <a:t>	element="types:getQuoteRequest" 	name="part1" /&gt;</a:t>
+            </a:r>
+          </a:p>
+          <a:p>
+            <a:r>
+              <a:rPr lang="en-US" sz="2800" b="0">
+                <a:latin typeface="Trebuchet MS" charset="0"/>
+              </a:rPr>
+              <a:t>&lt;/wsdl:message&gt;</a:t>
+            </a:r>
+          </a:p>
+        </p:txBody>
+      </p:sp>
+    </p:spTree>
+    <p:extLst>
+      <p:ext uri="{BB962C8B-B14F-4D97-AF65-F5344CB8AC3E}">
+        <p14:creationId xmlns:p14="http://schemas.microsoft.com/office/powerpoint/2010/main" val="1450332955"/>
+      </p:ext>
+    </p:extLst>
+  </p:cSld>
+  <p:clrMapOvr>
+    <a:masterClrMapping/>
+  </p:clrMapOvr>
+  <p:timing>
+    <p:tnLst>
+      <p:par>
+        <p:cTn xmlns:p14="http://schemas.microsoft.com/office/powerpoint/2010/main" id="1" dur="indefinite" restart="never" nodeType="tmRoot"/>
+      </p:par>
+    </p:tnLst>
+  </p:timing>
+</p:sld>
+</file>
+
 <file path=ppt/slides/slide3.xml><?xml version="1.0" encoding="utf-8"?>
 <p:sld xmlns:a="http://schemas.openxmlformats.org/drawingml/2006/main" xmlns:r="http://schemas.openxmlformats.org/officeDocument/2006/relationships" xmlns:p="http://schemas.openxmlformats.org/presentationml/2006/main">
   <p:cSld>
@@ -13561,7 +13630,7 @@
           <a:graphicData uri="http://schemas.openxmlformats.org/presentationml/2006/ole">
             <mc:AlternateContent xmlns:mc="http://schemas.openxmlformats.org/markup-compatibility/2006">
               <mc:Choice xmlns:v="urn:schemas-microsoft-com:vml" Requires="v">
-                <p:oleObj spid="_x0000_s1035" name="Bitmap Image" r:id="rId8" imgW="980952" imgH="542857" progId="Paint.Picture">
+                <p:oleObj spid="_x0000_s1045" name="Bitmap Image" r:id="rId8" imgW="980952" imgH="542857" progId="Paint.Picture">
                   <p:embed/>
                 </p:oleObj>
               </mc:Choice>
@@ -13854,7 +13923,7 @@
           <a:graphicData uri="http://schemas.openxmlformats.org/presentationml/2006/ole">
             <mc:AlternateContent xmlns:mc="http://schemas.openxmlformats.org/markup-compatibility/2006">
               <mc:Choice xmlns:v="urn:schemas-microsoft-com:vml" Requires="v">
-                <p:oleObj spid="_x0000_s1036" name="Bitmap Image" r:id="rId13" imgW="885949" imgH="380852" progId="Paint.Picture">
+                <p:oleObj spid="_x0000_s1046" name="Bitmap Image" r:id="rId13" imgW="885949" imgH="380852" progId="Paint.Picture">
                   <p:embed/>
                 </p:oleObj>
               </mc:Choice>
@@ -14021,7 +14090,7 @@
           <a:graphicData uri="http://schemas.openxmlformats.org/presentationml/2006/ole">
             <mc:AlternateContent xmlns:mc="http://schemas.openxmlformats.org/markup-compatibility/2006">
               <mc:Choice xmlns:v="urn:schemas-microsoft-com:vml" Requires="v">
-                <p:oleObj spid="_x0000_s1037" name="Bitmap Image" r:id="rId16" imgW="25400" imgH="25400" progId="Paint.Picture">
+                <p:oleObj spid="_x0000_s1047" name="Bitmap Image" r:id="rId16" imgW="25400" imgH="25400" progId="Paint.Picture">
                   <p:embed/>
                 </p:oleObj>
               </mc:Choice>
@@ -14218,7 +14287,7 @@
       </p:grpSpPr>
       <p:sp>
         <p:nvSpPr>
-          <p:cNvPr id="887810" name="Rectangle 2"/>
+          <p:cNvPr id="889858" name="Rectangle 2"/>
           <p:cNvSpPr>
             <a:spLocks noGrp="1" noChangeArrowheads="1"/>
           </p:cNvSpPr>
@@ -14233,14 +14302,14 @@
           <a:p>
             <a:r>
               <a:rPr lang="en-US"/>
-              <a:t>Messages</a:t>
-            </a:r>
-          </a:p>
-        </p:txBody>
-      </p:sp>
-      <p:sp>
-        <p:nvSpPr>
-          <p:cNvPr id="887811" name="Rectangle 3"/>
+              <a:t>PortType</a:t>
+            </a:r>
+          </a:p>
+        </p:txBody>
+      </p:sp>
+      <p:sp>
+        <p:nvSpPr>
+          <p:cNvPr id="889859" name="Rectangle 3"/>
           <p:cNvSpPr>
             <a:spLocks noChangeArrowheads="1"/>
           </p:cNvSpPr>
@@ -14248,8 +14317,8 @@
         </p:nvSpPr>
         <p:spPr bwMode="auto">
           <a:xfrm>
-            <a:off x="1042988" y="1981200"/>
-            <a:ext cx="7086600" cy="2654300"/>
+            <a:off x="684213" y="2147888"/>
+            <a:ext cx="7850187" cy="3013075"/>
           </a:xfrm>
           <a:prstGeom prst="rect">
             <a:avLst/>
@@ -14297,34 +14366,50 @@
           <a:lstStyle/>
           <a:p>
             <a:r>
-              <a:rPr lang="en-US" sz="2800" b="0">
+              <a:rPr lang="en-US" sz="2400" b="0">
                 <a:latin typeface="Trebuchet MS" charset="0"/>
               </a:rPr>
-              <a:t>&lt;wsdl:message name="getQuoteRequestMessage"&gt;</a:t>
-            </a:r>
-          </a:p>
-          <a:p>
-            <a:r>
-              <a:rPr lang="en-US" sz="2800" b="0">
+              <a:t>&lt;wsdl:portType name="TraderPortType"&gt;</a:t>
+            </a:r>
+          </a:p>
+          <a:p>
+            <a:r>
+              <a:rPr lang="en-US" sz="2400" b="0">
                 <a:latin typeface="Trebuchet MS" charset="0"/>
               </a:rPr>
-              <a:t>    &lt;wsdl:part </a:t>
-            </a:r>
-          </a:p>
-          <a:p>
-            <a:r>
-              <a:rPr lang="en-US" sz="2800" b="0">
+              <a:t>  &lt;wsdl:operation name="getQuote"&gt;</a:t>
+            </a:r>
+          </a:p>
+          <a:p>
+            <a:r>
+              <a:rPr lang="en-US" sz="2400" b="0">
                 <a:latin typeface="Trebuchet MS" charset="0"/>
               </a:rPr>
-              <a:t>	element="types:getQuoteRequest" 	name="part1" /&gt;</a:t>
-            </a:r>
-          </a:p>
-          <a:p>
-            <a:r>
-              <a:rPr lang="en-US" sz="2800" b="0">
+              <a:t>    &lt;wsdl:input message="types:getQuoteRequestMessage" /&gt;</a:t>
+            </a:r>
+          </a:p>
+          <a:p>
+            <a:r>
+              <a:rPr lang="en-US" sz="2400" b="0">
                 <a:latin typeface="Trebuchet MS" charset="0"/>
               </a:rPr>
-              <a:t>&lt;/wsdl:message&gt;</a:t>
+              <a:t>    &lt;wsdl:output message="types:getQuoteResponseMessage" /&gt;</a:t>
+            </a:r>
+          </a:p>
+          <a:p>
+            <a:r>
+              <a:rPr lang="en-US" sz="2400" b="0">
+                <a:latin typeface="Trebuchet MS" charset="0"/>
+              </a:rPr>
+              <a:t>  &lt;/wsdl:operation&gt;</a:t>
+            </a:r>
+          </a:p>
+          <a:p>
+            <a:r>
+              <a:rPr lang="en-US" sz="2400" b="0">
+                <a:latin typeface="Trebuchet MS" charset="0"/>
+              </a:rPr>
+              <a:t>&lt;/wsdl:portType&gt;</a:t>
             </a:r>
           </a:p>
         </p:txBody>
@@ -14332,7 +14417,7 @@
     </p:spTree>
     <p:extLst>
       <p:ext uri="{BB962C8B-B14F-4D97-AF65-F5344CB8AC3E}">
-        <p14:creationId xmlns:p14="http://schemas.microsoft.com/office/powerpoint/2010/main" val="1450332955"/>
+        <p14:creationId xmlns:p14="http://schemas.microsoft.com/office/powerpoint/2010/main" val="4016134199"/>
       </p:ext>
     </p:extLst>
   </p:cSld>
@@ -14368,7 +14453,7 @@
       </p:grpSpPr>
       <p:sp>
         <p:nvSpPr>
-          <p:cNvPr id="889858" name="Rectangle 2"/>
+          <p:cNvPr id="891906" name="Rectangle 2"/>
           <p:cNvSpPr>
             <a:spLocks noGrp="1" noChangeArrowheads="1"/>
           </p:cNvSpPr>
@@ -14383,14 +14468,14 @@
           <a:p>
             <a:r>
               <a:rPr lang="en-US"/>
-              <a:t>PortType</a:t>
-            </a:r>
-          </a:p>
-        </p:txBody>
-      </p:sp>
-      <p:sp>
-        <p:nvSpPr>
-          <p:cNvPr id="889859" name="Rectangle 3"/>
+              <a:t>Bindings</a:t>
+            </a:r>
+          </a:p>
+        </p:txBody>
+      </p:sp>
+      <p:sp>
+        <p:nvSpPr>
+          <p:cNvPr id="891907" name="Rectangle 3"/>
           <p:cNvSpPr>
             <a:spLocks noChangeArrowheads="1"/>
           </p:cNvSpPr>
@@ -14398,8 +14483,8 @@
         </p:nvSpPr>
         <p:spPr bwMode="auto">
           <a:xfrm>
-            <a:off x="684213" y="2147888"/>
-            <a:ext cx="7850187" cy="3013075"/>
+            <a:off x="0" y="1676400"/>
+            <a:ext cx="9144000" cy="3378200"/>
           </a:xfrm>
           <a:prstGeom prst="rect">
             <a:avLst/>
@@ -14450,7 +14535,7 @@
               <a:rPr lang="en-US" sz="2400" b="0">
                 <a:latin typeface="Trebuchet MS" charset="0"/>
               </a:rPr>
-              <a:t>&lt;wsdl:portType name="TraderPortType"&gt;</a:t>
+              <a:t>&lt;wsdl:binding type="types:TraderPortType“ </a:t>
             </a:r>
           </a:p>
           <a:p>
@@ -14458,7 +14543,7 @@
               <a:rPr lang="en-US" sz="2400" b="0">
                 <a:latin typeface="Trebuchet MS" charset="0"/>
               </a:rPr>
-              <a:t>  &lt;wsdl:operation name="getQuote"&gt;</a:t>
+              <a:t>	name="TraderSOAP11Binding"&gt;</a:t>
             </a:r>
           </a:p>
           <a:p>
@@ -14466,7 +14551,7 @@
               <a:rPr lang="en-US" sz="2400" b="0">
                 <a:latin typeface="Trebuchet MS" charset="0"/>
               </a:rPr>
-              <a:t>    &lt;wsdl:input message="types:getQuoteRequestMessage" /&gt;</a:t>
+              <a:t>	&lt;soap:binding style="document"</a:t>
             </a:r>
           </a:p>
           <a:p>
@@ -14474,7 +14559,7 @@
               <a:rPr lang="en-US" sz="2400" b="0">
                 <a:latin typeface="Trebuchet MS" charset="0"/>
               </a:rPr>
-              <a:t>    &lt;wsdl:output message="types:getQuoteResponseMessage" /&gt;</a:t>
+              <a:t>		transport="http://schemas.xmlsoap.org/soap/http“</a:t>
             </a:r>
           </a:p>
           <a:p>
@@ -14482,7 +14567,7 @@
               <a:rPr lang="en-US" sz="2400" b="0">
                 <a:latin typeface="Trebuchet MS" charset="0"/>
               </a:rPr>
-              <a:t>  &lt;/wsdl:operation&gt;</a:t>
+              <a:t>	/&gt;</a:t>
             </a:r>
           </a:p>
           <a:p>
@@ -14490,7 +14575,31 @@
               <a:rPr lang="en-US" sz="2400" b="0">
                 <a:latin typeface="Trebuchet MS" charset="0"/>
               </a:rPr>
-              <a:t>&lt;/wsdl:portType&gt;</a:t>
+              <a:t>	&lt;wsdl:operation name="getQuote"&gt;</a:t>
+            </a:r>
+          </a:p>
+          <a:p>
+            <a:r>
+              <a:rPr lang="en-US" sz="2400" b="0">
+                <a:latin typeface="Trebuchet MS" charset="0"/>
+              </a:rPr>
+              <a:t>		…</a:t>
+            </a:r>
+          </a:p>
+          <a:p>
+            <a:r>
+              <a:rPr lang="en-US" sz="2400" b="0">
+                <a:latin typeface="Trebuchet MS" charset="0"/>
+              </a:rPr>
+              <a:t>	&lt;/wsdl:operation&gt;</a:t>
+            </a:r>
+          </a:p>
+          <a:p>
+            <a:r>
+              <a:rPr lang="en-US" sz="2400" b="0">
+                <a:latin typeface="Trebuchet MS" charset="0"/>
+              </a:rPr>
+              <a:t>&lt;/wsdl:binding&gt;</a:t>
             </a:r>
           </a:p>
         </p:txBody>
@@ -14498,7 +14607,7 @@
     </p:spTree>
     <p:extLst>
       <p:ext uri="{BB962C8B-B14F-4D97-AF65-F5344CB8AC3E}">
-        <p14:creationId xmlns:p14="http://schemas.microsoft.com/office/powerpoint/2010/main" val="4016134199"/>
+        <p14:creationId xmlns:p14="http://schemas.microsoft.com/office/powerpoint/2010/main" val="1628029048"/>
       </p:ext>
     </p:extLst>
   </p:cSld>
@@ -14534,7 +14643,7 @@
       </p:grpSpPr>
       <p:sp>
         <p:nvSpPr>
-          <p:cNvPr id="891906" name="Rectangle 2"/>
+          <p:cNvPr id="893954" name="Rectangle 2"/>
           <p:cNvSpPr>
             <a:spLocks noGrp="1" noChangeArrowheads="1"/>
           </p:cNvSpPr>
@@ -14549,14 +14658,14 @@
           <a:p>
             <a:r>
               <a:rPr lang="en-US"/>
-              <a:t>Bindings</a:t>
-            </a:r>
-          </a:p>
-        </p:txBody>
-      </p:sp>
-      <p:sp>
-        <p:nvSpPr>
-          <p:cNvPr id="891907" name="Rectangle 3"/>
+              <a:t>Service and Ports</a:t>
+            </a:r>
+          </a:p>
+        </p:txBody>
+      </p:sp>
+      <p:sp>
+        <p:nvSpPr>
+          <p:cNvPr id="893955" name="Rectangle 3"/>
           <p:cNvSpPr>
             <a:spLocks noChangeArrowheads="1"/>
           </p:cNvSpPr>
@@ -14564,8 +14673,8 @@
         </p:nvSpPr>
         <p:spPr bwMode="auto">
           <a:xfrm>
-            <a:off x="0" y="1676400"/>
-            <a:ext cx="9144000" cy="3378200"/>
+            <a:off x="323850" y="1557338"/>
+            <a:ext cx="8820150" cy="4362450"/>
           </a:xfrm>
           <a:prstGeom prst="rect">
             <a:avLst/>
@@ -14613,74 +14722,85 @@
           <a:lstStyle/>
           <a:p>
             <a:r>
-              <a:rPr lang="en-US" sz="2400" b="0">
+              <a:rPr lang="en-US" sz="2800" b="0">
                 <a:latin typeface="Trebuchet MS" charset="0"/>
               </a:rPr>
-              <a:t>&lt;wsdl:binding type="types:TraderPortType“ </a:t>
-            </a:r>
-          </a:p>
-          <a:p>
-            <a:r>
-              <a:rPr lang="en-US" sz="2400" b="0">
+              <a:t>&lt;wsdl:service name="Trader"&gt;</a:t>
+            </a:r>
+          </a:p>
+          <a:p>
+            <a:r>
+              <a:rPr lang="en-US" sz="2800" b="0">
                 <a:latin typeface="Trebuchet MS" charset="0"/>
               </a:rPr>
-              <a:t>	name="TraderSOAP11Binding"&gt;</a:t>
-            </a:r>
-          </a:p>
-          <a:p>
-            <a:r>
-              <a:rPr lang="en-US" sz="2400" b="0">
+              <a:t>   &lt;wsdl:port </a:t>
+            </a:r>
+          </a:p>
+          <a:p>
+            <a:r>
+              <a:rPr lang="en-US" sz="2800" b="0">
                 <a:latin typeface="Trebuchet MS" charset="0"/>
               </a:rPr>
-              <a:t>	&lt;soap:binding style="document"</a:t>
-            </a:r>
-          </a:p>
-          <a:p>
-            <a:r>
-              <a:rPr lang="en-US" sz="2400" b="0">
+              <a:t>      binding="types:TraderSOAP11Binding"</a:t>
+            </a:r>
+          </a:p>
+          <a:p>
+            <a:r>
+              <a:rPr lang="en-US" sz="2800" b="0">
                 <a:latin typeface="Trebuchet MS" charset="0"/>
               </a:rPr>
-              <a:t>		transport="http://schemas.xmlsoap.org/soap/http“</a:t>
-            </a:r>
-          </a:p>
-          <a:p>
-            <a:r>
-              <a:rPr lang="en-US" sz="2400" b="0">
+              <a:t>      name="TraderSOAP11port0"&gt;</a:t>
+            </a:r>
+          </a:p>
+          <a:p>
+            <a:r>
+              <a:rPr lang="en-US" sz="2800" b="0">
                 <a:latin typeface="Trebuchet MS" charset="0"/>
               </a:rPr>
-              <a:t>	/&gt;</a:t>
-            </a:r>
-          </a:p>
-          <a:p>
-            <a:r>
-              <a:rPr lang="en-US" sz="2400" b="0">
+              <a:t>            &lt;soap:address</a:t>
+            </a:r>
+          </a:p>
+          <a:p>
+            <a:r>
+              <a:rPr lang="en-US" sz="2800" b="0">
                 <a:latin typeface="Trebuchet MS" charset="0"/>
               </a:rPr>
-              <a:t>	&lt;wsdl:operation name="getQuote"&gt;</a:t>
-            </a:r>
-          </a:p>
-          <a:p>
-            <a:r>
-              <a:rPr lang="en-US" sz="2400" b="0">
+              <a:t>               location=</a:t>
+            </a:r>
+          </a:p>
+          <a:p>
+            <a:r>
+              <a:rPr lang="en-US" sz="2800" b="0">
                 <a:latin typeface="Trebuchet MS" charset="0"/>
               </a:rPr>
-              <a:t>		…</a:t>
-            </a:r>
-          </a:p>
-          <a:p>
-            <a:r>
-              <a:rPr lang="en-US" sz="2400" b="0">
+              <a:t>	"https://localhost:9443/axis2/services/Trader“</a:t>
+            </a:r>
+            <a:br>
+              <a:rPr lang="en-US" sz="2800" b="0">
                 <a:latin typeface="Trebuchet MS" charset="0"/>
               </a:rPr>
-              <a:t>	&lt;/wsdl:operation&gt;</a:t>
-            </a:r>
-          </a:p>
-          <a:p>
-            <a:r>
-              <a:rPr lang="en-US" sz="2400" b="0">
+            </a:br>
+            <a:r>
+              <a:rPr lang="en-US" sz="2800" b="0">
                 <a:latin typeface="Trebuchet MS" charset="0"/>
               </a:rPr>
-              <a:t>&lt;/wsdl:binding&gt;</a:t>
+              <a:t>		/&gt;</a:t>
+            </a:r>
+          </a:p>
+          <a:p>
+            <a:r>
+              <a:rPr lang="en-US" sz="2800" b="0">
+                <a:latin typeface="Trebuchet MS" charset="0"/>
+              </a:rPr>
+              <a:t>   &lt;/wsdl:port&gt;</a:t>
+            </a:r>
+          </a:p>
+          <a:p>
+            <a:r>
+              <a:rPr lang="en-US" sz="2800" b="0">
+                <a:latin typeface="Trebuchet MS" charset="0"/>
+              </a:rPr>
+              <a:t>&lt;/wsdl:service&gt;</a:t>
             </a:r>
           </a:p>
         </p:txBody>
@@ -14688,7 +14808,7 @@
     </p:spTree>
     <p:extLst>
       <p:ext uri="{BB962C8B-B14F-4D97-AF65-F5344CB8AC3E}">
-        <p14:creationId xmlns:p14="http://schemas.microsoft.com/office/powerpoint/2010/main" val="1628029048"/>
+        <p14:creationId xmlns:p14="http://schemas.microsoft.com/office/powerpoint/2010/main" val="2105006018"/>
       </p:ext>
     </p:extLst>
   </p:cSld>
@@ -14724,7 +14844,7 @@
       </p:grpSpPr>
       <p:sp>
         <p:nvSpPr>
-          <p:cNvPr id="893954" name="Rectangle 2"/>
+          <p:cNvPr id="965634" name="Rectangle 2"/>
           <p:cNvSpPr>
             <a:spLocks noGrp="1" noChangeArrowheads="1"/>
           </p:cNvSpPr>
@@ -14738,171 +14858,139 @@
           <a:lstStyle/>
           <a:p>
             <a:r>
-              <a:rPr lang="en-US"/>
-              <a:t>Service and Ports</a:t>
-            </a:r>
-          </a:p>
-        </p:txBody>
-      </p:sp>
-      <p:sp>
-        <p:nvSpPr>
-          <p:cNvPr id="893955" name="Rectangle 3"/>
-          <p:cNvSpPr>
-            <a:spLocks noChangeArrowheads="1"/>
-          </p:cNvSpPr>
-          <p:nvPr/>
-        </p:nvSpPr>
-        <p:spPr bwMode="auto">
-          <a:xfrm>
-            <a:off x="323850" y="1557338"/>
-            <a:ext cx="8820150" cy="4362450"/>
-          </a:xfrm>
-          <a:prstGeom prst="rect">
-            <a:avLst/>
-          </a:prstGeom>
-          <a:noFill/>
-          <a:ln>
-            <a:noFill/>
-          </a:ln>
-          <a:effectLst/>
-          <a:extLst>
-            <a:ext uri="{909E8E84-426E-40dd-AFC4-6F175D3DCCD1}">
-              <a14:hiddenFill xmlns:a14="http://schemas.microsoft.com/office/drawing/2010/main">
-                <a:solidFill>
-                  <a:srgbClr val="3399FF"/>
-                </a:solidFill>
-              </a14:hiddenFill>
-            </a:ext>
-            <a:ext uri="{91240B29-F687-4f45-9708-019B960494DF}">
-              <a14:hiddenLine xmlns:a14="http://schemas.microsoft.com/office/drawing/2010/main" w="9525">
-                <a:solidFill>
-                  <a:schemeClr val="tx1"/>
-                </a:solidFill>
-                <a:miter lim="800000"/>
-                <a:headEnd/>
-                <a:tailEnd/>
-              </a14:hiddenLine>
-            </a:ext>
-            <a:ext uri="{AF507438-7753-43e0-B8FC-AC1667EBCBE1}">
-              <a14:hiddenEffects xmlns:a14="http://schemas.microsoft.com/office/drawing/2010/main">
-                <a:effectLst>
-                  <a:outerShdw blurRad="63500" dist="38099" dir="2700000" algn="ctr" rotWithShape="0">
-                    <a:schemeClr val="bg2">
-                      <a:alpha val="74998"/>
-                    </a:schemeClr>
-                  </a:outerShdw>
-                </a:effectLst>
-              </a14:hiddenEffects>
-            </a:ext>
-          </a:extLst>
-        </p:spPr>
-        <p:txBody>
-          <a:bodyPr>
-            <a:spAutoFit/>
-          </a:bodyPr>
-          <a:lstStyle/>
-          <a:p>
-            <a:r>
-              <a:rPr lang="en-US" sz="2800" b="0">
-                <a:latin typeface="Trebuchet MS" charset="0"/>
-              </a:rPr>
-              <a:t>&lt;wsdl:service name="Trader"&gt;</a:t>
-            </a:r>
-          </a:p>
-          <a:p>
-            <a:r>
-              <a:rPr lang="en-US" sz="2800" b="0">
-                <a:latin typeface="Trebuchet MS" charset="0"/>
-              </a:rPr>
-              <a:t>   &lt;wsdl:port </a:t>
-            </a:r>
-          </a:p>
-          <a:p>
-            <a:r>
-              <a:rPr lang="en-US" sz="2800" b="0">
-                <a:latin typeface="Trebuchet MS" charset="0"/>
-              </a:rPr>
-              <a:t>      binding="types:TraderSOAP11Binding"</a:t>
-            </a:r>
-          </a:p>
-          <a:p>
-            <a:r>
-              <a:rPr lang="en-US" sz="2800" b="0">
-                <a:latin typeface="Trebuchet MS" charset="0"/>
-              </a:rPr>
-              <a:t>      name="TraderSOAP11port0"&gt;</a:t>
-            </a:r>
-          </a:p>
-          <a:p>
-            <a:r>
-              <a:rPr lang="en-US" sz="2800" b="0">
-                <a:latin typeface="Trebuchet MS" charset="0"/>
-              </a:rPr>
-              <a:t>            &lt;soap:address</a:t>
-            </a:r>
-          </a:p>
-          <a:p>
-            <a:r>
-              <a:rPr lang="en-US" sz="2800" b="0">
-                <a:latin typeface="Trebuchet MS" charset="0"/>
-              </a:rPr>
-              <a:t>               location=</a:t>
-            </a:r>
-          </a:p>
-          <a:p>
-            <a:r>
-              <a:rPr lang="en-US" sz="2800" b="0">
-                <a:latin typeface="Trebuchet MS" charset="0"/>
-              </a:rPr>
-              <a:t>	"https://localhost:9443/axis2/services/Trader“</a:t>
-            </a:r>
-            <a:br>
-              <a:rPr lang="en-US" sz="2800" b="0">
-                <a:latin typeface="Trebuchet MS" charset="0"/>
-              </a:rPr>
-            </a:br>
-            <a:r>
-              <a:rPr lang="en-US" sz="2800" b="0">
-                <a:latin typeface="Trebuchet MS" charset="0"/>
-              </a:rPr>
-              <a:t>		/&gt;</a:t>
-            </a:r>
-          </a:p>
-          <a:p>
-            <a:r>
-              <a:rPr lang="en-US" sz="2800" b="0">
-                <a:latin typeface="Trebuchet MS" charset="0"/>
-              </a:rPr>
-              <a:t>   &lt;/wsdl:port&gt;</a:t>
-            </a:r>
-          </a:p>
-          <a:p>
-            <a:r>
-              <a:rPr lang="en-US" sz="2800" b="0">
-                <a:latin typeface="Trebuchet MS" charset="0"/>
-              </a:rPr>
-              <a:t>&lt;/wsdl:service&gt;</a:t>
-            </a:r>
+              <a:rPr lang="en-US" sz="3100"/>
+              <a:t>WSDL styles of SOAP binding</a:t>
+            </a:r>
+          </a:p>
+        </p:txBody>
+      </p:sp>
+      <p:sp>
+        <p:nvSpPr>
+          <p:cNvPr id="965635" name="Rectangle 3"/>
+          <p:cNvSpPr>
+            <a:spLocks noGrp="1" noChangeArrowheads="1"/>
+          </p:cNvSpPr>
+          <p:nvPr>
+            <p:ph type="body" idx="1"/>
+          </p:nvPr>
+        </p:nvSpPr>
+        <p:spPr/>
+        <p:txBody>
+          <a:bodyPr/>
+          <a:lstStyle/>
+          <a:p>
+            <a:pPr>
+              <a:lnSpc>
+                <a:spcPct val="90000"/>
+              </a:lnSpc>
+            </a:pPr>
+            <a:r>
+              <a:rPr lang="en-US" sz="2400"/>
+              <a:t>The WSDL portType is a theoretical definition</a:t>
+            </a:r>
+          </a:p>
+          <a:p>
+            <a:pPr lvl="1">
+              <a:lnSpc>
+                <a:spcPct val="90000"/>
+              </a:lnSpc>
+            </a:pPr>
+            <a:r>
+              <a:rPr lang="en-US" sz="2000"/>
+              <a:t>May have defined the message Parts in terms of Schema types or elements</a:t>
+            </a:r>
+          </a:p>
+          <a:p>
+            <a:pPr>
+              <a:lnSpc>
+                <a:spcPct val="90000"/>
+              </a:lnSpc>
+            </a:pPr>
+            <a:r>
+              <a:rPr lang="en-US" sz="2400"/>
+              <a:t>The SOAP binding says how this relates to the actual SOAP message</a:t>
+            </a:r>
+          </a:p>
+          <a:p>
+            <a:pPr lvl="1">
+              <a:lnSpc>
+                <a:spcPct val="90000"/>
+              </a:lnSpc>
+            </a:pPr>
+            <a:r>
+              <a:rPr lang="en-US" sz="2000"/>
+              <a:t>Elements =&gt; use=literal </a:t>
+            </a:r>
+          </a:p>
+          <a:p>
+            <a:pPr lvl="1">
+              <a:lnSpc>
+                <a:spcPct val="90000"/>
+              </a:lnSpc>
+            </a:pPr>
+            <a:r>
+              <a:rPr lang="en-US" sz="2000"/>
+              <a:t>Types =&gt; use can be literal or encoded, but almost always literal</a:t>
+            </a:r>
+          </a:p>
+          <a:p>
+            <a:pPr>
+              <a:lnSpc>
+                <a:spcPct val="90000"/>
+              </a:lnSpc>
+            </a:pPr>
+            <a:r>
+              <a:rPr lang="en-US" sz="2400"/>
+              <a:t>Literal means that the elements in the SOAP body are examples of the elements defined</a:t>
+            </a:r>
+          </a:p>
+          <a:p>
+            <a:pPr>
+              <a:lnSpc>
+                <a:spcPct val="90000"/>
+              </a:lnSpc>
+            </a:pPr>
+            <a:r>
+              <a:rPr lang="en-US" sz="2400"/>
+              <a:t>Encoded + encodingStyle means that the parts are defined as Types, and a particular concrete encoding is used to make up the SOAP body</a:t>
+            </a:r>
+          </a:p>
+          <a:p>
+            <a:pPr lvl="2">
+              <a:lnSpc>
+                <a:spcPct val="90000"/>
+              </a:lnSpc>
+            </a:pPr>
+            <a:endParaRPr lang="en-US" sz="1800"/>
+          </a:p>
+          <a:p>
+            <a:pPr lvl="1">
+              <a:lnSpc>
+                <a:spcPct val="90000"/>
+              </a:lnSpc>
+            </a:pPr>
+            <a:endParaRPr lang="en-US" sz="2000"/>
           </a:p>
         </p:txBody>
       </p:sp>
     </p:spTree>
     <p:extLst>
       <p:ext uri="{BB962C8B-B14F-4D97-AF65-F5344CB8AC3E}">
-        <p14:creationId xmlns:p14="http://schemas.microsoft.com/office/powerpoint/2010/main" val="2105006018"/>
+        <p14:creationId xmlns:p14="http://schemas.microsoft.com/office/powerpoint/2010/main" val="3334197151"/>
       </p:ext>
     </p:extLst>
   </p:cSld>
   <p:clrMapOvr>
     <a:masterClrMapping/>
   </p:clrMapOvr>
-  <p:timing>
-    <p:tnLst>
-      <p:par>
-        <p:cTn xmlns:p14="http://schemas.microsoft.com/office/powerpoint/2010/main" id="1" dur="indefinite" restart="never" nodeType="tmRoot"/>
-      </p:par>
-    </p:tnLst>
-  </p:timing>
+  <mc:AlternateContent xmlns:mc="http://schemas.openxmlformats.org/markup-compatibility/2006" xmlns:p14="http://schemas.microsoft.com/office/powerpoint/2010/main">
+    <mc:Choice Requires="p14">
+      <p:transition spd="slow" p14:dur="2000"/>
+    </mc:Choice>
+    <mc:Fallback xmlns="">
+      <p:transition xmlns:p14="http://schemas.microsoft.com/office/powerpoint/2010/main" spd="slow"/>
+    </mc:Fallback>
+  </mc:AlternateContent>
 </p:sld>
 </file>
 
@@ -14925,7 +15013,7 @@
       </p:grpSpPr>
       <p:sp>
         <p:nvSpPr>
-          <p:cNvPr id="965634" name="Rectangle 2"/>
+          <p:cNvPr id="967682" name="Rectangle 2"/>
           <p:cNvSpPr>
             <a:spLocks noGrp="1" noChangeArrowheads="1"/>
           </p:cNvSpPr>
@@ -14940,14 +15028,14 @@
           <a:p>
             <a:r>
               <a:rPr lang="en-US" sz="3100"/>
-              <a:t>WSDL styles of SOAP binding</a:t>
-            </a:r>
-          </a:p>
-        </p:txBody>
-      </p:sp>
-      <p:sp>
-        <p:nvSpPr>
-          <p:cNvPr id="965635" name="Rectangle 3"/>
+              <a:t>WSDL styles continued</a:t>
+            </a:r>
+          </a:p>
+        </p:txBody>
+      </p:sp>
+      <p:sp>
+        <p:nvSpPr>
+          <p:cNvPr id="967683" name="Rectangle 3"/>
           <p:cNvSpPr>
             <a:spLocks noGrp="1" noChangeArrowheads="1"/>
           </p:cNvSpPr>
@@ -14960,104 +15048,29 @@
           <a:bodyPr/>
           <a:lstStyle/>
           <a:p>
-            <a:pPr>
-              <a:lnSpc>
-                <a:spcPct val="90000"/>
-              </a:lnSpc>
-            </a:pPr>
-            <a:r>
-              <a:rPr lang="en-US" sz="2400"/>
-              <a:t>The WSDL portType is a theoretical definition</a:t>
-            </a:r>
-          </a:p>
-          <a:p>
-            <a:pPr lvl="1">
-              <a:lnSpc>
-                <a:spcPct val="90000"/>
-              </a:lnSpc>
-            </a:pPr>
-            <a:r>
-              <a:rPr lang="en-US" sz="2000"/>
-              <a:t>May have defined the message Parts in terms of Schema types or elements</a:t>
-            </a:r>
-          </a:p>
-          <a:p>
-            <a:pPr>
-              <a:lnSpc>
-                <a:spcPct val="90000"/>
-              </a:lnSpc>
-            </a:pPr>
-            <a:r>
-              <a:rPr lang="en-US" sz="2400"/>
-              <a:t>The SOAP binding says how this relates to the actual SOAP message</a:t>
-            </a:r>
-          </a:p>
-          <a:p>
-            <a:pPr lvl="1">
-              <a:lnSpc>
-                <a:spcPct val="90000"/>
-              </a:lnSpc>
-            </a:pPr>
-            <a:r>
-              <a:rPr lang="en-US" sz="2000"/>
-              <a:t>Elements =&gt; use=literal </a:t>
-            </a:r>
-          </a:p>
-          <a:p>
-            <a:pPr lvl="1">
-              <a:lnSpc>
-                <a:spcPct val="90000"/>
-              </a:lnSpc>
-            </a:pPr>
-            <a:r>
-              <a:rPr lang="en-US" sz="2000"/>
-              <a:t>Types =&gt; use can be literal or encoded, but almost always literal</a:t>
-            </a:r>
-          </a:p>
-          <a:p>
-            <a:pPr>
-              <a:lnSpc>
-                <a:spcPct val="90000"/>
-              </a:lnSpc>
-            </a:pPr>
-            <a:r>
-              <a:rPr lang="en-US" sz="2400"/>
-              <a:t>Literal means that the elements in the SOAP body are examples of the elements defined</a:t>
-            </a:r>
-          </a:p>
-          <a:p>
-            <a:pPr>
-              <a:lnSpc>
-                <a:spcPct val="90000"/>
-              </a:lnSpc>
-            </a:pPr>
-            <a:r>
-              <a:rPr lang="en-US" sz="2400"/>
-              <a:t>Encoded + encodingStyle means that the parts are defined as Types, and a particular concrete encoding is used to make up the SOAP body</a:t>
-            </a:r>
-          </a:p>
-          <a:p>
-            <a:pPr lvl="2">
-              <a:lnSpc>
-                <a:spcPct val="90000"/>
-              </a:lnSpc>
-            </a:pPr>
-            <a:endParaRPr lang="en-US" sz="1800"/>
-          </a:p>
-          <a:p>
-            <a:pPr lvl="1">
-              <a:lnSpc>
-                <a:spcPct val="90000"/>
-              </a:lnSpc>
-            </a:pPr>
-            <a:endParaRPr lang="en-US" sz="2000"/>
+            <a:r>
+              <a:rPr lang="en-US"/>
+              <a:t>Also the body can be defined as document or RPC</a:t>
+            </a:r>
+          </a:p>
+          <a:p>
+            <a:r>
+              <a:rPr lang="en-US"/>
+              <a:t>In document style, the message parts appear directly in the SOAP body</a:t>
+            </a:r>
+          </a:p>
+          <a:p>
+            <a:r>
+              <a:rPr lang="en-US"/>
+              <a:t>In RPC style, the first element in the body is a wrapper element, named after the operation</a:t>
+            </a:r>
           </a:p>
         </p:txBody>
       </p:sp>
     </p:spTree>
     <p:extLst>
       <p:ext uri="{BB962C8B-B14F-4D97-AF65-F5344CB8AC3E}">
-        <p14:creationId xmlns:p14="http://schemas.microsoft.com/office/powerpoint/2010/main" val="3334197151"/>
+        <p14:creationId xmlns:p14="http://schemas.microsoft.com/office/powerpoint/2010/main" val="1391679226"/>
       </p:ext>
     </p:extLst>
   </p:cSld>
@@ -15094,7 +15107,7 @@
       </p:grpSpPr>
       <p:sp>
         <p:nvSpPr>
-          <p:cNvPr id="967682" name="Rectangle 2"/>
+          <p:cNvPr id="969730" name="Rectangle 2"/>
           <p:cNvSpPr>
             <a:spLocks noGrp="1" noChangeArrowheads="1"/>
           </p:cNvSpPr>
@@ -15109,14 +15122,14 @@
           <a:p>
             <a:r>
               <a:rPr lang="en-US" sz="3100"/>
-              <a:t>WSDL styles continued</a:t>
-            </a:r>
-          </a:p>
-        </p:txBody>
-      </p:sp>
-      <p:sp>
-        <p:nvSpPr>
-          <p:cNvPr id="967683" name="Rectangle 3"/>
+              <a:t>Variations</a:t>
+            </a:r>
+          </a:p>
+        </p:txBody>
+      </p:sp>
+      <p:sp>
+        <p:nvSpPr>
+          <p:cNvPr id="969731" name="Rectangle 3"/>
           <p:cNvSpPr>
             <a:spLocks noGrp="1" noChangeArrowheads="1"/>
           </p:cNvSpPr>
@@ -15129,29 +15142,139 @@
           <a:bodyPr/>
           <a:lstStyle/>
           <a:p>
-            <a:r>
-              <a:rPr lang="en-US"/>
-              <a:t>Also the body can be defined as document or RPC</a:t>
-            </a:r>
-          </a:p>
-          <a:p>
-            <a:r>
-              <a:rPr lang="en-US"/>
-              <a:t>In document style, the message parts appear directly in the SOAP body</a:t>
-            </a:r>
-          </a:p>
-          <a:p>
-            <a:r>
-              <a:rPr lang="en-US"/>
-              <a:t>In RPC style, the first element in the body is a wrapper element, named after the operation</a:t>
-            </a:r>
+            <a:pPr>
+              <a:lnSpc>
+                <a:spcPct val="80000"/>
+              </a:lnSpc>
+            </a:pPr>
+            <a:r>
+              <a:rPr lang="en-US" sz="2400"/>
+              <a:t>doc/lit</a:t>
+            </a:r>
+          </a:p>
+          <a:p>
+            <a:pPr lvl="1">
+              <a:lnSpc>
+                <a:spcPct val="80000"/>
+              </a:lnSpc>
+            </a:pPr>
+            <a:r>
+              <a:rPr lang="en-US" sz="2000"/>
+              <a:t>Usually a single schema element defines the whole SOAP body. The element is not “encoded” in any way</a:t>
+            </a:r>
+          </a:p>
+          <a:p>
+            <a:pPr>
+              <a:lnSpc>
+                <a:spcPct val="80000"/>
+              </a:lnSpc>
+            </a:pPr>
+            <a:r>
+              <a:rPr lang="en-US" sz="2400"/>
+              <a:t>rpc/encoded</a:t>
+            </a:r>
+          </a:p>
+          <a:p>
+            <a:pPr lvl="1">
+              <a:lnSpc>
+                <a:spcPct val="80000"/>
+              </a:lnSpc>
+            </a:pPr>
+            <a:r>
+              <a:rPr lang="en-US" sz="2000"/>
+              <a:t>The message parts are parameters, defined using schema types</a:t>
+            </a:r>
+          </a:p>
+          <a:p>
+            <a:pPr lvl="1">
+              <a:lnSpc>
+                <a:spcPct val="80000"/>
+              </a:lnSpc>
+            </a:pPr>
+            <a:r>
+              <a:rPr lang="en-US" sz="2000"/>
+              <a:t>There is a wrapper element named as the op</a:t>
+            </a:r>
+          </a:p>
+          <a:p>
+            <a:pPr lvl="1">
+              <a:lnSpc>
+                <a:spcPct val="80000"/>
+              </a:lnSpc>
+            </a:pPr>
+            <a:r>
+              <a:rPr lang="en-US" sz="2000"/>
+              <a:t>Each object is mapped into XML using SOAP encoding (possibly pointers)</a:t>
+            </a:r>
+          </a:p>
+          <a:p>
+            <a:pPr>
+              <a:lnSpc>
+                <a:spcPct val="80000"/>
+              </a:lnSpc>
+            </a:pPr>
+            <a:r>
+              <a:rPr lang="en-US" sz="2400"/>
+              <a:t>rpc/literal</a:t>
+            </a:r>
+          </a:p>
+          <a:p>
+            <a:pPr lvl="1">
+              <a:lnSpc>
+                <a:spcPct val="80000"/>
+              </a:lnSpc>
+            </a:pPr>
+            <a:r>
+              <a:rPr lang="en-US" sz="2000"/>
+              <a:t>There are multiple parts defined as elements</a:t>
+            </a:r>
+          </a:p>
+          <a:p>
+            <a:pPr lvl="1">
+              <a:lnSpc>
+                <a:spcPct val="80000"/>
+              </a:lnSpc>
+            </a:pPr>
+            <a:r>
+              <a:rPr lang="en-US" sz="2000"/>
+              <a:t>Still a wrapper element</a:t>
+            </a:r>
+          </a:p>
+          <a:p>
+            <a:pPr>
+              <a:lnSpc>
+                <a:spcPct val="80000"/>
+              </a:lnSpc>
+            </a:pPr>
+            <a:r>
+              <a:rPr lang="en-US" sz="2400"/>
+              <a:t>doc/encoded</a:t>
+            </a:r>
+          </a:p>
+          <a:p>
+            <a:pPr lvl="1">
+              <a:lnSpc>
+                <a:spcPct val="80000"/>
+              </a:lnSpc>
+            </a:pPr>
+            <a:r>
+              <a:rPr lang="en-US" sz="2000"/>
+              <a:t>Never seen this, though probably someone used it once somewhere </a:t>
+            </a:r>
+            <a:r>
+              <a:rPr lang="en-US" sz="2000">
+                <a:sym typeface="Wingdings" charset="0"/>
+              </a:rPr>
+              <a:t></a:t>
+            </a:r>
+            <a:endParaRPr lang="en-US" sz="2000"/>
           </a:p>
         </p:txBody>
       </p:sp>
     </p:spTree>
     <p:extLst>
       <p:ext uri="{BB962C8B-B14F-4D97-AF65-F5344CB8AC3E}">
-        <p14:creationId xmlns:p14="http://schemas.microsoft.com/office/powerpoint/2010/main" val="1391679226"/>
+        <p14:creationId xmlns:p14="http://schemas.microsoft.com/office/powerpoint/2010/main" val="1492652017"/>
       </p:ext>
     </p:extLst>
   </p:cSld>
@@ -15188,7 +15311,7 @@
       </p:grpSpPr>
       <p:sp>
         <p:nvSpPr>
-          <p:cNvPr id="969730" name="Rectangle 2"/>
+          <p:cNvPr id="898050" name="Rectangle 2"/>
           <p:cNvSpPr>
             <a:spLocks noGrp="1" noChangeArrowheads="1"/>
           </p:cNvSpPr>
@@ -15203,14 +15326,14 @@
           <a:p>
             <a:r>
               <a:rPr lang="en-US" sz="3100"/>
-              <a:t>Variations</a:t>
-            </a:r>
-          </a:p>
-        </p:txBody>
-      </p:sp>
-      <p:sp>
-        <p:nvSpPr>
-          <p:cNvPr id="969731" name="Rectangle 3"/>
+              <a:t>SOAP Encoding</a:t>
+            </a:r>
+          </a:p>
+        </p:txBody>
+      </p:sp>
+      <p:sp>
+        <p:nvSpPr>
+          <p:cNvPr id="898051" name="Rectangle 3"/>
           <p:cNvSpPr>
             <a:spLocks noGrp="1" noChangeArrowheads="1"/>
           </p:cNvSpPr>
@@ -15220,142 +15343,57 @@
         </p:nvSpPr>
         <p:spPr/>
         <p:txBody>
-          <a:bodyPr/>
-          <a:lstStyle/>
-          <a:p>
-            <a:pPr>
-              <a:lnSpc>
-                <a:spcPct val="80000"/>
-              </a:lnSpc>
-            </a:pPr>
-            <a:r>
-              <a:rPr lang="en-US" sz="2400"/>
-              <a:t>doc/lit</a:t>
-            </a:r>
-          </a:p>
-          <a:p>
-            <a:pPr lvl="1">
-              <a:lnSpc>
-                <a:spcPct val="80000"/>
-              </a:lnSpc>
-            </a:pPr>
-            <a:r>
-              <a:rPr lang="en-US" sz="2000"/>
-              <a:t>Usually a single schema element defines the whole SOAP body. The element is not “encoded” in any way</a:t>
-            </a:r>
-          </a:p>
-          <a:p>
-            <a:pPr>
-              <a:lnSpc>
-                <a:spcPct val="80000"/>
-              </a:lnSpc>
-            </a:pPr>
-            <a:r>
-              <a:rPr lang="en-US" sz="2400"/>
-              <a:t>rpc/encoded</a:t>
-            </a:r>
-          </a:p>
-          <a:p>
-            <a:pPr lvl="1">
-              <a:lnSpc>
-                <a:spcPct val="80000"/>
-              </a:lnSpc>
-            </a:pPr>
-            <a:r>
-              <a:rPr lang="en-US" sz="2000"/>
-              <a:t>The message parts are parameters, defined using schema types</a:t>
-            </a:r>
-          </a:p>
-          <a:p>
-            <a:pPr lvl="1">
-              <a:lnSpc>
-                <a:spcPct val="80000"/>
-              </a:lnSpc>
-            </a:pPr>
-            <a:r>
-              <a:rPr lang="en-US" sz="2000"/>
-              <a:t>There is a wrapper element named as the op</a:t>
-            </a:r>
-          </a:p>
-          <a:p>
-            <a:pPr lvl="1">
-              <a:lnSpc>
-                <a:spcPct val="80000"/>
-              </a:lnSpc>
-            </a:pPr>
-            <a:r>
-              <a:rPr lang="en-US" sz="2000"/>
-              <a:t>Each object is mapped into XML using SOAP encoding (possibly pointers)</a:t>
-            </a:r>
-          </a:p>
-          <a:p>
-            <a:pPr>
-              <a:lnSpc>
-                <a:spcPct val="80000"/>
-              </a:lnSpc>
-            </a:pPr>
-            <a:r>
-              <a:rPr lang="en-US" sz="2400"/>
-              <a:t>rpc/literal</a:t>
-            </a:r>
-          </a:p>
-          <a:p>
-            <a:pPr lvl="1">
-              <a:lnSpc>
-                <a:spcPct val="80000"/>
-              </a:lnSpc>
-            </a:pPr>
-            <a:r>
-              <a:rPr lang="en-US" sz="2000"/>
-              <a:t>There are multiple parts defined as elements</a:t>
-            </a:r>
-          </a:p>
-          <a:p>
-            <a:pPr lvl="1">
-              <a:lnSpc>
-                <a:spcPct val="80000"/>
-              </a:lnSpc>
-            </a:pPr>
-            <a:r>
-              <a:rPr lang="en-US" sz="2000"/>
-              <a:t>Still a wrapper element</a:t>
-            </a:r>
-          </a:p>
-          <a:p>
-            <a:pPr>
-              <a:lnSpc>
-                <a:spcPct val="80000"/>
-              </a:lnSpc>
-            </a:pPr>
-            <a:r>
-              <a:rPr lang="en-US" sz="2400"/>
-              <a:t>doc/encoded</a:t>
-            </a:r>
-          </a:p>
-          <a:p>
-            <a:pPr lvl="1">
-              <a:lnSpc>
-                <a:spcPct val="80000"/>
-              </a:lnSpc>
-            </a:pPr>
-            <a:r>
-              <a:rPr lang="en-US" sz="2000"/>
-              <a:t>Never seen this, though probably someone used it once somewhere </a:t>
-            </a:r>
-            <a:r>
-              <a:rPr lang="en-US" sz="2000">
-                <a:sym typeface="Wingdings" charset="0"/>
-              </a:rPr>
-              <a:t></a:t>
-            </a:r>
-            <a:endParaRPr lang="en-US" sz="2000"/>
+          <a:bodyPr>
+            <a:normAutofit lnSpcReduction="10000"/>
+          </a:bodyPr>
+          <a:lstStyle/>
+          <a:p>
+            <a:r>
+              <a:rPr lang="en-US"/>
+              <a:t>Is dead!</a:t>
+            </a:r>
+          </a:p>
+          <a:p>
+            <a:endParaRPr lang="en-US"/>
+          </a:p>
+          <a:p>
+            <a:r>
+              <a:rPr lang="en-US"/>
+              <a:t>SOAP encoding is a model that was initially presented</a:t>
+            </a:r>
+          </a:p>
+          <a:p>
+            <a:pPr lvl="1"/>
+            <a:r>
+              <a:rPr lang="en-US"/>
+              <a:t>Allows a graph structure instead of a tree structure, and supports arrays</a:t>
+            </a:r>
+          </a:p>
+          <a:p>
+            <a:pPr lvl="1"/>
+            <a:r>
+              <a:rPr lang="en-US"/>
+              <a:t>Pointers within the XML like object references</a:t>
+            </a:r>
+          </a:p>
+          <a:p>
+            <a:r>
+              <a:rPr lang="en-US"/>
+              <a:t>WS-I Basic Profile bans it</a:t>
+            </a:r>
+          </a:p>
+          <a:p>
+            <a:r>
+              <a:rPr lang="en-US"/>
+              <a:t>Pure XML is the cleaner approach</a:t>
+            </a:r>
           </a:p>
         </p:txBody>
       </p:sp>
     </p:spTree>
     <p:extLst>
       <p:ext uri="{BB962C8B-B14F-4D97-AF65-F5344CB8AC3E}">
-        <p14:creationId xmlns:p14="http://schemas.microsoft.com/office/powerpoint/2010/main" val="1492652017"/>
+        <p14:creationId xmlns:p14="http://schemas.microsoft.com/office/powerpoint/2010/main" val="1890556419"/>
       </p:ext>
     </p:extLst>
   </p:cSld>
@@ -23746,7 +23784,7 @@
           <a:p>
             <a:r>
               <a:rPr lang="en-US" smtClean="0"/>
-              <a:t>VERY WELL TOOLED!</a:t>
+              <a:t>Well tooled</a:t>
             </a:r>
             <a:endParaRPr lang="en-US" dirty="0"/>
           </a:p>

--- a/presentations/source/04-ws-soap-wsdl-etc.pptx
+++ b/presentations/source/04-ws-soap-wsdl-etc.pptx
@@ -9921,11 +9921,22 @@
                 <a:ea typeface="ヒラギノ角ゴ ProN W3" charset="0"/>
                 <a:cs typeface="ヒラギノ角ゴ ProN W3" charset="0"/>
               </a:rPr>
-              <a:t>Dec 2012</a:t>
-            </a:r>
-          </a:p>
-          <a:p>
-            <a:endParaRPr lang="en-US"/>
+              <a:t>Dec </a:t>
+            </a:r>
+            <a:r>
+              <a:rPr lang="en-US" smtClean="0">
+                <a:ea typeface="ヒラギノ角ゴ ProN W3" charset="0"/>
+                <a:cs typeface="ヒラギノ角ゴ ProN W3" charset="0"/>
+              </a:rPr>
+              <a:t>2013</a:t>
+            </a:r>
+            <a:endParaRPr lang="en-US">
+              <a:ea typeface="ヒラギノ角ゴ ProN W3" charset="0"/>
+              <a:cs typeface="ヒラギノ角ゴ ProN W3" charset="0"/>
+            </a:endParaRPr>
+          </a:p>
+          <a:p>
+            <a:endParaRPr lang="en-US" dirty="0"/>
           </a:p>
         </p:txBody>
       </p:sp>
@@ -12013,7 +12024,7 @@
           <a:graphicData uri="http://schemas.openxmlformats.org/presentationml/2006/ole">
             <mc:AlternateContent xmlns:mc="http://schemas.openxmlformats.org/markup-compatibility/2006">
               <mc:Choice xmlns:v="urn:schemas-microsoft-com:vml" Requires="v">
-                <p:oleObj spid="_x0000_s44041" name="Bitmap Image" r:id="rId4" imgW="7954485" imgH="3677163" progId="Paint.Picture">
+                <p:oleObj spid="_x0000_s44043" name="Bitmap Image" r:id="rId4" imgW="7954485" imgH="3677163" progId="Paint.Picture">
                   <p:embed/>
                 </p:oleObj>
               </mc:Choice>
@@ -12134,7 +12145,7 @@
           <a:graphicData uri="http://schemas.openxmlformats.org/presentationml/2006/ole">
             <mc:AlternateContent xmlns:mc="http://schemas.openxmlformats.org/markup-compatibility/2006">
               <mc:Choice xmlns:v="urn:schemas-microsoft-com:vml" Requires="v">
-                <p:oleObj spid="_x0000_s46089" name="Bitmap Image" r:id="rId4" imgW="8952381" imgH="4086795" progId="Paint.Picture">
+                <p:oleObj spid="_x0000_s46091" name="Bitmap Image" r:id="rId4" imgW="8952381" imgH="4086795" progId="Paint.Picture">
                   <p:embed/>
                 </p:oleObj>
               </mc:Choice>
@@ -12841,7 +12852,7 @@
           <a:graphicData uri="http://schemas.openxmlformats.org/presentationml/2006/ole">
             <mc:AlternateContent xmlns:mc="http://schemas.openxmlformats.org/markup-compatibility/2006">
               <mc:Choice xmlns:v="urn:schemas-microsoft-com:vml" Requires="v">
-                <p:oleObj spid="_x0000_s54281" name="Bitmap Image" r:id="rId4" imgW="7466667" imgH="2991268" progId="Paint.Picture">
+                <p:oleObj spid="_x0000_s54283" name="Bitmap Image" r:id="rId4" imgW="7466667" imgH="2991268" progId="Paint.Picture">
                   <p:embed/>
                 </p:oleObj>
               </mc:Choice>
@@ -13630,7 +13641,7 @@
           <a:graphicData uri="http://schemas.openxmlformats.org/presentationml/2006/ole">
             <mc:AlternateContent xmlns:mc="http://schemas.openxmlformats.org/markup-compatibility/2006">
               <mc:Choice xmlns:v="urn:schemas-microsoft-com:vml" Requires="v">
-                <p:oleObj spid="_x0000_s1045" name="Bitmap Image" r:id="rId8" imgW="980952" imgH="542857" progId="Paint.Picture">
+                <p:oleObj spid="_x0000_s1049" name="Bitmap Image" r:id="rId8" imgW="980952" imgH="542857" progId="Paint.Picture">
                   <p:embed/>
                 </p:oleObj>
               </mc:Choice>
@@ -13923,7 +13934,7 @@
           <a:graphicData uri="http://schemas.openxmlformats.org/presentationml/2006/ole">
             <mc:AlternateContent xmlns:mc="http://schemas.openxmlformats.org/markup-compatibility/2006">
               <mc:Choice xmlns:v="urn:schemas-microsoft-com:vml" Requires="v">
-                <p:oleObj spid="_x0000_s1046" name="Bitmap Image" r:id="rId13" imgW="885949" imgH="380852" progId="Paint.Picture">
+                <p:oleObj spid="_x0000_s1050" name="Bitmap Image" r:id="rId13" imgW="885949" imgH="380852" progId="Paint.Picture">
                   <p:embed/>
                 </p:oleObj>
               </mc:Choice>
@@ -14090,7 +14101,7 @@
           <a:graphicData uri="http://schemas.openxmlformats.org/presentationml/2006/ole">
             <mc:AlternateContent xmlns:mc="http://schemas.openxmlformats.org/markup-compatibility/2006">
               <mc:Choice xmlns:v="urn:schemas-microsoft-com:vml" Requires="v">
-                <p:oleObj spid="_x0000_s1047" name="Bitmap Image" r:id="rId16" imgW="25400" imgH="25400" progId="Paint.Picture">
+                <p:oleObj spid="_x0000_s1051" name="Bitmap Image" r:id="rId16" imgW="25400" imgH="25400" progId="Paint.Picture">
                   <p:embed/>
                 </p:oleObj>
               </mc:Choice>

--- a/presentations/source/04-ws-soap-wsdl-etc.pptx
+++ b/presentations/source/04-ws-soap-wsdl-etc.pptx
@@ -250,7 +250,7 @@
             <a:fld id="{7307762F-A706-E543-A832-3C298AA3103F}" type="datetimeFigureOut">
               <a:rPr lang="en-US" smtClean="0"/>
               <a:pPr/>
-              <a:t>11/27/13</a:t>
+              <a:t>11/21/14</a:t>
             </a:fld>
             <a:endParaRPr lang="en-US" dirty="0"/>
           </a:p>
@@ -6821,7 +6821,7 @@
           <a:p>
             <a:fld id="{875CF0EB-321F-0749-B37A-89BBA859503C}" type="datetimeFigureOut">
               <a:rPr lang="en-US" smtClean="0"/>
-              <a:t>11/27/13</a:t>
+              <a:t>11/21/14</a:t>
             </a:fld>
             <a:endParaRPr lang="en-US"/>
           </a:p>
@@ -7025,7 +7025,7 @@
           <a:p>
             <a:fld id="{875CF0EB-321F-0749-B37A-89BBA859503C}" type="datetimeFigureOut">
               <a:rPr lang="en-US" smtClean="0"/>
-              <a:t>11/27/13</a:t>
+              <a:t>11/21/14</a:t>
             </a:fld>
             <a:endParaRPr lang="en-US"/>
           </a:p>
@@ -7219,7 +7219,7 @@
           <a:p>
             <a:fld id="{875CF0EB-321F-0749-B37A-89BBA859503C}" type="datetimeFigureOut">
               <a:rPr lang="en-US" smtClean="0"/>
-              <a:t>11/27/13</a:t>
+              <a:t>11/21/14</a:t>
             </a:fld>
             <a:endParaRPr lang="en-US"/>
           </a:p>
@@ -7489,7 +7489,7 @@
           <a:p>
             <a:fld id="{875CF0EB-321F-0749-B37A-89BBA859503C}" type="datetimeFigureOut">
               <a:rPr lang="en-US" smtClean="0"/>
-              <a:t>11/27/13</a:t>
+              <a:t>11/21/14</a:t>
             </a:fld>
             <a:endParaRPr lang="en-US"/>
           </a:p>
@@ -7801,7 +7801,7 @@
           <a:p>
             <a:fld id="{875CF0EB-321F-0749-B37A-89BBA859503C}" type="datetimeFigureOut">
               <a:rPr lang="en-US" smtClean="0"/>
-              <a:t>11/27/13</a:t>
+              <a:t>11/21/14</a:t>
             </a:fld>
             <a:endParaRPr lang="en-US"/>
           </a:p>
@@ -8247,7 +8247,7 @@
           <a:p>
             <a:fld id="{875CF0EB-321F-0749-B37A-89BBA859503C}" type="datetimeFigureOut">
               <a:rPr lang="en-US" smtClean="0"/>
-              <a:t>11/27/13</a:t>
+              <a:t>11/21/14</a:t>
             </a:fld>
             <a:endParaRPr lang="en-US"/>
           </a:p>
@@ -8389,7 +8389,7 @@
           <a:p>
             <a:fld id="{875CF0EB-321F-0749-B37A-89BBA859503C}" type="datetimeFigureOut">
               <a:rPr lang="en-US" smtClean="0"/>
-              <a:t>11/27/13</a:t>
+              <a:t>11/21/14</a:t>
             </a:fld>
             <a:endParaRPr lang="en-US"/>
           </a:p>
@@ -8508,7 +8508,7 @@
           <a:p>
             <a:fld id="{875CF0EB-321F-0749-B37A-89BBA859503C}" type="datetimeFigureOut">
               <a:rPr lang="en-US" smtClean="0"/>
-              <a:t>11/27/13</a:t>
+              <a:t>11/21/14</a:t>
             </a:fld>
             <a:endParaRPr lang="en-US"/>
           </a:p>
@@ -8809,7 +8809,7 @@
           <a:p>
             <a:fld id="{875CF0EB-321F-0749-B37A-89BBA859503C}" type="datetimeFigureOut">
               <a:rPr lang="en-US" smtClean="0"/>
-              <a:t>11/27/13</a:t>
+              <a:t>11/21/14</a:t>
             </a:fld>
             <a:endParaRPr lang="en-US"/>
           </a:p>
@@ -9086,7 +9086,7 @@
           <a:p>
             <a:fld id="{875CF0EB-321F-0749-B37A-89BBA859503C}" type="datetimeFigureOut">
               <a:rPr lang="en-US" smtClean="0"/>
-              <a:t>11/27/13</a:t>
+              <a:t>11/21/14</a:t>
             </a:fld>
             <a:endParaRPr lang="en-US"/>
           </a:p>
@@ -9928,7 +9928,7 @@
                 <a:ea typeface="ヒラギノ角ゴ ProN W3" charset="0"/>
                 <a:cs typeface="ヒラギノ角ゴ ProN W3" charset="0"/>
               </a:rPr>
-              <a:t>2013</a:t>
+              <a:t>2014</a:t>
             </a:r>
             <a:endParaRPr lang="en-US">
               <a:ea typeface="ヒラギノ角ゴ ProN W3" charset="0"/>
@@ -12024,7 +12024,7 @@
           <a:graphicData uri="http://schemas.openxmlformats.org/presentationml/2006/ole">
             <mc:AlternateContent xmlns:mc="http://schemas.openxmlformats.org/markup-compatibility/2006">
               <mc:Choice xmlns:v="urn:schemas-microsoft-com:vml" Requires="v">
-                <p:oleObj spid="_x0000_s44043" name="Bitmap Image" r:id="rId4" imgW="7954485" imgH="3677163" progId="Paint.Picture">
+                <p:oleObj spid="_x0000_s44045" name="Bitmap Image" r:id="rId4" imgW="7954485" imgH="3677163" progId="Paint.Picture">
                   <p:embed/>
                 </p:oleObj>
               </mc:Choice>
@@ -12145,7 +12145,7 @@
           <a:graphicData uri="http://schemas.openxmlformats.org/presentationml/2006/ole">
             <mc:AlternateContent xmlns:mc="http://schemas.openxmlformats.org/markup-compatibility/2006">
               <mc:Choice xmlns:v="urn:schemas-microsoft-com:vml" Requires="v">
-                <p:oleObj spid="_x0000_s46091" name="Bitmap Image" r:id="rId4" imgW="8952381" imgH="4086795" progId="Paint.Picture">
+                <p:oleObj spid="_x0000_s46093" name="Bitmap Image" r:id="rId4" imgW="8952381" imgH="4086795" progId="Paint.Picture">
                   <p:embed/>
                 </p:oleObj>
               </mc:Choice>
@@ -12852,7 +12852,7 @@
           <a:graphicData uri="http://schemas.openxmlformats.org/presentationml/2006/ole">
             <mc:AlternateContent xmlns:mc="http://schemas.openxmlformats.org/markup-compatibility/2006">
               <mc:Choice xmlns:v="urn:schemas-microsoft-com:vml" Requires="v">
-                <p:oleObj spid="_x0000_s54283" name="Bitmap Image" r:id="rId4" imgW="7466667" imgH="2991268" progId="Paint.Picture">
+                <p:oleObj spid="_x0000_s54285" name="Bitmap Image" r:id="rId4" imgW="7466667" imgH="2991268" progId="Paint.Picture">
                   <p:embed/>
                 </p:oleObj>
               </mc:Choice>
@@ -13641,7 +13641,7 @@
           <a:graphicData uri="http://schemas.openxmlformats.org/presentationml/2006/ole">
             <mc:AlternateContent xmlns:mc="http://schemas.openxmlformats.org/markup-compatibility/2006">
               <mc:Choice xmlns:v="urn:schemas-microsoft-com:vml" Requires="v">
-                <p:oleObj spid="_x0000_s1049" name="Bitmap Image" r:id="rId8" imgW="980952" imgH="542857" progId="Paint.Picture">
+                <p:oleObj spid="_x0000_s1053" name="Bitmap Image" r:id="rId8" imgW="980952" imgH="542857" progId="Paint.Picture">
                   <p:embed/>
                 </p:oleObj>
               </mc:Choice>
@@ -13934,7 +13934,7 @@
           <a:graphicData uri="http://schemas.openxmlformats.org/presentationml/2006/ole">
             <mc:AlternateContent xmlns:mc="http://schemas.openxmlformats.org/markup-compatibility/2006">
               <mc:Choice xmlns:v="urn:schemas-microsoft-com:vml" Requires="v">
-                <p:oleObj spid="_x0000_s1050" name="Bitmap Image" r:id="rId13" imgW="885949" imgH="380852" progId="Paint.Picture">
+                <p:oleObj spid="_x0000_s1054" name="Bitmap Image" r:id="rId13" imgW="885949" imgH="380852" progId="Paint.Picture">
                   <p:embed/>
                 </p:oleObj>
               </mc:Choice>
@@ -14101,7 +14101,7 @@
           <a:graphicData uri="http://schemas.openxmlformats.org/presentationml/2006/ole">
             <mc:AlternateContent xmlns:mc="http://schemas.openxmlformats.org/markup-compatibility/2006">
               <mc:Choice xmlns:v="urn:schemas-microsoft-com:vml" Requires="v">
-                <p:oleObj spid="_x0000_s1051" name="Bitmap Image" r:id="rId16" imgW="25400" imgH="25400" progId="Paint.Picture">
+                <p:oleObj spid="_x0000_s1055" name="Bitmap Image" r:id="rId16" imgW="25400" imgH="25400" progId="Paint.Picture">
                   <p:embed/>
                 </p:oleObj>
               </mc:Choice>

--- a/presentations/source/04-ws-soap-wsdl-etc.pptx
+++ b/presentations/source/04-ws-soap-wsdl-etc.pptx
@@ -250,7 +250,7 @@
             <a:fld id="{7307762F-A706-E543-A832-3C298AA3103F}" type="datetimeFigureOut">
               <a:rPr lang="en-US" smtClean="0"/>
               <a:pPr/>
-              <a:t>11/21/14</a:t>
+              <a:t>08/09/15</a:t>
             </a:fld>
             <a:endParaRPr lang="en-US" dirty="0"/>
           </a:p>
@@ -6821,7 +6821,7 @@
           <a:p>
             <a:fld id="{875CF0EB-321F-0749-B37A-89BBA859503C}" type="datetimeFigureOut">
               <a:rPr lang="en-US" smtClean="0"/>
-              <a:t>11/21/14</a:t>
+              <a:t>08/09/15</a:t>
             </a:fld>
             <a:endParaRPr lang="en-US"/>
           </a:p>
@@ -7025,7 +7025,7 @@
           <a:p>
             <a:fld id="{875CF0EB-321F-0749-B37A-89BBA859503C}" type="datetimeFigureOut">
               <a:rPr lang="en-US" smtClean="0"/>
-              <a:t>11/21/14</a:t>
+              <a:t>08/09/15</a:t>
             </a:fld>
             <a:endParaRPr lang="en-US"/>
           </a:p>
@@ -7219,7 +7219,7 @@
           <a:p>
             <a:fld id="{875CF0EB-321F-0749-B37A-89BBA859503C}" type="datetimeFigureOut">
               <a:rPr lang="en-US" smtClean="0"/>
-              <a:t>11/21/14</a:t>
+              <a:t>08/09/15</a:t>
             </a:fld>
             <a:endParaRPr lang="en-US"/>
           </a:p>
@@ -7489,7 +7489,7 @@
           <a:p>
             <a:fld id="{875CF0EB-321F-0749-B37A-89BBA859503C}" type="datetimeFigureOut">
               <a:rPr lang="en-US" smtClean="0"/>
-              <a:t>11/21/14</a:t>
+              <a:t>08/09/15</a:t>
             </a:fld>
             <a:endParaRPr lang="en-US"/>
           </a:p>
@@ -7801,7 +7801,7 @@
           <a:p>
             <a:fld id="{875CF0EB-321F-0749-B37A-89BBA859503C}" type="datetimeFigureOut">
               <a:rPr lang="en-US" smtClean="0"/>
-              <a:t>11/21/14</a:t>
+              <a:t>08/09/15</a:t>
             </a:fld>
             <a:endParaRPr lang="en-US"/>
           </a:p>
@@ -8247,7 +8247,7 @@
           <a:p>
             <a:fld id="{875CF0EB-321F-0749-B37A-89BBA859503C}" type="datetimeFigureOut">
               <a:rPr lang="en-US" smtClean="0"/>
-              <a:t>11/21/14</a:t>
+              <a:t>08/09/15</a:t>
             </a:fld>
             <a:endParaRPr lang="en-US"/>
           </a:p>
@@ -8389,7 +8389,7 @@
           <a:p>
             <a:fld id="{875CF0EB-321F-0749-B37A-89BBA859503C}" type="datetimeFigureOut">
               <a:rPr lang="en-US" smtClean="0"/>
-              <a:t>11/21/14</a:t>
+              <a:t>08/09/15</a:t>
             </a:fld>
             <a:endParaRPr lang="en-US"/>
           </a:p>
@@ -8508,7 +8508,7 @@
           <a:p>
             <a:fld id="{875CF0EB-321F-0749-B37A-89BBA859503C}" type="datetimeFigureOut">
               <a:rPr lang="en-US" smtClean="0"/>
-              <a:t>11/21/14</a:t>
+              <a:t>08/09/15</a:t>
             </a:fld>
             <a:endParaRPr lang="en-US"/>
           </a:p>
@@ -8809,7 +8809,7 @@
           <a:p>
             <a:fld id="{875CF0EB-321F-0749-B37A-89BBA859503C}" type="datetimeFigureOut">
               <a:rPr lang="en-US" smtClean="0"/>
-              <a:t>11/21/14</a:t>
+              <a:t>08/09/15</a:t>
             </a:fld>
             <a:endParaRPr lang="en-US"/>
           </a:p>
@@ -9086,7 +9086,7 @@
           <a:p>
             <a:fld id="{875CF0EB-321F-0749-B37A-89BBA859503C}" type="datetimeFigureOut">
               <a:rPr lang="en-US" smtClean="0"/>
-              <a:t>11/21/14</a:t>
+              <a:t>08/09/15</a:t>
             </a:fld>
             <a:endParaRPr lang="en-US"/>
           </a:p>
@@ -9917,20 +9917,13 @@
           </a:p>
           <a:p>
             <a:r>
-              <a:rPr lang="en-US">
-                <a:ea typeface="ヒラギノ角ゴ ProN W3" charset="0"/>
-                <a:cs typeface="ヒラギノ角ゴ ProN W3" charset="0"/>
-              </a:rPr>
-              <a:t>Dec </a:t>
-            </a:r>
-            <a:r>
               <a:rPr lang="en-US" smtClean="0">
                 <a:ea typeface="ヒラギノ角ゴ ProN W3" charset="0"/>
                 <a:cs typeface="ヒラギノ角ゴ ProN W3" charset="0"/>
               </a:rPr>
-              <a:t>2014</a:t>
-            </a:r>
-            <a:endParaRPr lang="en-US">
+              <a:t>Sep 2015</a:t>
+            </a:r>
+            <a:endParaRPr lang="en-US" dirty="0">
               <a:ea typeface="ヒラギノ角ゴ ProN W3" charset="0"/>
               <a:cs typeface="ヒラギノ角ゴ ProN W3" charset="0"/>
             </a:endParaRPr>
@@ -12024,7 +12017,7 @@
           <a:graphicData uri="http://schemas.openxmlformats.org/presentationml/2006/ole">
             <mc:AlternateContent xmlns:mc="http://schemas.openxmlformats.org/markup-compatibility/2006">
               <mc:Choice xmlns:v="urn:schemas-microsoft-com:vml" Requires="v">
-                <p:oleObj spid="_x0000_s44045" name="Bitmap Image" r:id="rId4" imgW="7954485" imgH="3677163" progId="Paint.Picture">
+                <p:oleObj spid="_x0000_s44047" name="Bitmap Image" r:id="rId4" imgW="7954485" imgH="3677163" progId="Paint.Picture">
                   <p:embed/>
                 </p:oleObj>
               </mc:Choice>
@@ -12145,7 +12138,7 @@
           <a:graphicData uri="http://schemas.openxmlformats.org/presentationml/2006/ole">
             <mc:AlternateContent xmlns:mc="http://schemas.openxmlformats.org/markup-compatibility/2006">
               <mc:Choice xmlns:v="urn:schemas-microsoft-com:vml" Requires="v">
-                <p:oleObj spid="_x0000_s46093" name="Bitmap Image" r:id="rId4" imgW="8952381" imgH="4086795" progId="Paint.Picture">
+                <p:oleObj spid="_x0000_s46095" name="Bitmap Image" r:id="rId4" imgW="8952381" imgH="4086795" progId="Paint.Picture">
                   <p:embed/>
                 </p:oleObj>
               </mc:Choice>
@@ -12852,7 +12845,7 @@
           <a:graphicData uri="http://schemas.openxmlformats.org/presentationml/2006/ole">
             <mc:AlternateContent xmlns:mc="http://schemas.openxmlformats.org/markup-compatibility/2006">
               <mc:Choice xmlns:v="urn:schemas-microsoft-com:vml" Requires="v">
-                <p:oleObj spid="_x0000_s54285" name="Bitmap Image" r:id="rId4" imgW="7466667" imgH="2991268" progId="Paint.Picture">
+                <p:oleObj spid="_x0000_s54287" name="Bitmap Image" r:id="rId4" imgW="7466667" imgH="2991268" progId="Paint.Picture">
                   <p:embed/>
                 </p:oleObj>
               </mc:Choice>
@@ -13641,7 +13634,7 @@
           <a:graphicData uri="http://schemas.openxmlformats.org/presentationml/2006/ole">
             <mc:AlternateContent xmlns:mc="http://schemas.openxmlformats.org/markup-compatibility/2006">
               <mc:Choice xmlns:v="urn:schemas-microsoft-com:vml" Requires="v">
-                <p:oleObj spid="_x0000_s1053" name="Bitmap Image" r:id="rId8" imgW="980952" imgH="542857" progId="Paint.Picture">
+                <p:oleObj spid="_x0000_s1057" name="Bitmap Image" r:id="rId8" imgW="980952" imgH="542857" progId="Paint.Picture">
                   <p:embed/>
                 </p:oleObj>
               </mc:Choice>
@@ -13934,7 +13927,7 @@
           <a:graphicData uri="http://schemas.openxmlformats.org/presentationml/2006/ole">
             <mc:AlternateContent xmlns:mc="http://schemas.openxmlformats.org/markup-compatibility/2006">
               <mc:Choice xmlns:v="urn:schemas-microsoft-com:vml" Requires="v">
-                <p:oleObj spid="_x0000_s1054" name="Bitmap Image" r:id="rId13" imgW="885949" imgH="380852" progId="Paint.Picture">
+                <p:oleObj spid="_x0000_s1058" name="Bitmap Image" r:id="rId13" imgW="885949" imgH="380852" progId="Paint.Picture">
                   <p:embed/>
                 </p:oleObj>
               </mc:Choice>
@@ -14101,7 +14094,7 @@
           <a:graphicData uri="http://schemas.openxmlformats.org/presentationml/2006/ole">
             <mc:AlternateContent xmlns:mc="http://schemas.openxmlformats.org/markup-compatibility/2006">
               <mc:Choice xmlns:v="urn:schemas-microsoft-com:vml" Requires="v">
-                <p:oleObj spid="_x0000_s1055" name="Bitmap Image" r:id="rId16" imgW="25400" imgH="25400" progId="Paint.Picture">
+                <p:oleObj spid="_x0000_s1059" name="Bitmap Image" r:id="rId16" imgW="25400" imgH="25400" progId="Paint.Picture">
                   <p:embed/>
                 </p:oleObj>
               </mc:Choice>
